--- a/팀프로젝트 발표.pptx
+++ b/팀프로젝트 발표.pptx
@@ -6,10 +6,10 @@
     <p:sldMasterId id="2147483672" r:id="rId2"/>
   </p:sldMasterIdLst>
   <p:notesMasterIdLst>
-    <p:notesMasterId r:id="rId34"/>
+    <p:notesMasterId r:id="rId36"/>
   </p:notesMasterIdLst>
   <p:handoutMasterIdLst>
-    <p:handoutMasterId r:id="rId35"/>
+    <p:handoutMasterId r:id="rId37"/>
   </p:handoutMasterIdLst>
   <p:sldIdLst>
     <p:sldId id="257" r:id="rId3"/>
@@ -19,30 +19,32 @@
     <p:sldId id="276" r:id="rId7"/>
     <p:sldId id="281" r:id="rId8"/>
     <p:sldId id="282" r:id="rId9"/>
-    <p:sldId id="263" r:id="rId10"/>
-    <p:sldId id="280" r:id="rId11"/>
-    <p:sldId id="264" r:id="rId12"/>
-    <p:sldId id="266" r:id="rId13"/>
-    <p:sldId id="279" r:id="rId14"/>
-    <p:sldId id="269" r:id="rId15"/>
-    <p:sldId id="270" r:id="rId16"/>
-    <p:sldId id="271" r:id="rId17"/>
-    <p:sldId id="272" r:id="rId18"/>
-    <p:sldId id="273" r:id="rId19"/>
-    <p:sldId id="274" r:id="rId20"/>
-    <p:sldId id="275" r:id="rId21"/>
-    <p:sldId id="283" r:id="rId22"/>
-    <p:sldId id="284" r:id="rId23"/>
-    <p:sldId id="285" r:id="rId24"/>
-    <p:sldId id="286" r:id="rId25"/>
-    <p:sldId id="287" r:id="rId26"/>
-    <p:sldId id="288" r:id="rId27"/>
-    <p:sldId id="289" r:id="rId28"/>
-    <p:sldId id="261" r:id="rId29"/>
-    <p:sldId id="290" r:id="rId30"/>
-    <p:sldId id="262" r:id="rId31"/>
-    <p:sldId id="268" r:id="rId32"/>
-    <p:sldId id="277" r:id="rId33"/>
+    <p:sldId id="291" r:id="rId10"/>
+    <p:sldId id="263" r:id="rId11"/>
+    <p:sldId id="280" r:id="rId12"/>
+    <p:sldId id="264" r:id="rId13"/>
+    <p:sldId id="266" r:id="rId14"/>
+    <p:sldId id="279" r:id="rId15"/>
+    <p:sldId id="269" r:id="rId16"/>
+    <p:sldId id="270" r:id="rId17"/>
+    <p:sldId id="271" r:id="rId18"/>
+    <p:sldId id="272" r:id="rId19"/>
+    <p:sldId id="273" r:id="rId20"/>
+    <p:sldId id="274" r:id="rId21"/>
+    <p:sldId id="275" r:id="rId22"/>
+    <p:sldId id="283" r:id="rId23"/>
+    <p:sldId id="284" r:id="rId24"/>
+    <p:sldId id="285" r:id="rId25"/>
+    <p:sldId id="286" r:id="rId26"/>
+    <p:sldId id="287" r:id="rId27"/>
+    <p:sldId id="288" r:id="rId28"/>
+    <p:sldId id="289" r:id="rId29"/>
+    <p:sldId id="261" r:id="rId30"/>
+    <p:sldId id="293" r:id="rId31"/>
+    <p:sldId id="290" r:id="rId32"/>
+    <p:sldId id="262" r:id="rId33"/>
+    <p:sldId id="268" r:id="rId34"/>
+    <p:sldId id="277" r:id="rId35"/>
   </p:sldIdLst>
   <p:sldSz cx="12192000" cy="6858000"/>
   <p:notesSz cx="6858000" cy="9144000"/>
@@ -1918,7 +1920,7 @@
           <a:p>
             <a:fld id="{F7207F08-3A42-4C13-8730-9800CC4115E9}" type="slidenum">
               <a:rPr lang="ko-KR" altLang="en-US" smtClean="0"/>
-              <a:t>8</a:t>
+              <a:t>9</a:t>
             </a:fld>
             <a:endParaRPr lang="ko-KR" altLang="en-US"/>
           </a:p>
@@ -9544,6 +9546,1320 @@
       </p:grpSpPr>
       <p:sp>
         <p:nvSpPr>
+          <p:cNvPr id="2" name="제목 1">
+            <a:extLst>
+              <a:ext uri="{FF2B5EF4-FFF2-40B4-BE49-F238E27FC236}">
+                <a16:creationId xmlns:a16="http://schemas.microsoft.com/office/drawing/2014/main" id="{6EE10536-443B-4CA6-9703-38E30A937B20}"/>
+              </a:ext>
+            </a:extLst>
+          </p:cNvPr>
+          <p:cNvSpPr>
+            <a:spLocks noGrp="1"/>
+          </p:cNvSpPr>
+          <p:nvPr>
+            <p:ph type="title"/>
+          </p:nvPr>
+        </p:nvSpPr>
+        <p:spPr/>
+        <p:txBody>
+          <a:bodyPr/>
+          <a:lstStyle/>
+          <a:p>
+            <a:endParaRPr lang="ko-KR" altLang="en-US"/>
+          </a:p>
+        </p:txBody>
+      </p:sp>
+      <p:sp>
+        <p:nvSpPr>
+          <p:cNvPr id="3" name="내용 개체 틀 2">
+            <a:extLst>
+              <a:ext uri="{FF2B5EF4-FFF2-40B4-BE49-F238E27FC236}">
+                <a16:creationId xmlns:a16="http://schemas.microsoft.com/office/drawing/2014/main" id="{3447B823-6701-4B14-8CA0-52E2E2CD5FFA}"/>
+              </a:ext>
+            </a:extLst>
+          </p:cNvPr>
+          <p:cNvSpPr>
+            <a:spLocks noGrp="1"/>
+          </p:cNvSpPr>
+          <p:nvPr>
+            <p:ph idx="1"/>
+          </p:nvPr>
+        </p:nvSpPr>
+        <p:spPr/>
+        <p:txBody>
+          <a:bodyPr/>
+          <a:lstStyle/>
+          <a:p>
+            <a:endParaRPr lang="ko-KR" altLang="en-US" dirty="0"/>
+          </a:p>
+        </p:txBody>
+      </p:sp>
+      <p:sp>
+        <p:nvSpPr>
+          <p:cNvPr id="4" name="직사각형 3">
+            <a:extLst>
+              <a:ext uri="{FF2B5EF4-FFF2-40B4-BE49-F238E27FC236}">
+                <a16:creationId xmlns:a16="http://schemas.microsoft.com/office/drawing/2014/main" id="{5ECA7943-40E4-40DF-A449-BB891993D82E}"/>
+              </a:ext>
+            </a:extLst>
+          </p:cNvPr>
+          <p:cNvSpPr/>
+          <p:nvPr/>
+        </p:nvSpPr>
+        <p:spPr>
+          <a:xfrm>
+            <a:off x="409575" y="438206"/>
+            <a:ext cx="11372850" cy="6018014"/>
+          </a:xfrm>
+          <a:prstGeom prst="rect">
+            <a:avLst/>
+          </a:prstGeom>
+          <a:solidFill>
+            <a:schemeClr val="bg1"/>
+          </a:solidFill>
+          <a:ln w="187325">
+            <a:gradFill>
+              <a:gsLst>
+                <a:gs pos="50000">
+                  <a:srgbClr val="EFCCCA"/>
+                </a:gs>
+                <a:gs pos="50000">
+                  <a:schemeClr val="bg1">
+                    <a:lumMod val="85000"/>
+                  </a:schemeClr>
+                </a:gs>
+              </a:gsLst>
+              <a:lin ang="6600000" scaled="0"/>
+            </a:gradFill>
+          </a:ln>
+          <a:effectLst>
+            <a:outerShdw blurRad="431800" dist="241300" dir="5400000" sx="97000" sy="97000" algn="t" rotWithShape="0">
+              <a:prstClr val="black">
+                <a:alpha val="31000"/>
+              </a:prstClr>
+            </a:outerShdw>
+          </a:effectLst>
+        </p:spPr>
+        <p:style>
+          <a:lnRef idx="2">
+            <a:schemeClr val="accent1">
+              <a:shade val="50000"/>
+            </a:schemeClr>
+          </a:lnRef>
+          <a:fillRef idx="1">
+            <a:schemeClr val="accent1"/>
+          </a:fillRef>
+          <a:effectRef idx="0">
+            <a:schemeClr val="accent1"/>
+          </a:effectRef>
+          <a:fontRef idx="minor">
+            <a:schemeClr val="lt1"/>
+          </a:fontRef>
+        </p:style>
+        <p:txBody>
+          <a:bodyPr rtlCol="0" anchor="t"/>
+          <a:lstStyle/>
+          <a:p>
+            <a:pPr algn="ctr" latinLnBrk="0">
+              <a:lnSpc>
+                <a:spcPct val="150000"/>
+              </a:lnSpc>
+              <a:defRPr/>
+            </a:pPr>
+            <a:r>
+              <a:rPr lang="ko-KR" altLang="en-US" sz="2400" b="1" i="1" kern="0" dirty="0">
+                <a:solidFill>
+                  <a:srgbClr val="B3ACB3"/>
+                </a:solidFill>
+              </a:rPr>
+              <a:t>기능 및 요구사항 정의</a:t>
+            </a:r>
+            <a:endParaRPr lang="en-US" altLang="ko-KR" sz="2400" b="1" i="1" kern="0" dirty="0">
+              <a:solidFill>
+                <a:srgbClr val="B3ACB3"/>
+              </a:solidFill>
+            </a:endParaRPr>
+          </a:p>
+          <a:p>
+            <a:pPr algn="ctr" latinLnBrk="0">
+              <a:lnSpc>
+                <a:spcPct val="150000"/>
+              </a:lnSpc>
+              <a:defRPr/>
+            </a:pPr>
+            <a:endParaRPr lang="en-US" altLang="ko-KR" sz="2400" b="1" i="1" kern="0" dirty="0">
+              <a:solidFill>
+                <a:srgbClr val="B3ACB3"/>
+              </a:solidFill>
+            </a:endParaRPr>
+          </a:p>
+          <a:p>
+            <a:pPr algn="ctr" latinLnBrk="0">
+              <a:lnSpc>
+                <a:spcPct val="150000"/>
+              </a:lnSpc>
+              <a:defRPr/>
+            </a:pPr>
+            <a:endParaRPr lang="en-US" altLang="ko-KR" sz="2400" b="1" i="1" kern="0" dirty="0">
+              <a:solidFill>
+                <a:srgbClr val="B3ACB3"/>
+              </a:solidFill>
+            </a:endParaRPr>
+          </a:p>
+        </p:txBody>
+      </p:sp>
+      <p:graphicFrame>
+        <p:nvGraphicFramePr>
+          <p:cNvPr id="6" name="표 5">
+            <a:extLst>
+              <a:ext uri="{FF2B5EF4-FFF2-40B4-BE49-F238E27FC236}">
+                <a16:creationId xmlns:a16="http://schemas.microsoft.com/office/drawing/2014/main" id="{6D1B560B-20FA-4AEE-885C-DEA657B62D4F}"/>
+              </a:ext>
+            </a:extLst>
+          </p:cNvPr>
+          <p:cNvGraphicFramePr>
+            <a:graphicFrameLocks noGrp="1"/>
+          </p:cNvGraphicFramePr>
+          <p:nvPr>
+            <p:extLst>
+              <p:ext uri="{D42A27DB-BD31-4B8C-83A1-F6EECF244321}">
+                <p14:modId xmlns:p14="http://schemas.microsoft.com/office/powerpoint/2010/main" val="1272092086"/>
+              </p:ext>
+            </p:extLst>
+          </p:nvPr>
+        </p:nvGraphicFramePr>
+        <p:xfrm>
+          <a:off x="725534" y="1087655"/>
+          <a:ext cx="10740932" cy="5089308"/>
+        </p:xfrm>
+        <a:graphic>
+          <a:graphicData uri="http://schemas.openxmlformats.org/drawingml/2006/table">
+            <a:tbl>
+              <a:tblPr firstRow="1" bandRow="1">
+                <a:tableStyleId>{5C22544A-7EE6-4342-B048-85BDC9FD1C3A}</a:tableStyleId>
+              </a:tblPr>
+              <a:tblGrid>
+                <a:gridCol w="2510189">
+                  <a:extLst>
+                    <a:ext uri="{9D8B030D-6E8A-4147-A177-3AD203B41FA5}">
+                      <a16:colId xmlns:a16="http://schemas.microsoft.com/office/drawing/2014/main" val="20000"/>
+                    </a:ext>
+                  </a:extLst>
+                </a:gridCol>
+                <a:gridCol w="8230743">
+                  <a:extLst>
+                    <a:ext uri="{9D8B030D-6E8A-4147-A177-3AD203B41FA5}">
+                      <a16:colId xmlns:a16="http://schemas.microsoft.com/office/drawing/2014/main" val="20001"/>
+                    </a:ext>
+                  </a:extLst>
+                </a:gridCol>
+              </a:tblGrid>
+              <a:tr h="429951">
+                <a:tc>
+                  <a:txBody>
+                    <a:bodyPr/>
+                    <a:lstStyle/>
+                    <a:p>
+                      <a:pPr algn="ctr" latinLnBrk="1"/>
+                      <a:r>
+                        <a:rPr lang="ko-KR" altLang="en-US" sz="1400" b="1" i="1" dirty="0">
+                          <a:solidFill>
+                            <a:schemeClr val="bg1"/>
+                          </a:solidFill>
+                          <a:latin typeface="+mn-ea"/>
+                          <a:ea typeface="+mn-ea"/>
+                        </a:rPr>
+                        <a:t>기능</a:t>
+                      </a:r>
+                    </a:p>
+                  </a:txBody>
+                  <a:tcPr marL="88964" marR="88964" marT="44482" marB="44482" anchor="ctr">
+                    <a:solidFill>
+                      <a:srgbClr val="FF9999"/>
+                    </a:solidFill>
+                  </a:tcPr>
+                </a:tc>
+                <a:tc>
+                  <a:txBody>
+                    <a:bodyPr/>
+                    <a:lstStyle/>
+                    <a:p>
+                      <a:pPr algn="ctr" latinLnBrk="1"/>
+                      <a:r>
+                        <a:rPr lang="ko-KR" altLang="en-US" sz="1400" b="1" i="1" dirty="0">
+                          <a:solidFill>
+                            <a:schemeClr val="bg1"/>
+                          </a:solidFill>
+                          <a:latin typeface="+mn-ea"/>
+                          <a:ea typeface="+mn-ea"/>
+                        </a:rPr>
+                        <a:t>설명</a:t>
+                      </a:r>
+                    </a:p>
+                  </a:txBody>
+                  <a:tcPr marL="88964" marR="88964" marT="44482" marB="44482" anchor="ctr">
+                    <a:solidFill>
+                      <a:srgbClr val="FF9999"/>
+                    </a:solidFill>
+                  </a:tcPr>
+                </a:tc>
+                <a:extLst>
+                  <a:ext uri="{0D108BD9-81ED-4DB2-BD59-A6C34878D82A}">
+                    <a16:rowId xmlns:a16="http://schemas.microsoft.com/office/drawing/2014/main" val="10000"/>
+                  </a:ext>
+                </a:extLst>
+              </a:tr>
+              <a:tr h="365271">
+                <a:tc>
+                  <a:txBody>
+                    <a:bodyPr/>
+                    <a:lstStyle/>
+                    <a:p>
+                      <a:pPr marL="0" marR="0" indent="0" algn="ctr" defTabSz="914400" rtl="0" eaLnBrk="1" fontAlgn="auto" latinLnBrk="1" hangingPunct="1">
+                        <a:lnSpc>
+                          <a:spcPct val="100000"/>
+                        </a:lnSpc>
+                        <a:spcBef>
+                          <a:spcPts val="0"/>
+                        </a:spcBef>
+                        <a:spcAft>
+                          <a:spcPts val="0"/>
+                        </a:spcAft>
+                        <a:buClrTx/>
+                        <a:buSzTx/>
+                        <a:buFontTx/>
+                        <a:buNone/>
+                        <a:tabLst/>
+                        <a:defRPr/>
+                      </a:pPr>
+                      <a:r>
+                        <a:rPr lang="ko-KR" altLang="en-US" sz="1400" b="1" i="1" dirty="0">
+                          <a:solidFill>
+                            <a:schemeClr val="bg1">
+                              <a:lumMod val="50000"/>
+                            </a:schemeClr>
+                          </a:solidFill>
+                          <a:latin typeface="+mn-ea"/>
+                          <a:ea typeface="+mn-ea"/>
+                        </a:rPr>
+                        <a:t>검색</a:t>
+                      </a:r>
+                    </a:p>
+                  </a:txBody>
+                  <a:tcPr marL="88964" marR="88964" marT="44482" marB="44482" anchor="ctr">
+                    <a:solidFill>
+                      <a:srgbClr val="EFCCCA"/>
+                    </a:solidFill>
+                  </a:tcPr>
+                </a:tc>
+                <a:tc>
+                  <a:txBody>
+                    <a:bodyPr/>
+                    <a:lstStyle/>
+                    <a:p>
+                      <a:pPr algn="ctr" latinLnBrk="1"/>
+                      <a:r>
+                        <a:rPr lang="ko-KR" altLang="en-US" sz="1400" b="0" i="1" dirty="0">
+                          <a:solidFill>
+                            <a:schemeClr val="bg1">
+                              <a:lumMod val="50000"/>
+                            </a:schemeClr>
+                          </a:solidFill>
+                          <a:latin typeface="+mn-ea"/>
+                          <a:ea typeface="+mn-ea"/>
+                        </a:rPr>
+                        <a:t>사용자는 자신이 궁금한 정보를 검색할 수 있다</a:t>
+                      </a:r>
+                      <a:r>
+                        <a:rPr lang="en-US" altLang="ko-KR" sz="1400" b="0" i="1" dirty="0">
+                          <a:solidFill>
+                            <a:schemeClr val="bg1">
+                              <a:lumMod val="50000"/>
+                            </a:schemeClr>
+                          </a:solidFill>
+                          <a:latin typeface="+mn-ea"/>
+                          <a:ea typeface="+mn-ea"/>
+                        </a:rPr>
+                        <a:t>.</a:t>
+                      </a:r>
+                      <a:endParaRPr lang="ko-KR" altLang="en-US" sz="1400" b="0" i="1" dirty="0">
+                        <a:solidFill>
+                          <a:schemeClr val="bg1">
+                            <a:lumMod val="50000"/>
+                          </a:schemeClr>
+                        </a:solidFill>
+                        <a:latin typeface="+mn-ea"/>
+                        <a:ea typeface="+mn-ea"/>
+                      </a:endParaRPr>
+                    </a:p>
+                  </a:txBody>
+                  <a:tcPr marL="88964" marR="88964" marT="44482" marB="44482" anchor="ctr">
+                    <a:solidFill>
+                      <a:srgbClr val="F8E9E8"/>
+                    </a:solidFill>
+                  </a:tcPr>
+                </a:tc>
+                <a:extLst>
+                  <a:ext uri="{0D108BD9-81ED-4DB2-BD59-A6C34878D82A}">
+                    <a16:rowId xmlns:a16="http://schemas.microsoft.com/office/drawing/2014/main" val="10001"/>
+                  </a:ext>
+                </a:extLst>
+              </a:tr>
+              <a:tr h="432313">
+                <a:tc>
+                  <a:txBody>
+                    <a:bodyPr/>
+                    <a:lstStyle/>
+                    <a:p>
+                      <a:pPr algn="ctr" latinLnBrk="1"/>
+                      <a:r>
+                        <a:rPr lang="ko-KR" altLang="en-US" sz="1400" b="1" i="1" dirty="0">
+                          <a:solidFill>
+                            <a:schemeClr val="bg1">
+                              <a:lumMod val="50000"/>
+                            </a:schemeClr>
+                          </a:solidFill>
+                          <a:latin typeface="+mn-ea"/>
+                          <a:ea typeface="+mn-ea"/>
+                        </a:rPr>
+                        <a:t>카테고리별 분류</a:t>
+                      </a:r>
+                    </a:p>
+                  </a:txBody>
+                  <a:tcPr marL="88964" marR="88964" marT="44482" marB="44482" anchor="ctr">
+                    <a:solidFill>
+                      <a:srgbClr val="EFCCCA"/>
+                    </a:solidFill>
+                  </a:tcPr>
+                </a:tc>
+                <a:tc>
+                  <a:txBody>
+                    <a:bodyPr/>
+                    <a:lstStyle/>
+                    <a:p>
+                      <a:pPr algn="ctr" latinLnBrk="1"/>
+                      <a:r>
+                        <a:rPr lang="ko-KR" altLang="en-US" sz="1400" b="0" i="1" dirty="0">
+                          <a:solidFill>
+                            <a:schemeClr val="bg1">
+                              <a:lumMod val="50000"/>
+                            </a:schemeClr>
+                          </a:solidFill>
+                          <a:latin typeface="+mn-ea"/>
+                          <a:ea typeface="+mn-ea"/>
+                        </a:rPr>
+                        <a:t>각 주제에 맞는 카테고리별 순위 리스트를 버튼 형식으로 제공해 주는 기능</a:t>
+                      </a:r>
+                    </a:p>
+                  </a:txBody>
+                  <a:tcPr marL="88964" marR="88964" marT="44482" marB="44482" anchor="ctr">
+                    <a:solidFill>
+                      <a:srgbClr val="F8E9E8"/>
+                    </a:solidFill>
+                  </a:tcPr>
+                </a:tc>
+                <a:extLst>
+                  <a:ext uri="{0D108BD9-81ED-4DB2-BD59-A6C34878D82A}">
+                    <a16:rowId xmlns:a16="http://schemas.microsoft.com/office/drawing/2014/main" val="10002"/>
+                  </a:ext>
+                </a:extLst>
+              </a:tr>
+              <a:tr h="365271">
+                <a:tc>
+                  <a:txBody>
+                    <a:bodyPr/>
+                    <a:lstStyle/>
+                    <a:p>
+                      <a:pPr algn="ctr" latinLnBrk="1"/>
+                      <a:r>
+                        <a:rPr lang="ko-KR" altLang="en-US" sz="1400" b="1" i="1" dirty="0">
+                          <a:solidFill>
+                            <a:schemeClr val="bg1">
+                              <a:lumMod val="50000"/>
+                            </a:schemeClr>
+                          </a:solidFill>
+                          <a:latin typeface="+mn-ea"/>
+                          <a:ea typeface="+mn-ea"/>
+                        </a:rPr>
+                        <a:t>정보 등록</a:t>
+                      </a:r>
+                    </a:p>
+                  </a:txBody>
+                  <a:tcPr marL="88964" marR="88964" marT="44482" marB="44482" anchor="ctr">
+                    <a:solidFill>
+                      <a:srgbClr val="EFCCCA"/>
+                    </a:solidFill>
+                  </a:tcPr>
+                </a:tc>
+                <a:tc>
+                  <a:txBody>
+                    <a:bodyPr/>
+                    <a:lstStyle/>
+                    <a:p>
+                      <a:pPr algn="ctr" latinLnBrk="1"/>
+                      <a:r>
+                        <a:rPr lang="ko-KR" altLang="en-US" sz="1400" b="0" i="1" dirty="0">
+                          <a:solidFill>
+                            <a:schemeClr val="bg1">
+                              <a:lumMod val="50000"/>
+                            </a:schemeClr>
+                          </a:solidFill>
+                          <a:latin typeface="+mn-ea"/>
+                          <a:ea typeface="+mn-ea"/>
+                        </a:rPr>
+                        <a:t>관리자는 각 정보를 입력하고 수정 및 삭제할 수 있다</a:t>
+                      </a:r>
+                    </a:p>
+                  </a:txBody>
+                  <a:tcPr marL="88964" marR="88964" marT="44482" marB="44482" anchor="ctr">
+                    <a:solidFill>
+                      <a:srgbClr val="F8E9E8"/>
+                    </a:solidFill>
+                  </a:tcPr>
+                </a:tc>
+                <a:extLst>
+                  <a:ext uri="{0D108BD9-81ED-4DB2-BD59-A6C34878D82A}">
+                    <a16:rowId xmlns:a16="http://schemas.microsoft.com/office/drawing/2014/main" val="10003"/>
+                  </a:ext>
+                </a:extLst>
+              </a:tr>
+              <a:tr h="365271">
+                <a:tc>
+                  <a:txBody>
+                    <a:bodyPr/>
+                    <a:lstStyle/>
+                    <a:p>
+                      <a:pPr algn="ctr" latinLnBrk="1"/>
+                      <a:r>
+                        <a:rPr lang="ko-KR" altLang="en-US" sz="1400" b="1" i="1" dirty="0">
+                          <a:solidFill>
+                            <a:schemeClr val="bg1">
+                              <a:lumMod val="50000"/>
+                            </a:schemeClr>
+                          </a:solidFill>
+                          <a:latin typeface="+mn-ea"/>
+                          <a:ea typeface="+mn-ea"/>
+                        </a:rPr>
+                        <a:t>로그인</a:t>
+                      </a:r>
+                    </a:p>
+                  </a:txBody>
+                  <a:tcPr marL="88964" marR="88964" marT="44482" marB="44482" anchor="ctr">
+                    <a:solidFill>
+                      <a:srgbClr val="EFCCCA"/>
+                    </a:solidFill>
+                  </a:tcPr>
+                </a:tc>
+                <a:tc>
+                  <a:txBody>
+                    <a:bodyPr/>
+                    <a:lstStyle/>
+                    <a:p>
+                      <a:pPr algn="ctr" latinLnBrk="1"/>
+                      <a:r>
+                        <a:rPr lang="ko-KR" altLang="en-US" sz="1400" b="0" i="1" dirty="0">
+                          <a:solidFill>
+                            <a:schemeClr val="bg1">
+                              <a:lumMod val="50000"/>
+                            </a:schemeClr>
+                          </a:solidFill>
+                          <a:latin typeface="+mn-ea"/>
+                          <a:ea typeface="+mn-ea"/>
+                        </a:rPr>
+                        <a:t>사용자는 아이디 </a:t>
+                      </a:r>
+                      <a:r>
+                        <a:rPr lang="en-US" altLang="ko-KR" sz="1400" b="0" i="1" dirty="0">
+                          <a:solidFill>
+                            <a:schemeClr val="bg1">
+                              <a:lumMod val="50000"/>
+                            </a:schemeClr>
+                          </a:solidFill>
+                          <a:latin typeface="+mn-ea"/>
+                          <a:ea typeface="+mn-ea"/>
+                        </a:rPr>
+                        <a:t>/ </a:t>
+                      </a:r>
+                      <a:r>
+                        <a:rPr lang="ko-KR" altLang="en-US" sz="1400" b="0" i="1" dirty="0">
+                          <a:solidFill>
+                            <a:schemeClr val="bg1">
+                              <a:lumMod val="50000"/>
+                            </a:schemeClr>
+                          </a:solidFill>
+                          <a:latin typeface="+mn-ea"/>
+                          <a:ea typeface="+mn-ea"/>
+                        </a:rPr>
+                        <a:t>비밀번호를 입력해 로그인할 수 있다</a:t>
+                      </a:r>
+                      <a:r>
+                        <a:rPr lang="en-US" altLang="ko-KR" sz="1400" b="0" i="1" dirty="0">
+                          <a:solidFill>
+                            <a:schemeClr val="bg1">
+                              <a:lumMod val="50000"/>
+                            </a:schemeClr>
+                          </a:solidFill>
+                          <a:latin typeface="+mn-ea"/>
+                          <a:ea typeface="+mn-ea"/>
+                        </a:rPr>
+                        <a:t>.</a:t>
+                      </a:r>
+                      <a:r>
+                        <a:rPr lang="ko-KR" altLang="en-US" sz="1400" b="0" i="1" dirty="0">
+                          <a:solidFill>
+                            <a:schemeClr val="bg1">
+                              <a:lumMod val="50000"/>
+                            </a:schemeClr>
+                          </a:solidFill>
+                          <a:latin typeface="+mn-ea"/>
+                          <a:ea typeface="+mn-ea"/>
+                        </a:rPr>
+                        <a:t> </a:t>
+                      </a:r>
+                    </a:p>
+                  </a:txBody>
+                  <a:tcPr marL="88964" marR="88964" marT="44482" marB="44482" anchor="ctr">
+                    <a:solidFill>
+                      <a:srgbClr val="F8E9E8"/>
+                    </a:solidFill>
+                  </a:tcPr>
+                </a:tc>
+                <a:extLst>
+                  <a:ext uri="{0D108BD9-81ED-4DB2-BD59-A6C34878D82A}">
+                    <a16:rowId xmlns:a16="http://schemas.microsoft.com/office/drawing/2014/main" val="10004"/>
+                  </a:ext>
+                </a:extLst>
+              </a:tr>
+              <a:tr h="365271">
+                <a:tc>
+                  <a:txBody>
+                    <a:bodyPr/>
+                    <a:lstStyle/>
+                    <a:p>
+                      <a:pPr algn="ctr" latinLnBrk="1"/>
+                      <a:r>
+                        <a:rPr lang="ko-KR" altLang="en-US" sz="1400" b="1" i="1" dirty="0">
+                          <a:solidFill>
+                            <a:schemeClr val="bg1">
+                              <a:lumMod val="50000"/>
+                            </a:schemeClr>
+                          </a:solidFill>
+                          <a:latin typeface="+mn-ea"/>
+                          <a:ea typeface="+mn-ea"/>
+                        </a:rPr>
+                        <a:t>회원가입</a:t>
+                      </a:r>
+                    </a:p>
+                  </a:txBody>
+                  <a:tcPr marL="88964" marR="88964" marT="44482" marB="44482" anchor="ctr">
+                    <a:solidFill>
+                      <a:srgbClr val="EFCCCA"/>
+                    </a:solidFill>
+                  </a:tcPr>
+                </a:tc>
+                <a:tc>
+                  <a:txBody>
+                    <a:bodyPr/>
+                    <a:lstStyle/>
+                    <a:p>
+                      <a:pPr algn="ctr" latinLnBrk="1"/>
+                      <a:r>
+                        <a:rPr lang="ko-KR" altLang="en-US" sz="1400" b="0" i="1" dirty="0">
+                          <a:solidFill>
+                            <a:schemeClr val="bg1">
+                              <a:lumMod val="50000"/>
+                            </a:schemeClr>
+                          </a:solidFill>
+                          <a:latin typeface="+mn-ea"/>
+                          <a:ea typeface="+mn-ea"/>
+                        </a:rPr>
+                        <a:t>방문자는 회원가입 기능을 통해 사용자로 등록될 수 있다</a:t>
+                      </a:r>
+                      <a:r>
+                        <a:rPr lang="en-US" altLang="ko-KR" sz="1400" b="0" i="1" dirty="0">
+                          <a:solidFill>
+                            <a:schemeClr val="bg1">
+                              <a:lumMod val="50000"/>
+                            </a:schemeClr>
+                          </a:solidFill>
+                          <a:latin typeface="+mn-ea"/>
+                          <a:ea typeface="+mn-ea"/>
+                        </a:rPr>
+                        <a:t>.</a:t>
+                      </a:r>
+                      <a:endParaRPr lang="ko-KR" altLang="en-US" sz="1400" b="0" i="1" dirty="0">
+                        <a:solidFill>
+                          <a:schemeClr val="bg1">
+                            <a:lumMod val="50000"/>
+                          </a:schemeClr>
+                        </a:solidFill>
+                        <a:latin typeface="+mn-ea"/>
+                        <a:ea typeface="+mn-ea"/>
+                      </a:endParaRPr>
+                    </a:p>
+                  </a:txBody>
+                  <a:tcPr marL="88964" marR="88964" marT="44482" marB="44482" anchor="ctr">
+                    <a:solidFill>
+                      <a:srgbClr val="F8E9E8"/>
+                    </a:solidFill>
+                  </a:tcPr>
+                </a:tc>
+                <a:extLst>
+                  <a:ext uri="{0D108BD9-81ED-4DB2-BD59-A6C34878D82A}">
+                    <a16:rowId xmlns:a16="http://schemas.microsoft.com/office/drawing/2014/main" val="10006"/>
+                  </a:ext>
+                </a:extLst>
+              </a:tr>
+              <a:tr h="365271">
+                <a:tc>
+                  <a:txBody>
+                    <a:bodyPr/>
+                    <a:lstStyle/>
+                    <a:p>
+                      <a:pPr algn="ctr" latinLnBrk="1"/>
+                      <a:r>
+                        <a:rPr lang="ko-KR" altLang="en-US" sz="1400" b="1" i="1" dirty="0">
+                          <a:solidFill>
+                            <a:schemeClr val="bg1">
+                              <a:lumMod val="50000"/>
+                            </a:schemeClr>
+                          </a:solidFill>
+                          <a:latin typeface="+mn-ea"/>
+                          <a:ea typeface="+mn-ea"/>
+                        </a:rPr>
+                        <a:t>회원정보</a:t>
+                      </a:r>
+                    </a:p>
+                  </a:txBody>
+                  <a:tcPr marL="88964" marR="88964" marT="44482" marB="44482" anchor="ctr">
+                    <a:solidFill>
+                      <a:srgbClr val="EFCCCA"/>
+                    </a:solidFill>
+                  </a:tcPr>
+                </a:tc>
+                <a:tc>
+                  <a:txBody>
+                    <a:bodyPr/>
+                    <a:lstStyle/>
+                    <a:p>
+                      <a:pPr algn="ctr" latinLnBrk="1"/>
+                      <a:r>
+                        <a:rPr lang="ko-KR" altLang="en-US" sz="1400" b="0" i="1" dirty="0">
+                          <a:solidFill>
+                            <a:schemeClr val="bg1">
+                              <a:lumMod val="50000"/>
+                            </a:schemeClr>
+                          </a:solidFill>
+                          <a:latin typeface="+mn-ea"/>
+                          <a:ea typeface="+mn-ea"/>
+                        </a:rPr>
+                        <a:t>사용자는 회원정보에서 회원정보 수정 및 회원정보 조회 등 여러 기능을 사용할 수 있다</a:t>
+                      </a:r>
+                      <a:r>
+                        <a:rPr lang="en-US" altLang="ko-KR" sz="1400" b="0" i="1" dirty="0">
+                          <a:solidFill>
+                            <a:schemeClr val="bg1">
+                              <a:lumMod val="50000"/>
+                            </a:schemeClr>
+                          </a:solidFill>
+                          <a:latin typeface="+mn-ea"/>
+                          <a:ea typeface="+mn-ea"/>
+                        </a:rPr>
+                        <a:t>.</a:t>
+                      </a:r>
+                      <a:endParaRPr lang="ko-KR" altLang="en-US" sz="1400" b="0" i="1" dirty="0">
+                        <a:solidFill>
+                          <a:schemeClr val="bg1">
+                            <a:lumMod val="50000"/>
+                          </a:schemeClr>
+                        </a:solidFill>
+                        <a:latin typeface="+mn-ea"/>
+                        <a:ea typeface="+mn-ea"/>
+                      </a:endParaRPr>
+                    </a:p>
+                  </a:txBody>
+                  <a:tcPr marL="88964" marR="88964" marT="44482" marB="44482" anchor="ctr">
+                    <a:solidFill>
+                      <a:srgbClr val="F8E9E8"/>
+                    </a:solidFill>
+                  </a:tcPr>
+                </a:tc>
+                <a:extLst>
+                  <a:ext uri="{0D108BD9-81ED-4DB2-BD59-A6C34878D82A}">
+                    <a16:rowId xmlns:a16="http://schemas.microsoft.com/office/drawing/2014/main" val="10007"/>
+                  </a:ext>
+                </a:extLst>
+              </a:tr>
+              <a:tr h="365271">
+                <a:tc>
+                  <a:txBody>
+                    <a:bodyPr/>
+                    <a:lstStyle/>
+                    <a:p>
+                      <a:pPr algn="ctr" latinLnBrk="1"/>
+                      <a:r>
+                        <a:rPr lang="ko-KR" altLang="en-US" sz="1400" b="1" i="1" dirty="0">
+                          <a:solidFill>
+                            <a:schemeClr val="bg1">
+                              <a:lumMod val="50000"/>
+                            </a:schemeClr>
+                          </a:solidFill>
+                          <a:latin typeface="+mn-ea"/>
+                          <a:ea typeface="+mn-ea"/>
+                        </a:rPr>
+                        <a:t>회원정보 찾기</a:t>
+                      </a:r>
+                    </a:p>
+                  </a:txBody>
+                  <a:tcPr marL="88964" marR="88964" marT="44482" marB="44482" anchor="ctr">
+                    <a:solidFill>
+                      <a:srgbClr val="EFCCCA"/>
+                    </a:solidFill>
+                  </a:tcPr>
+                </a:tc>
+                <a:tc>
+                  <a:txBody>
+                    <a:bodyPr/>
+                    <a:lstStyle/>
+                    <a:p>
+                      <a:pPr algn="ctr" latinLnBrk="1"/>
+                      <a:r>
+                        <a:rPr lang="ko-KR" altLang="en-US" sz="1400" b="0" i="1" dirty="0">
+                          <a:solidFill>
+                            <a:schemeClr val="bg1">
+                              <a:lumMod val="50000"/>
+                            </a:schemeClr>
+                          </a:solidFill>
+                          <a:latin typeface="+mn-ea"/>
+                          <a:ea typeface="+mn-ea"/>
+                        </a:rPr>
+                        <a:t>사용자는 회원가입 시 입력한 정보를 토대로 회원정보를 찾을 수 있다</a:t>
+                      </a:r>
+                      <a:r>
+                        <a:rPr lang="en-US" altLang="ko-KR" sz="1400" b="0" i="1" dirty="0">
+                          <a:solidFill>
+                            <a:schemeClr val="bg1">
+                              <a:lumMod val="50000"/>
+                            </a:schemeClr>
+                          </a:solidFill>
+                          <a:latin typeface="+mn-ea"/>
+                          <a:ea typeface="+mn-ea"/>
+                        </a:rPr>
+                        <a:t>.</a:t>
+                      </a:r>
+                      <a:endParaRPr lang="ko-KR" altLang="en-US" sz="1400" b="0" i="1" dirty="0">
+                        <a:solidFill>
+                          <a:schemeClr val="bg1">
+                            <a:lumMod val="50000"/>
+                          </a:schemeClr>
+                        </a:solidFill>
+                        <a:latin typeface="+mn-ea"/>
+                        <a:ea typeface="+mn-ea"/>
+                      </a:endParaRPr>
+                    </a:p>
+                  </a:txBody>
+                  <a:tcPr marL="88964" marR="88964" marT="44482" marB="44482" anchor="ctr">
+                    <a:solidFill>
+                      <a:srgbClr val="F8E9E8"/>
+                    </a:solidFill>
+                  </a:tcPr>
+                </a:tc>
+                <a:extLst>
+                  <a:ext uri="{0D108BD9-81ED-4DB2-BD59-A6C34878D82A}">
+                    <a16:rowId xmlns:a16="http://schemas.microsoft.com/office/drawing/2014/main" val="10008"/>
+                  </a:ext>
+                </a:extLst>
+              </a:tr>
+              <a:tr h="365271">
+                <a:tc>
+                  <a:txBody>
+                    <a:bodyPr/>
+                    <a:lstStyle/>
+                    <a:p>
+                      <a:pPr algn="ctr" latinLnBrk="1"/>
+                      <a:r>
+                        <a:rPr lang="ko-KR" altLang="en-US" sz="1400" b="1" i="1" dirty="0">
+                          <a:solidFill>
+                            <a:schemeClr val="bg1">
+                              <a:lumMod val="50000"/>
+                            </a:schemeClr>
+                          </a:solidFill>
+                          <a:latin typeface="+mn-ea"/>
+                          <a:ea typeface="+mn-ea"/>
+                        </a:rPr>
+                        <a:t>회원탈퇴</a:t>
+                      </a:r>
+                    </a:p>
+                  </a:txBody>
+                  <a:tcPr marL="88964" marR="88964" marT="44482" marB="44482" anchor="ctr">
+                    <a:solidFill>
+                      <a:srgbClr val="EFCCCA"/>
+                    </a:solidFill>
+                  </a:tcPr>
+                </a:tc>
+                <a:tc>
+                  <a:txBody>
+                    <a:bodyPr/>
+                    <a:lstStyle/>
+                    <a:p>
+                      <a:pPr algn="ctr" latinLnBrk="1"/>
+                      <a:r>
+                        <a:rPr lang="ko-KR" altLang="en-US" sz="1400" b="0" i="1" dirty="0">
+                          <a:solidFill>
+                            <a:schemeClr val="bg1">
+                              <a:lumMod val="50000"/>
+                            </a:schemeClr>
+                          </a:solidFill>
+                          <a:latin typeface="+mn-ea"/>
+                          <a:ea typeface="+mn-ea"/>
+                        </a:rPr>
+                        <a:t>사용자는 본인이 원하면 회원탈퇴 기능을 통해 탈퇴가 가능하다</a:t>
+                      </a:r>
+                      <a:r>
+                        <a:rPr lang="en-US" altLang="ko-KR" sz="1400" b="0" i="1" dirty="0">
+                          <a:solidFill>
+                            <a:schemeClr val="bg1">
+                              <a:lumMod val="50000"/>
+                            </a:schemeClr>
+                          </a:solidFill>
+                          <a:latin typeface="+mn-ea"/>
+                          <a:ea typeface="+mn-ea"/>
+                        </a:rPr>
+                        <a:t>.</a:t>
+                      </a:r>
+                      <a:endParaRPr lang="ko-KR" altLang="en-US" sz="1400" b="0" i="1" dirty="0">
+                        <a:solidFill>
+                          <a:schemeClr val="bg1">
+                            <a:lumMod val="50000"/>
+                          </a:schemeClr>
+                        </a:solidFill>
+                        <a:latin typeface="+mn-ea"/>
+                        <a:ea typeface="+mn-ea"/>
+                      </a:endParaRPr>
+                    </a:p>
+                  </a:txBody>
+                  <a:tcPr marL="88964" marR="88964" marT="44482" marB="44482" anchor="ctr">
+                    <a:solidFill>
+                      <a:srgbClr val="F8E9E8"/>
+                    </a:solidFill>
+                  </a:tcPr>
+                </a:tc>
+                <a:extLst>
+                  <a:ext uri="{0D108BD9-81ED-4DB2-BD59-A6C34878D82A}">
+                    <a16:rowId xmlns:a16="http://schemas.microsoft.com/office/drawing/2014/main" val="10009"/>
+                  </a:ext>
+                </a:extLst>
+              </a:tr>
+              <a:tr h="880838">
+                <a:tc>
+                  <a:txBody>
+                    <a:bodyPr/>
+                    <a:lstStyle/>
+                    <a:p>
+                      <a:pPr algn="ctr" latinLnBrk="1"/>
+                      <a:r>
+                        <a:rPr lang="ko-KR" altLang="en-US" sz="1400" b="1" i="1" dirty="0">
+                          <a:solidFill>
+                            <a:schemeClr val="bg1">
+                              <a:lumMod val="50000"/>
+                            </a:schemeClr>
+                          </a:solidFill>
+                          <a:latin typeface="+mn-ea"/>
+                          <a:ea typeface="+mn-ea"/>
+                        </a:rPr>
+                        <a:t>추천</a:t>
+                      </a:r>
+                    </a:p>
+                  </a:txBody>
+                  <a:tcPr marL="88964" marR="88964" marT="44482" marB="44482" anchor="ctr">
+                    <a:solidFill>
+                      <a:srgbClr val="EFCCCA"/>
+                    </a:solidFill>
+                  </a:tcPr>
+                </a:tc>
+                <a:tc>
+                  <a:txBody>
+                    <a:bodyPr/>
+                    <a:lstStyle/>
+                    <a:p>
+                      <a:pPr algn="ctr" latinLnBrk="1"/>
+                      <a:r>
+                        <a:rPr lang="ko-KR" altLang="en-US" sz="1400" b="0" i="1" dirty="0">
+                          <a:solidFill>
+                            <a:schemeClr val="bg1">
+                              <a:lumMod val="50000"/>
+                            </a:schemeClr>
+                          </a:solidFill>
+                          <a:latin typeface="+mn-ea"/>
+                          <a:ea typeface="+mn-ea"/>
+                        </a:rPr>
+                        <a:t>사용자는 자신이 생각하기에 카테고리에 맞는 주제라고 생각 되면 </a:t>
+                      </a:r>
+                      <a:endParaRPr lang="en-US" altLang="ko-KR" sz="1400" b="0" i="1" dirty="0">
+                        <a:solidFill>
+                          <a:schemeClr val="bg1">
+                            <a:lumMod val="50000"/>
+                          </a:schemeClr>
+                        </a:solidFill>
+                        <a:latin typeface="+mn-ea"/>
+                        <a:ea typeface="+mn-ea"/>
+                      </a:endParaRPr>
+                    </a:p>
+                    <a:p>
+                      <a:pPr algn="ctr" latinLnBrk="1"/>
+                      <a:r>
+                        <a:rPr lang="ko-KR" altLang="en-US" sz="1400" b="0" i="1" dirty="0">
+                          <a:solidFill>
+                            <a:schemeClr val="bg1">
+                              <a:lumMod val="50000"/>
+                            </a:schemeClr>
+                          </a:solidFill>
+                          <a:latin typeface="+mn-ea"/>
+                          <a:ea typeface="+mn-ea"/>
+                        </a:rPr>
+                        <a:t>추천 기능을 통해 랭킹투표에 참여할 수 있다</a:t>
+                      </a:r>
+                      <a:r>
+                        <a:rPr lang="en-US" altLang="ko-KR" sz="1400" b="0" i="1" dirty="0">
+                          <a:solidFill>
+                            <a:schemeClr val="bg1">
+                              <a:lumMod val="50000"/>
+                            </a:schemeClr>
+                          </a:solidFill>
+                          <a:latin typeface="+mn-ea"/>
+                          <a:ea typeface="+mn-ea"/>
+                        </a:rPr>
+                        <a:t>. </a:t>
+                      </a:r>
+                    </a:p>
+                    <a:p>
+                      <a:pPr algn="ctr" latinLnBrk="1"/>
+                      <a:r>
+                        <a:rPr lang="ko-KR" altLang="en-US" sz="1400" b="0" i="1" dirty="0">
+                          <a:solidFill>
+                            <a:schemeClr val="bg1">
+                              <a:lumMod val="50000"/>
+                            </a:schemeClr>
+                          </a:solidFill>
+                          <a:latin typeface="+mn-ea"/>
+                          <a:ea typeface="+mn-ea"/>
+                        </a:rPr>
+                        <a:t>추천은 한번만 허용되며 추천버튼을 한번 더 누르게 되면 추천이 취소 된다</a:t>
+                      </a:r>
+                      <a:r>
+                        <a:rPr lang="en-US" altLang="ko-KR" sz="1400" b="0" i="1" dirty="0">
+                          <a:solidFill>
+                            <a:schemeClr val="bg1">
+                              <a:lumMod val="50000"/>
+                            </a:schemeClr>
+                          </a:solidFill>
+                          <a:latin typeface="+mn-ea"/>
+                          <a:ea typeface="+mn-ea"/>
+                        </a:rPr>
+                        <a:t>.</a:t>
+                      </a:r>
+                      <a:endParaRPr lang="ko-KR" altLang="en-US" sz="1400" b="0" i="1" dirty="0">
+                        <a:solidFill>
+                          <a:schemeClr val="bg1">
+                            <a:lumMod val="50000"/>
+                          </a:schemeClr>
+                        </a:solidFill>
+                        <a:latin typeface="+mn-ea"/>
+                        <a:ea typeface="+mn-ea"/>
+                      </a:endParaRPr>
+                    </a:p>
+                  </a:txBody>
+                  <a:tcPr marL="88964" marR="88964" marT="44482" marB="44482" anchor="ctr">
+                    <a:solidFill>
+                      <a:srgbClr val="F8E9E8"/>
+                    </a:solidFill>
+                  </a:tcPr>
+                </a:tc>
+                <a:extLst>
+                  <a:ext uri="{0D108BD9-81ED-4DB2-BD59-A6C34878D82A}">
+                    <a16:rowId xmlns:a16="http://schemas.microsoft.com/office/drawing/2014/main" val="10010"/>
+                  </a:ext>
+                </a:extLst>
+              </a:tr>
+              <a:tr h="399570">
+                <a:tc>
+                  <a:txBody>
+                    <a:bodyPr/>
+                    <a:lstStyle/>
+                    <a:p>
+                      <a:pPr algn="ctr" latinLnBrk="1"/>
+                      <a:r>
+                        <a:rPr lang="ko-KR" altLang="en-US" sz="1400" b="1" i="1" dirty="0">
+                          <a:solidFill>
+                            <a:schemeClr val="bg1">
+                              <a:lumMod val="50000"/>
+                            </a:schemeClr>
+                          </a:solidFill>
+                          <a:latin typeface="+mn-ea"/>
+                          <a:ea typeface="+mn-ea"/>
+                        </a:rPr>
+                        <a:t>댓글 작성</a:t>
+                      </a:r>
+                    </a:p>
+                  </a:txBody>
+                  <a:tcPr marL="88964" marR="88964" marT="44482" marB="44482" anchor="ctr">
+                    <a:solidFill>
+                      <a:srgbClr val="EFCCCA"/>
+                    </a:solidFill>
+                  </a:tcPr>
+                </a:tc>
+                <a:tc>
+                  <a:txBody>
+                    <a:bodyPr/>
+                    <a:lstStyle/>
+                    <a:p>
+                      <a:pPr algn="ctr" latinLnBrk="1"/>
+                      <a:r>
+                        <a:rPr lang="ko-KR" altLang="en-US" sz="1400" b="0" i="1" dirty="0">
+                          <a:solidFill>
+                            <a:schemeClr val="bg1">
+                              <a:lumMod val="50000"/>
+                            </a:schemeClr>
+                          </a:solidFill>
+                          <a:latin typeface="+mn-ea"/>
+                          <a:ea typeface="+mn-ea"/>
+                        </a:rPr>
+                        <a:t>사용자는 각 정보에 대해 댓글을 작성할 수 있으며 다른 사람들과 소통할 수 있다</a:t>
+                      </a:r>
+                      <a:r>
+                        <a:rPr lang="en-US" altLang="ko-KR" sz="1400" b="0" i="1" dirty="0">
+                          <a:solidFill>
+                            <a:schemeClr val="bg1">
+                              <a:lumMod val="50000"/>
+                            </a:schemeClr>
+                          </a:solidFill>
+                          <a:latin typeface="+mn-ea"/>
+                          <a:ea typeface="+mn-ea"/>
+                        </a:rPr>
+                        <a:t>.</a:t>
+                      </a:r>
+                      <a:endParaRPr lang="ko-KR" altLang="en-US" sz="1400" b="0" i="1" dirty="0">
+                        <a:solidFill>
+                          <a:schemeClr val="bg1">
+                            <a:lumMod val="50000"/>
+                          </a:schemeClr>
+                        </a:solidFill>
+                        <a:latin typeface="+mn-ea"/>
+                        <a:ea typeface="+mn-ea"/>
+                      </a:endParaRPr>
+                    </a:p>
+                  </a:txBody>
+                  <a:tcPr marL="88964" marR="88964" marT="44482" marB="44482" anchor="ctr">
+                    <a:solidFill>
+                      <a:srgbClr val="F8E9E8"/>
+                    </a:solidFill>
+                  </a:tcPr>
+                </a:tc>
+                <a:extLst>
+                  <a:ext uri="{0D108BD9-81ED-4DB2-BD59-A6C34878D82A}">
+                    <a16:rowId xmlns:a16="http://schemas.microsoft.com/office/drawing/2014/main" val="10011"/>
+                  </a:ext>
+                </a:extLst>
+              </a:tr>
+              <a:tr h="389739">
+                <a:tc>
+                  <a:txBody>
+                    <a:bodyPr/>
+                    <a:lstStyle/>
+                    <a:p>
+                      <a:pPr algn="ctr" latinLnBrk="1"/>
+                      <a:r>
+                        <a:rPr lang="ko-KR" altLang="en-US" sz="1400" b="1" i="1" dirty="0">
+                          <a:solidFill>
+                            <a:schemeClr val="bg1">
+                              <a:lumMod val="50000"/>
+                            </a:schemeClr>
+                          </a:solidFill>
+                          <a:latin typeface="+mn-ea"/>
+                          <a:ea typeface="+mn-ea"/>
+                        </a:rPr>
+                        <a:t>건의 작성</a:t>
+                      </a:r>
+                    </a:p>
+                  </a:txBody>
+                  <a:tcPr marL="88964" marR="88964" marT="44482" marB="44482" anchor="ctr">
+                    <a:solidFill>
+                      <a:srgbClr val="EFCCCA"/>
+                    </a:solidFill>
+                  </a:tcPr>
+                </a:tc>
+                <a:tc>
+                  <a:txBody>
+                    <a:bodyPr/>
+                    <a:lstStyle/>
+                    <a:p>
+                      <a:pPr algn="ctr" latinLnBrk="1"/>
+                      <a:r>
+                        <a:rPr lang="ko-KR" altLang="en-US" sz="1400" b="0" i="1" dirty="0">
+                          <a:solidFill>
+                            <a:schemeClr val="bg1">
+                              <a:lumMod val="50000"/>
+                            </a:schemeClr>
+                          </a:solidFill>
+                          <a:latin typeface="+mn-ea"/>
+                          <a:ea typeface="+mn-ea"/>
+                        </a:rPr>
+                        <a:t>사용자는 불편사항이나 추가되지 않은 정보에 대해 관리자에게 건의할 수 있다</a:t>
+                      </a:r>
+                      <a:r>
+                        <a:rPr lang="en-US" altLang="ko-KR" sz="1400" b="0" i="1" dirty="0">
+                          <a:solidFill>
+                            <a:schemeClr val="bg1">
+                              <a:lumMod val="50000"/>
+                            </a:schemeClr>
+                          </a:solidFill>
+                          <a:latin typeface="+mn-ea"/>
+                          <a:ea typeface="+mn-ea"/>
+                        </a:rPr>
+                        <a:t>.</a:t>
+                      </a:r>
+                      <a:endParaRPr lang="ko-KR" altLang="en-US" sz="1400" b="0" i="1" dirty="0">
+                        <a:solidFill>
+                          <a:schemeClr val="bg1">
+                            <a:lumMod val="50000"/>
+                          </a:schemeClr>
+                        </a:solidFill>
+                        <a:latin typeface="+mn-ea"/>
+                        <a:ea typeface="+mn-ea"/>
+                      </a:endParaRPr>
+                    </a:p>
+                  </a:txBody>
+                  <a:tcPr marL="88964" marR="88964" marT="44482" marB="44482" anchor="ctr">
+                    <a:solidFill>
+                      <a:srgbClr val="F8E9E8"/>
+                    </a:solidFill>
+                  </a:tcPr>
+                </a:tc>
+                <a:extLst>
+                  <a:ext uri="{0D108BD9-81ED-4DB2-BD59-A6C34878D82A}">
+                    <a16:rowId xmlns:a16="http://schemas.microsoft.com/office/drawing/2014/main" val="10013"/>
+                  </a:ext>
+                </a:extLst>
+              </a:tr>
+            </a:tbl>
+          </a:graphicData>
+        </a:graphic>
+      </p:graphicFrame>
+    </p:spTree>
+    <p:extLst>
+      <p:ext uri="{BB962C8B-B14F-4D97-AF65-F5344CB8AC3E}">
+        <p14:creationId xmlns:p14="http://schemas.microsoft.com/office/powerpoint/2010/main" val="1069081174"/>
+      </p:ext>
+    </p:extLst>
+  </p:cSld>
+  <p:clrMapOvr>
+    <a:masterClrMapping/>
+  </p:clrMapOvr>
+  <p:timing>
+    <p:tnLst>
+      <p:par>
+        <p:cTn id="1" dur="indefinite" restart="never" nodeType="tmRoot">
+          <p:childTnLst>
+            <p:seq concurrent="1" nextAc="seek">
+              <p:cTn id="2" dur="indefinite" nodeType="mainSeq">
+                <p:childTnLst>
+                  <p:par>
+                    <p:cTn id="3" fill="hold">
+                      <p:stCondLst>
+                        <p:cond delay="indefinite"/>
+                      </p:stCondLst>
+                      <p:childTnLst>
+                        <p:par>
+                          <p:cTn id="4" fill="hold">
+                            <p:stCondLst>
+                              <p:cond delay="0"/>
+                            </p:stCondLst>
+                            <p:childTnLst>
+                              <p:par>
+                                <p:cTn id="5" presetID="10" presetClass="entr" presetSubtype="0" fill="hold" nodeType="clickEffect">
+                                  <p:stCondLst>
+                                    <p:cond delay="0"/>
+                                  </p:stCondLst>
+                                  <p:childTnLst>
+                                    <p:set>
+                                      <p:cBhvr>
+                                        <p:cTn id="6" dur="1" fill="hold">
+                                          <p:stCondLst>
+                                            <p:cond delay="0"/>
+                                          </p:stCondLst>
+                                        </p:cTn>
+                                        <p:tgtEl>
+                                          <p:spTgt spid="6"/>
+                                        </p:tgtEl>
+                                        <p:attrNameLst>
+                                          <p:attrName>style.visibility</p:attrName>
+                                        </p:attrNameLst>
+                                      </p:cBhvr>
+                                      <p:to>
+                                        <p:strVal val="visible"/>
+                                      </p:to>
+                                    </p:set>
+                                    <p:animEffect transition="in" filter="fade">
+                                      <p:cBhvr>
+                                        <p:cTn id="7" dur="500"/>
+                                        <p:tgtEl>
+                                          <p:spTgt spid="6"/>
+                                        </p:tgtEl>
+                                      </p:cBhvr>
+                                    </p:animEffect>
+                                  </p:childTnLst>
+                                </p:cTn>
+                              </p:par>
+                            </p:childTnLst>
+                          </p:cTn>
+                        </p:par>
+                      </p:childTnLst>
+                    </p:cTn>
+                  </p:par>
+                </p:childTnLst>
+              </p:cTn>
+              <p:prevCondLst>
+                <p:cond evt="onPrev" delay="0">
+                  <p:tgtEl>
+                    <p:sldTgt/>
+                  </p:tgtEl>
+                </p:cond>
+              </p:prevCondLst>
+              <p:nextCondLst>
+                <p:cond evt="onNext" delay="0">
+                  <p:tgtEl>
+                    <p:sldTgt/>
+                  </p:tgtEl>
+                </p:cond>
+              </p:nextCondLst>
+            </p:seq>
+          </p:childTnLst>
+        </p:cTn>
+      </p:par>
+    </p:tnLst>
+  </p:timing>
+</p:sld>
+</file>
+
+<file path=ppt/slides/slide11.xml><?xml version="1.0" encoding="utf-8"?>
+<p:sld xmlns:a="http://schemas.openxmlformats.org/drawingml/2006/main" xmlns:r="http://schemas.openxmlformats.org/officeDocument/2006/relationships" xmlns:p="http://schemas.openxmlformats.org/presentationml/2006/main">
+  <p:cSld>
+    <p:spTree>
+      <p:nvGrpSpPr>
+        <p:cNvPr id="1" name=""/>
+        <p:cNvGrpSpPr/>
+        <p:nvPr/>
+      </p:nvGrpSpPr>
+      <p:grpSpPr>
+        <a:xfrm>
+          <a:off x="0" y="0"/>
+          <a:ext cx="0" cy="0"/>
+          <a:chOff x="0" y="0"/>
+          <a:chExt cx="0" cy="0"/>
+        </a:xfrm>
+      </p:grpSpPr>
+      <p:sp>
+        <p:nvSpPr>
           <p:cNvPr id="3" name="직사각형 2"/>
           <p:cNvSpPr/>
           <p:nvPr/>
@@ -11061,7 +12377,7 @@
           <a:lstStyle/>
           <a:p>
             <a:r>
-              <a:rPr lang="ko-KR" altLang="en-US" sz="1400">
+              <a:rPr lang="ko-KR" altLang="en-US" sz="1400" dirty="0">
                 <a:solidFill>
                   <a:schemeClr val="bg1"/>
                 </a:solidFill>
@@ -11072,15 +12388,6 @@
               </a:rPr>
               <a:t>검색</a:t>
             </a:r>
-            <a:endParaRPr lang="ko-KR" altLang="en-US" sz="1400" dirty="0">
-              <a:solidFill>
-                <a:schemeClr val="bg1"/>
-              </a:solidFill>
-              <a:highlight>
-                <a:srgbClr val="FF9999"/>
-              </a:highlight>
-              <a:latin typeface="+mn-ea"/>
-            </a:endParaRPr>
           </a:p>
         </p:txBody>
       </p:sp>
@@ -11713,7 +13020,7 @@
                             </p:stCondLst>
                             <p:childTnLst>
                               <p:par>
-                                <p:cTn id="5" presetID="10" presetClass="entr" presetSubtype="0" fill="hold" nodeType="clickEffect">
+                                <p:cTn id="5" presetID="10" presetClass="entr" presetSubtype="0" fill="hold" grpId="0" nodeType="clickEffect">
                                   <p:stCondLst>
                                     <p:cond delay="0"/>
                                   </p:stCondLst>
@@ -11726,7 +13033,7 @@
                                           </p:stCondLst>
                                         </p:cTn>
                                         <p:tgtEl>
-                                          <p:spTgt spid="18"/>
+                                          <p:spTgt spid="83"/>
                                         </p:tgtEl>
                                         <p:attrNameLst>
                                           <p:attrName>style.visibility</p:attrName>
@@ -11740,7 +13047,7 @@
                                       <p:cBhvr>
                                         <p:cTn id="7" dur="500"/>
                                         <p:tgtEl>
-                                          <p:spTgt spid="18"/>
+                                          <p:spTgt spid="83"/>
                                         </p:tgtEl>
                                       </p:cBhvr>
                                     </p:animEffect>
@@ -12998,6 +14305,7 @@
       <p:bldP spid="62" grpId="0" animBg="1"/>
       <p:bldP spid="81" grpId="0"/>
       <p:bldP spid="82" grpId="0"/>
+      <p:bldP spid="83" grpId="0"/>
       <p:bldP spid="84" grpId="0" animBg="1"/>
       <p:bldP spid="86" grpId="0" animBg="1"/>
       <p:bldP spid="88" grpId="0"/>
@@ -13010,7 +14318,7 @@
 </p:sld>
 </file>
 
-<file path=ppt/slides/slide11.xml><?xml version="1.0" encoding="utf-8"?>
+<file path=ppt/slides/slide12.xml><?xml version="1.0" encoding="utf-8"?>
 <p:sld xmlns:a="http://schemas.openxmlformats.org/drawingml/2006/main" xmlns:r="http://schemas.openxmlformats.org/officeDocument/2006/relationships" xmlns:p="http://schemas.openxmlformats.org/presentationml/2006/main">
   <p:cSld>
     <p:spTree>
@@ -13324,7 +14632,7 @@
         </p:nvSpPr>
         <p:spPr>
           <a:xfrm>
-            <a:off x="751410" y="1029689"/>
+            <a:off x="823142" y="1033177"/>
             <a:ext cx="689612" cy="338554"/>
           </a:xfrm>
           <a:prstGeom prst="rect">
@@ -13368,7 +14676,7 @@
         </p:nvSpPr>
         <p:spPr>
           <a:xfrm>
-            <a:off x="5959851" y="1053009"/>
+            <a:off x="5695121" y="1045032"/>
             <a:ext cx="828047" cy="338554"/>
           </a:xfrm>
           <a:prstGeom prst="rect">
@@ -13412,7 +14720,7 @@
         </p:nvSpPr>
         <p:spPr>
           <a:xfrm>
-            <a:off x="10726491" y="978818"/>
+            <a:off x="10714109" y="1022323"/>
             <a:ext cx="726481" cy="338554"/>
           </a:xfrm>
           <a:prstGeom prst="rect">
@@ -13456,7 +14764,7 @@
         </p:nvSpPr>
         <p:spPr>
           <a:xfrm>
-            <a:off x="751410" y="3907933"/>
+            <a:off x="823142" y="3907933"/>
             <a:ext cx="1939121" cy="338554"/>
           </a:xfrm>
           <a:prstGeom prst="rect">
@@ -13533,7 +14841,7 @@
         </p:nvSpPr>
         <p:spPr>
           <a:xfrm>
-            <a:off x="4820178" y="3850206"/>
+            <a:off x="4885187" y="3907933"/>
             <a:ext cx="2421625" cy="338554"/>
           </a:xfrm>
           <a:prstGeom prst="rect">
@@ -13610,7 +14918,7 @@
         </p:nvSpPr>
         <p:spPr>
           <a:xfrm>
-            <a:off x="10490529" y="3864428"/>
+            <a:off x="10469683" y="3907933"/>
             <a:ext cx="970907" cy="338554"/>
           </a:xfrm>
           <a:prstGeom prst="rect">
@@ -13659,7 +14967,7 @@
 </p:sld>
 </file>
 
-<file path=ppt/slides/slide12.xml><?xml version="1.0" encoding="utf-8"?>
+<file path=ppt/slides/slide13.xml><?xml version="1.0" encoding="utf-8"?>
 <p:sld xmlns:a="http://schemas.openxmlformats.org/drawingml/2006/main" xmlns:r="http://schemas.openxmlformats.org/officeDocument/2006/relationships" xmlns:p="http://schemas.openxmlformats.org/presentationml/2006/main">
   <p:cSld>
     <p:spTree>
@@ -14290,7 +15598,7 @@
 </p:sld>
 </file>
 
-<file path=ppt/slides/slide13.xml><?xml version="1.0" encoding="utf-8"?>
+<file path=ppt/slides/slide14.xml><?xml version="1.0" encoding="utf-8"?>
 <p:sld xmlns:a="http://schemas.openxmlformats.org/drawingml/2006/main" xmlns:r="http://schemas.openxmlformats.org/officeDocument/2006/relationships" xmlns:p="http://schemas.openxmlformats.org/presentationml/2006/main">
   <p:cSld>
     <p:spTree>
@@ -14489,7 +15797,7 @@
 </p:sld>
 </file>
 
-<file path=ppt/slides/slide14.xml><?xml version="1.0" encoding="utf-8"?>
+<file path=ppt/slides/slide15.xml><?xml version="1.0" encoding="utf-8"?>
 <p:sld xmlns:a="http://schemas.openxmlformats.org/drawingml/2006/main" xmlns:r="http://schemas.openxmlformats.org/officeDocument/2006/relationships" xmlns:p="http://schemas.openxmlformats.org/presentationml/2006/main">
   <p:cSld>
     <p:spTree>
@@ -14664,7 +15972,7 @@
 </p:sld>
 </file>
 
-<file path=ppt/slides/slide15.xml><?xml version="1.0" encoding="utf-8"?>
+<file path=ppt/slides/slide16.xml><?xml version="1.0" encoding="utf-8"?>
 <p:sld xmlns:a="http://schemas.openxmlformats.org/drawingml/2006/main" xmlns:r="http://schemas.openxmlformats.org/officeDocument/2006/relationships" xmlns:p="http://schemas.openxmlformats.org/presentationml/2006/main">
   <p:cSld>
     <p:spTree>
@@ -14839,7 +16147,7 @@
 </p:sld>
 </file>
 
-<file path=ppt/slides/slide16.xml><?xml version="1.0" encoding="utf-8"?>
+<file path=ppt/slides/slide17.xml><?xml version="1.0" encoding="utf-8"?>
 <p:sld xmlns:a="http://schemas.openxmlformats.org/drawingml/2006/main" xmlns:r="http://schemas.openxmlformats.org/officeDocument/2006/relationships" xmlns:p="http://schemas.openxmlformats.org/presentationml/2006/main">
   <p:cSld>
     <p:spTree>
@@ -15010,7 +16318,7 @@
         <p:spPr>
           <a:xfrm>
             <a:off x="2532268" y="5308986"/>
-            <a:ext cx="6147837" cy="584775"/>
+            <a:ext cx="6147837" cy="783356"/>
           </a:xfrm>
           <a:prstGeom prst="rect">
             <a:avLst/>
@@ -15023,6 +16331,11 @@
           </a:bodyPr>
           <a:lstStyle/>
           <a:p>
+            <a:pPr>
+              <a:lnSpc>
+                <a:spcPct val="150000"/>
+              </a:lnSpc>
+            </a:pPr>
             <a:r>
               <a:rPr lang="en-US" altLang="ko-KR" sz="1600" i="1" dirty="0">
                 <a:solidFill>
@@ -15211,7 +16524,7 @@
 </p:sld>
 </file>
 
-<file path=ppt/slides/slide17.xml><?xml version="1.0" encoding="utf-8"?>
+<file path=ppt/slides/slide18.xml><?xml version="1.0" encoding="utf-8"?>
 <p:sld xmlns:a="http://schemas.openxmlformats.org/drawingml/2006/main" xmlns:r="http://schemas.openxmlformats.org/officeDocument/2006/relationships" xmlns:p="http://schemas.openxmlformats.org/presentationml/2006/main">
   <p:cSld>
     <p:spTree>
@@ -15382,7 +16695,7 @@
         <p:spPr>
           <a:xfrm>
             <a:off x="2578851" y="4713948"/>
-            <a:ext cx="7034298" cy="584775"/>
+            <a:ext cx="7034298" cy="783356"/>
           </a:xfrm>
           <a:prstGeom prst="rect">
             <a:avLst/>
@@ -15395,6 +16708,11 @@
           </a:bodyPr>
           <a:lstStyle/>
           <a:p>
+            <a:pPr>
+              <a:lnSpc>
+                <a:spcPct val="150000"/>
+              </a:lnSpc>
+            </a:pPr>
             <a:r>
               <a:rPr lang="en-US" altLang="ko-KR" sz="1600" i="1" dirty="0">
                 <a:solidFill>
@@ -15463,6 +16781,11 @@
             </a:r>
           </a:p>
           <a:p>
+            <a:pPr>
+              <a:lnSpc>
+                <a:spcPct val="150000"/>
+              </a:lnSpc>
+            </a:pPr>
             <a:r>
               <a:rPr lang="ko-KR" altLang="en-US" sz="1600" i="1" dirty="0">
                 <a:solidFill>
@@ -15512,7 +16835,7 @@
 </p:sld>
 </file>
 
-<file path=ppt/slides/slide18.xml><?xml version="1.0" encoding="utf-8"?>
+<file path=ppt/slides/slide19.xml><?xml version="1.0" encoding="utf-8"?>
 <p:sld xmlns:a="http://schemas.openxmlformats.org/drawingml/2006/main" xmlns:r="http://schemas.openxmlformats.org/officeDocument/2006/relationships" xmlns:p="http://schemas.openxmlformats.org/presentationml/2006/main">
   <p:cSld>
     <p:spTree>
@@ -15666,7 +16989,7 @@
         </p:blipFill>
         <p:spPr>
           <a:xfrm>
-            <a:off x="1674054" y="1626669"/>
+            <a:off x="1674054" y="1395663"/>
             <a:ext cx="8843892" cy="2752212"/>
           </a:xfrm>
           <a:prstGeom prst="rect">
@@ -15682,8 +17005,8 @@
         </p:nvSpPr>
         <p:spPr>
           <a:xfrm>
-            <a:off x="2517937" y="4715946"/>
-            <a:ext cx="7156126" cy="1384995"/>
+            <a:off x="2517937" y="4351946"/>
+            <a:ext cx="7156126" cy="1881990"/>
           </a:xfrm>
           <a:prstGeom prst="rect">
             <a:avLst/>
@@ -15696,6 +17019,11 @@
           </a:bodyPr>
           <a:lstStyle/>
           <a:p>
+            <a:pPr>
+              <a:lnSpc>
+                <a:spcPct val="150000"/>
+              </a:lnSpc>
+            </a:pPr>
             <a:r>
               <a:rPr lang="en-US" altLang="ko-KR" sz="1400" i="1" dirty="0">
                 <a:solidFill>
@@ -15753,6 +17081,11 @@
             </a:r>
           </a:p>
           <a:p>
+            <a:pPr>
+              <a:lnSpc>
+                <a:spcPct val="150000"/>
+              </a:lnSpc>
+            </a:pPr>
             <a:r>
               <a:rPr lang="ko-KR" altLang="ko-KR" sz="1400" i="1" dirty="0">
                 <a:solidFill>
@@ -15828,6 +17161,11 @@
             </a:endParaRPr>
           </a:p>
           <a:p>
+            <a:pPr>
+              <a:lnSpc>
+                <a:spcPct val="150000"/>
+              </a:lnSpc>
+            </a:pPr>
             <a:r>
               <a:rPr lang="en-US" altLang="ko-KR" sz="1400" i="1" dirty="0">
                 <a:solidFill>
@@ -15885,6 +17223,11 @@
             </a:r>
           </a:p>
           <a:p>
+            <a:pPr>
+              <a:lnSpc>
+                <a:spcPct val="150000"/>
+              </a:lnSpc>
+            </a:pPr>
             <a:r>
               <a:rPr lang="ko-KR" altLang="ko-KR" sz="1400" i="1" dirty="0" err="1">
                 <a:solidFill>
@@ -15931,6 +17274,11 @@
             </a:r>
           </a:p>
           <a:p>
+            <a:pPr>
+              <a:lnSpc>
+                <a:spcPct val="150000"/>
+              </a:lnSpc>
+            </a:pPr>
             <a:r>
               <a:rPr lang="ko-KR" altLang="ko-KR" sz="1400" i="1" dirty="0">
                 <a:solidFill>
@@ -15949,407 +17297,6 @@
     <p:extLst>
       <p:ext uri="{BB962C8B-B14F-4D97-AF65-F5344CB8AC3E}">
         <p14:creationId xmlns:p14="http://schemas.microsoft.com/office/powerpoint/2010/main" val="896102396"/>
-      </p:ext>
-    </p:extLst>
-  </p:cSld>
-  <p:clrMapOvr>
-    <a:masterClrMapping/>
-  </p:clrMapOvr>
-</p:sld>
-</file>
-
-<file path=ppt/slides/slide19.xml><?xml version="1.0" encoding="utf-8"?>
-<p:sld xmlns:a="http://schemas.openxmlformats.org/drawingml/2006/main" xmlns:r="http://schemas.openxmlformats.org/officeDocument/2006/relationships" xmlns:p="http://schemas.openxmlformats.org/presentationml/2006/main">
-  <p:cSld>
-    <p:spTree>
-      <p:nvGrpSpPr>
-        <p:cNvPr id="1" name=""/>
-        <p:cNvGrpSpPr/>
-        <p:nvPr/>
-      </p:nvGrpSpPr>
-      <p:grpSpPr>
-        <a:xfrm>
-          <a:off x="0" y="0"/>
-          <a:ext cx="0" cy="0"/>
-          <a:chOff x="0" y="0"/>
-          <a:chExt cx="0" cy="0"/>
-        </a:xfrm>
-      </p:grpSpPr>
-      <p:sp>
-        <p:nvSpPr>
-          <p:cNvPr id="6" name="직사각형 5">
-            <a:extLst>
-              <a:ext uri="{FF2B5EF4-FFF2-40B4-BE49-F238E27FC236}">
-                <a16:creationId xmlns:a16="http://schemas.microsoft.com/office/drawing/2014/main" id="{259C73D8-B2AE-43F1-9385-E60B9AB2C0BF}"/>
-              </a:ext>
-            </a:extLst>
-          </p:cNvPr>
-          <p:cNvSpPr/>
-          <p:nvPr/>
-        </p:nvSpPr>
-        <p:spPr>
-          <a:xfrm>
-            <a:off x="409575" y="419993"/>
-            <a:ext cx="11372850" cy="6018014"/>
-          </a:xfrm>
-          <a:prstGeom prst="rect">
-            <a:avLst/>
-          </a:prstGeom>
-          <a:solidFill>
-            <a:schemeClr val="bg1"/>
-          </a:solidFill>
-          <a:ln w="187325">
-            <a:gradFill>
-              <a:gsLst>
-                <a:gs pos="50000">
-                  <a:srgbClr val="EFCCCA"/>
-                </a:gs>
-                <a:gs pos="50000">
-                  <a:schemeClr val="bg1">
-                    <a:lumMod val="85000"/>
-                  </a:schemeClr>
-                </a:gs>
-              </a:gsLst>
-              <a:lin ang="6600000" scaled="0"/>
-            </a:gradFill>
-          </a:ln>
-          <a:effectLst>
-            <a:outerShdw blurRad="431800" dist="241300" dir="5400000" sx="97000" sy="97000" algn="t" rotWithShape="0">
-              <a:prstClr val="black">
-                <a:alpha val="31000"/>
-              </a:prstClr>
-            </a:outerShdw>
-          </a:effectLst>
-        </p:spPr>
-        <p:style>
-          <a:lnRef idx="2">
-            <a:schemeClr val="accent1">
-              <a:shade val="50000"/>
-            </a:schemeClr>
-          </a:lnRef>
-          <a:fillRef idx="1">
-            <a:schemeClr val="accent1"/>
-          </a:fillRef>
-          <a:effectRef idx="0">
-            <a:schemeClr val="accent1"/>
-          </a:effectRef>
-          <a:fontRef idx="minor">
-            <a:schemeClr val="lt1"/>
-          </a:fontRef>
-        </p:style>
-        <p:txBody>
-          <a:bodyPr rtlCol="0" anchor="t"/>
-          <a:lstStyle/>
-          <a:p>
-            <a:pPr algn="ctr" latinLnBrk="0">
-              <a:lnSpc>
-                <a:spcPct val="150000"/>
-              </a:lnSpc>
-              <a:defRPr/>
-            </a:pPr>
-            <a:r>
-              <a:rPr lang="ko-KR" altLang="en-US" sz="2800" b="1" i="1" kern="0" dirty="0" err="1">
-                <a:solidFill>
-                  <a:prstClr val="black">
-                    <a:lumMod val="50000"/>
-                    <a:lumOff val="50000"/>
-                  </a:prstClr>
-                </a:solidFill>
-              </a:rPr>
-              <a:t>유즈케이스</a:t>
-            </a:r>
-            <a:r>
-              <a:rPr lang="ko-KR" altLang="en-US" sz="2800" b="1" i="1" kern="0" dirty="0">
-                <a:solidFill>
-                  <a:prstClr val="black">
-                    <a:lumMod val="50000"/>
-                    <a:lumOff val="50000"/>
-                  </a:prstClr>
-                </a:solidFill>
-              </a:rPr>
-              <a:t> 다이어그램</a:t>
-            </a:r>
-            <a:endParaRPr lang="en-US" altLang="ko-KR" sz="2800" b="1" i="1" kern="0" dirty="0">
-              <a:solidFill>
-                <a:prstClr val="black">
-                  <a:lumMod val="50000"/>
-                  <a:lumOff val="50000"/>
-                </a:prstClr>
-              </a:solidFill>
-            </a:endParaRPr>
-          </a:p>
-          <a:p>
-            <a:pPr algn="ctr" latinLnBrk="0">
-              <a:lnSpc>
-                <a:spcPct val="150000"/>
-              </a:lnSpc>
-              <a:defRPr/>
-            </a:pPr>
-            <a:endParaRPr lang="en-US" altLang="ko-KR" sz="2800" b="1" i="1" kern="0" dirty="0">
-              <a:solidFill>
-                <a:prstClr val="black">
-                  <a:lumMod val="50000"/>
-                  <a:lumOff val="50000"/>
-                </a:prstClr>
-              </a:solidFill>
-            </a:endParaRPr>
-          </a:p>
-        </p:txBody>
-      </p:sp>
-      <p:pic>
-        <p:nvPicPr>
-          <p:cNvPr id="4" name="그림 3"/>
-          <p:cNvPicPr>
-            <a:picLocks noChangeAspect="1"/>
-          </p:cNvPicPr>
-          <p:nvPr/>
-        </p:nvPicPr>
-        <p:blipFill>
-          <a:blip r:embed="rId2"/>
-          <a:stretch>
-            <a:fillRect/>
-          </a:stretch>
-        </p:blipFill>
-        <p:spPr>
-          <a:xfrm>
-            <a:off x="3124571" y="1635220"/>
-            <a:ext cx="5942857" cy="3190476"/>
-          </a:xfrm>
-          <a:prstGeom prst="rect">
-            <a:avLst/>
-          </a:prstGeom>
-        </p:spPr>
-      </p:pic>
-      <p:sp>
-        <p:nvSpPr>
-          <p:cNvPr id="5" name="TextBox 4"/>
-          <p:cNvSpPr txBox="1"/>
-          <p:nvPr/>
-        </p:nvSpPr>
-        <p:spPr>
-          <a:xfrm>
-            <a:off x="1640293" y="4985010"/>
-            <a:ext cx="8911414" cy="1343381"/>
-          </a:xfrm>
-          <a:prstGeom prst="rect">
-            <a:avLst/>
-          </a:prstGeom>
-          <a:noFill/>
-        </p:spPr>
-        <p:txBody>
-          <a:bodyPr wrap="none" rtlCol="0">
-            <a:spAutoFit/>
-          </a:bodyPr>
-          <a:lstStyle/>
-          <a:p>
-            <a:pPr marL="342900" indent="-342900">
-              <a:lnSpc>
-                <a:spcPct val="150000"/>
-              </a:lnSpc>
-              <a:buAutoNum type="arabicPeriod"/>
-            </a:pPr>
-            <a:r>
-              <a:rPr lang="ko-KR" altLang="ko-KR" sz="1400" b="1" i="1" dirty="0">
-                <a:solidFill>
-                  <a:schemeClr val="bg1">
-                    <a:lumMod val="50000"/>
-                  </a:schemeClr>
-                </a:solidFill>
-                <a:latin typeface="+mn-ea"/>
-              </a:rPr>
-              <a:t>상세정보 확인</a:t>
-            </a:r>
-            <a:r>
-              <a:rPr lang="en-US" altLang="ko-KR" sz="1400" i="1" dirty="0">
-                <a:solidFill>
-                  <a:schemeClr val="bg1">
-                    <a:lumMod val="50000"/>
-                  </a:schemeClr>
-                </a:solidFill>
-                <a:latin typeface="+mn-ea"/>
-              </a:rPr>
-              <a:t> - </a:t>
-            </a:r>
-            <a:r>
-              <a:rPr lang="ko-KR" altLang="ko-KR" sz="1400" i="1" dirty="0">
-                <a:solidFill>
-                  <a:schemeClr val="bg1">
-                    <a:lumMod val="50000"/>
-                  </a:schemeClr>
-                </a:solidFill>
-                <a:latin typeface="+mn-ea"/>
-              </a:rPr>
-              <a:t>검색한 정보의 상세정보 확인 및 추천 기능을 이용할 수 있음</a:t>
-            </a:r>
-            <a:endParaRPr lang="en-US" altLang="ko-KR" sz="1400" i="1" dirty="0">
-              <a:solidFill>
-                <a:schemeClr val="bg1">
-                  <a:lumMod val="50000"/>
-                </a:schemeClr>
-              </a:solidFill>
-              <a:latin typeface="+mn-ea"/>
-            </a:endParaRPr>
-          </a:p>
-          <a:p>
-            <a:pPr marL="342900" indent="-342900">
-              <a:lnSpc>
-                <a:spcPct val="150000"/>
-              </a:lnSpc>
-              <a:buFontTx/>
-              <a:buAutoNum type="arabicPeriod"/>
-            </a:pPr>
-            <a:r>
-              <a:rPr lang="ko-KR" altLang="ko-KR" sz="1400" b="1" i="1" dirty="0">
-                <a:solidFill>
-                  <a:schemeClr val="bg1">
-                    <a:lumMod val="50000"/>
-                  </a:schemeClr>
-                </a:solidFill>
-                <a:latin typeface="+mn-ea"/>
-              </a:rPr>
-              <a:t>댓글추가</a:t>
-            </a:r>
-            <a:r>
-              <a:rPr lang="en-US" altLang="ko-KR" sz="1400" i="1" dirty="0">
-                <a:solidFill>
-                  <a:schemeClr val="bg1">
-                    <a:lumMod val="50000"/>
-                  </a:schemeClr>
-                </a:solidFill>
-                <a:latin typeface="+mn-ea"/>
-              </a:rPr>
-              <a:t> - </a:t>
-            </a:r>
-            <a:r>
-              <a:rPr lang="ko-KR" altLang="ko-KR" sz="1400" i="1" dirty="0">
-                <a:solidFill>
-                  <a:schemeClr val="bg1">
-                    <a:lumMod val="50000"/>
-                  </a:schemeClr>
-                </a:solidFill>
-                <a:latin typeface="+mn-ea"/>
-              </a:rPr>
-              <a:t>댓글기능을 통해 다른 사용자들과 소통하고 다른 사용자들의 글 또한 추천할 수 있음</a:t>
-            </a:r>
-            <a:endParaRPr lang="en-US" altLang="ko-KR" sz="1400" i="1" dirty="0">
-              <a:solidFill>
-                <a:schemeClr val="bg1">
-                  <a:lumMod val="50000"/>
-                </a:schemeClr>
-              </a:solidFill>
-              <a:latin typeface="+mn-ea"/>
-            </a:endParaRPr>
-          </a:p>
-          <a:p>
-            <a:pPr marL="342900" indent="-342900">
-              <a:lnSpc>
-                <a:spcPct val="150000"/>
-              </a:lnSpc>
-              <a:buFontTx/>
-              <a:buAutoNum type="arabicPeriod"/>
-            </a:pPr>
-            <a:r>
-              <a:rPr lang="ko-KR" altLang="ko-KR" sz="1400" b="1" i="1" dirty="0">
-                <a:solidFill>
-                  <a:schemeClr val="bg1">
-                    <a:lumMod val="50000"/>
-                  </a:schemeClr>
-                </a:solidFill>
-                <a:latin typeface="+mn-ea"/>
-              </a:rPr>
-              <a:t>연관 순위 확인</a:t>
-            </a:r>
-            <a:r>
-              <a:rPr lang="en-US" altLang="ko-KR" sz="1400" b="1" i="1" dirty="0">
-                <a:solidFill>
-                  <a:schemeClr val="bg1">
-                    <a:lumMod val="50000"/>
-                  </a:schemeClr>
-                </a:solidFill>
-                <a:latin typeface="+mn-ea"/>
-              </a:rPr>
-              <a:t> </a:t>
-            </a:r>
-            <a:r>
-              <a:rPr lang="en-US" altLang="ko-KR" sz="1400" i="1" dirty="0">
-                <a:solidFill>
-                  <a:schemeClr val="bg1">
-                    <a:lumMod val="50000"/>
-                  </a:schemeClr>
-                </a:solidFill>
-                <a:latin typeface="+mn-ea"/>
-              </a:rPr>
-              <a:t>- </a:t>
-            </a:r>
-            <a:r>
-              <a:rPr lang="ko-KR" altLang="ko-KR" sz="1400" i="1" dirty="0">
-                <a:solidFill>
-                  <a:schemeClr val="bg1">
-                    <a:lumMod val="50000"/>
-                  </a:schemeClr>
-                </a:solidFill>
-                <a:latin typeface="+mn-ea"/>
-              </a:rPr>
-              <a:t>해당 랭킹과 연관된 다른 정보들을 확인할 수 있는 랭킹 상세 페이지로 이동할 수 있음</a:t>
-            </a:r>
-            <a:r>
-              <a:rPr lang="en-US" altLang="ko-KR" sz="1400" i="1" dirty="0">
-                <a:solidFill>
-                  <a:schemeClr val="bg1">
-                    <a:lumMod val="50000"/>
-                  </a:schemeClr>
-                </a:solidFill>
-                <a:latin typeface="+mn-ea"/>
-              </a:rPr>
-              <a:t> </a:t>
-            </a:r>
-            <a:br>
-              <a:rPr lang="en-US" altLang="ko-KR" sz="1400" i="1" dirty="0">
-                <a:solidFill>
-                  <a:schemeClr val="bg1">
-                    <a:lumMod val="50000"/>
-                  </a:schemeClr>
-                </a:solidFill>
-                <a:latin typeface="+mn-ea"/>
-              </a:rPr>
-            </a:br>
-            <a:r>
-              <a:rPr lang="ko-KR" altLang="ko-KR" sz="1400" i="1" dirty="0">
-                <a:solidFill>
-                  <a:schemeClr val="bg1">
-                    <a:lumMod val="50000"/>
-                  </a:schemeClr>
-                </a:solidFill>
-                <a:latin typeface="+mn-ea"/>
-              </a:rPr>
-              <a:t>이미 추천한 정보나 댓글 내용을 다시 추천했을 경우에는 추천을 취소할 수 있음</a:t>
-            </a:r>
-            <a:r>
-              <a:rPr lang="en-US" altLang="ko-KR" sz="1400" i="1" dirty="0">
-                <a:solidFill>
-                  <a:schemeClr val="bg1">
-                    <a:lumMod val="50000"/>
-                  </a:schemeClr>
-                </a:solidFill>
-                <a:latin typeface="+mn-ea"/>
-              </a:rPr>
-              <a:t> </a:t>
-            </a:r>
-            <a:endParaRPr lang="ko-KR" altLang="ko-KR" sz="1400" i="1" dirty="0">
-              <a:solidFill>
-                <a:schemeClr val="bg1">
-                  <a:lumMod val="50000"/>
-                </a:schemeClr>
-              </a:solidFill>
-              <a:latin typeface="+mn-ea"/>
-            </a:endParaRPr>
-          </a:p>
-        </p:txBody>
-      </p:sp>
-    </p:spTree>
-    <p:extLst>
-      <p:ext uri="{BB962C8B-B14F-4D97-AF65-F5344CB8AC3E}">
-        <p14:creationId xmlns:p14="http://schemas.microsoft.com/office/powerpoint/2010/main" val="401354624"/>
       </p:ext>
     </p:extLst>
   </p:cSld>
@@ -17365,6 +18312,407 @@
           <p:cNvPr id="6" name="직사각형 5">
             <a:extLst>
               <a:ext uri="{FF2B5EF4-FFF2-40B4-BE49-F238E27FC236}">
+                <a16:creationId xmlns:a16="http://schemas.microsoft.com/office/drawing/2014/main" id="{259C73D8-B2AE-43F1-9385-E60B9AB2C0BF}"/>
+              </a:ext>
+            </a:extLst>
+          </p:cNvPr>
+          <p:cNvSpPr/>
+          <p:nvPr/>
+        </p:nvSpPr>
+        <p:spPr>
+          <a:xfrm>
+            <a:off x="409575" y="419993"/>
+            <a:ext cx="11372850" cy="6018014"/>
+          </a:xfrm>
+          <a:prstGeom prst="rect">
+            <a:avLst/>
+          </a:prstGeom>
+          <a:solidFill>
+            <a:schemeClr val="bg1"/>
+          </a:solidFill>
+          <a:ln w="187325">
+            <a:gradFill>
+              <a:gsLst>
+                <a:gs pos="50000">
+                  <a:srgbClr val="EFCCCA"/>
+                </a:gs>
+                <a:gs pos="50000">
+                  <a:schemeClr val="bg1">
+                    <a:lumMod val="85000"/>
+                  </a:schemeClr>
+                </a:gs>
+              </a:gsLst>
+              <a:lin ang="6600000" scaled="0"/>
+            </a:gradFill>
+          </a:ln>
+          <a:effectLst>
+            <a:outerShdw blurRad="431800" dist="241300" dir="5400000" sx="97000" sy="97000" algn="t" rotWithShape="0">
+              <a:prstClr val="black">
+                <a:alpha val="31000"/>
+              </a:prstClr>
+            </a:outerShdw>
+          </a:effectLst>
+        </p:spPr>
+        <p:style>
+          <a:lnRef idx="2">
+            <a:schemeClr val="accent1">
+              <a:shade val="50000"/>
+            </a:schemeClr>
+          </a:lnRef>
+          <a:fillRef idx="1">
+            <a:schemeClr val="accent1"/>
+          </a:fillRef>
+          <a:effectRef idx="0">
+            <a:schemeClr val="accent1"/>
+          </a:effectRef>
+          <a:fontRef idx="minor">
+            <a:schemeClr val="lt1"/>
+          </a:fontRef>
+        </p:style>
+        <p:txBody>
+          <a:bodyPr rtlCol="0" anchor="t"/>
+          <a:lstStyle/>
+          <a:p>
+            <a:pPr algn="ctr" latinLnBrk="0">
+              <a:lnSpc>
+                <a:spcPct val="150000"/>
+              </a:lnSpc>
+              <a:defRPr/>
+            </a:pPr>
+            <a:r>
+              <a:rPr lang="ko-KR" altLang="en-US" sz="2800" b="1" i="1" kern="0" dirty="0" err="1">
+                <a:solidFill>
+                  <a:prstClr val="black">
+                    <a:lumMod val="50000"/>
+                    <a:lumOff val="50000"/>
+                  </a:prstClr>
+                </a:solidFill>
+              </a:rPr>
+              <a:t>유즈케이스</a:t>
+            </a:r>
+            <a:r>
+              <a:rPr lang="ko-KR" altLang="en-US" sz="2800" b="1" i="1" kern="0" dirty="0">
+                <a:solidFill>
+                  <a:prstClr val="black">
+                    <a:lumMod val="50000"/>
+                    <a:lumOff val="50000"/>
+                  </a:prstClr>
+                </a:solidFill>
+              </a:rPr>
+              <a:t> 다이어그램</a:t>
+            </a:r>
+            <a:endParaRPr lang="en-US" altLang="ko-KR" sz="2800" b="1" i="1" kern="0" dirty="0">
+              <a:solidFill>
+                <a:prstClr val="black">
+                  <a:lumMod val="50000"/>
+                  <a:lumOff val="50000"/>
+                </a:prstClr>
+              </a:solidFill>
+            </a:endParaRPr>
+          </a:p>
+          <a:p>
+            <a:pPr algn="ctr" latinLnBrk="0">
+              <a:lnSpc>
+                <a:spcPct val="150000"/>
+              </a:lnSpc>
+              <a:defRPr/>
+            </a:pPr>
+            <a:endParaRPr lang="en-US" altLang="ko-KR" sz="2800" b="1" i="1" kern="0" dirty="0">
+              <a:solidFill>
+                <a:prstClr val="black">
+                  <a:lumMod val="50000"/>
+                  <a:lumOff val="50000"/>
+                </a:prstClr>
+              </a:solidFill>
+            </a:endParaRPr>
+          </a:p>
+        </p:txBody>
+      </p:sp>
+      <p:pic>
+        <p:nvPicPr>
+          <p:cNvPr id="4" name="그림 3"/>
+          <p:cNvPicPr>
+            <a:picLocks noChangeAspect="1"/>
+          </p:cNvPicPr>
+          <p:nvPr/>
+        </p:nvPicPr>
+        <p:blipFill>
+          <a:blip r:embed="rId2"/>
+          <a:stretch>
+            <a:fillRect/>
+          </a:stretch>
+        </p:blipFill>
+        <p:spPr>
+          <a:xfrm>
+            <a:off x="3124571" y="1471591"/>
+            <a:ext cx="5942857" cy="3190476"/>
+          </a:xfrm>
+          <a:prstGeom prst="rect">
+            <a:avLst/>
+          </a:prstGeom>
+        </p:spPr>
+      </p:pic>
+      <p:sp>
+        <p:nvSpPr>
+          <p:cNvPr id="5" name="TextBox 4"/>
+          <p:cNvSpPr txBox="1"/>
+          <p:nvPr/>
+        </p:nvSpPr>
+        <p:spPr>
+          <a:xfrm>
+            <a:off x="1640293" y="4878346"/>
+            <a:ext cx="8911414" cy="1343381"/>
+          </a:xfrm>
+          <a:prstGeom prst="rect">
+            <a:avLst/>
+          </a:prstGeom>
+          <a:noFill/>
+        </p:spPr>
+        <p:txBody>
+          <a:bodyPr wrap="none" rtlCol="0">
+            <a:spAutoFit/>
+          </a:bodyPr>
+          <a:lstStyle/>
+          <a:p>
+            <a:pPr marL="342900" indent="-342900">
+              <a:lnSpc>
+                <a:spcPct val="150000"/>
+              </a:lnSpc>
+              <a:buAutoNum type="arabicPeriod"/>
+            </a:pPr>
+            <a:r>
+              <a:rPr lang="ko-KR" altLang="ko-KR" sz="1400" b="1" i="1" dirty="0">
+                <a:solidFill>
+                  <a:schemeClr val="bg1">
+                    <a:lumMod val="50000"/>
+                  </a:schemeClr>
+                </a:solidFill>
+                <a:latin typeface="+mn-ea"/>
+              </a:rPr>
+              <a:t>상세정보 확인</a:t>
+            </a:r>
+            <a:r>
+              <a:rPr lang="en-US" altLang="ko-KR" sz="1400" i="1" dirty="0">
+                <a:solidFill>
+                  <a:schemeClr val="bg1">
+                    <a:lumMod val="50000"/>
+                  </a:schemeClr>
+                </a:solidFill>
+                <a:latin typeface="+mn-ea"/>
+              </a:rPr>
+              <a:t> - </a:t>
+            </a:r>
+            <a:r>
+              <a:rPr lang="ko-KR" altLang="ko-KR" sz="1400" i="1" dirty="0">
+                <a:solidFill>
+                  <a:schemeClr val="bg1">
+                    <a:lumMod val="50000"/>
+                  </a:schemeClr>
+                </a:solidFill>
+                <a:latin typeface="+mn-ea"/>
+              </a:rPr>
+              <a:t>검색한 정보의 상세정보 확인 및 추천 기능을 이용할 수 있음</a:t>
+            </a:r>
+            <a:endParaRPr lang="en-US" altLang="ko-KR" sz="1400" i="1" dirty="0">
+              <a:solidFill>
+                <a:schemeClr val="bg1">
+                  <a:lumMod val="50000"/>
+                </a:schemeClr>
+              </a:solidFill>
+              <a:latin typeface="+mn-ea"/>
+            </a:endParaRPr>
+          </a:p>
+          <a:p>
+            <a:pPr marL="342900" indent="-342900">
+              <a:lnSpc>
+                <a:spcPct val="150000"/>
+              </a:lnSpc>
+              <a:buFontTx/>
+              <a:buAutoNum type="arabicPeriod"/>
+            </a:pPr>
+            <a:r>
+              <a:rPr lang="ko-KR" altLang="ko-KR" sz="1400" b="1" i="1" dirty="0">
+                <a:solidFill>
+                  <a:schemeClr val="bg1">
+                    <a:lumMod val="50000"/>
+                  </a:schemeClr>
+                </a:solidFill>
+                <a:latin typeface="+mn-ea"/>
+              </a:rPr>
+              <a:t>댓글추가</a:t>
+            </a:r>
+            <a:r>
+              <a:rPr lang="en-US" altLang="ko-KR" sz="1400" i="1" dirty="0">
+                <a:solidFill>
+                  <a:schemeClr val="bg1">
+                    <a:lumMod val="50000"/>
+                  </a:schemeClr>
+                </a:solidFill>
+                <a:latin typeface="+mn-ea"/>
+              </a:rPr>
+              <a:t> - </a:t>
+            </a:r>
+            <a:r>
+              <a:rPr lang="ko-KR" altLang="ko-KR" sz="1400" i="1" dirty="0">
+                <a:solidFill>
+                  <a:schemeClr val="bg1">
+                    <a:lumMod val="50000"/>
+                  </a:schemeClr>
+                </a:solidFill>
+                <a:latin typeface="+mn-ea"/>
+              </a:rPr>
+              <a:t>댓글기능을 통해 다른 사용자들과 소통하고 다른 사용자들의 글 또한 추천할 수 있음</a:t>
+            </a:r>
+            <a:endParaRPr lang="en-US" altLang="ko-KR" sz="1400" i="1" dirty="0">
+              <a:solidFill>
+                <a:schemeClr val="bg1">
+                  <a:lumMod val="50000"/>
+                </a:schemeClr>
+              </a:solidFill>
+              <a:latin typeface="+mn-ea"/>
+            </a:endParaRPr>
+          </a:p>
+          <a:p>
+            <a:pPr marL="342900" indent="-342900">
+              <a:lnSpc>
+                <a:spcPct val="150000"/>
+              </a:lnSpc>
+              <a:buFontTx/>
+              <a:buAutoNum type="arabicPeriod"/>
+            </a:pPr>
+            <a:r>
+              <a:rPr lang="ko-KR" altLang="ko-KR" sz="1400" b="1" i="1" dirty="0">
+                <a:solidFill>
+                  <a:schemeClr val="bg1">
+                    <a:lumMod val="50000"/>
+                  </a:schemeClr>
+                </a:solidFill>
+                <a:latin typeface="+mn-ea"/>
+              </a:rPr>
+              <a:t>연관 순위 확인</a:t>
+            </a:r>
+            <a:r>
+              <a:rPr lang="en-US" altLang="ko-KR" sz="1400" b="1" i="1" dirty="0">
+                <a:solidFill>
+                  <a:schemeClr val="bg1">
+                    <a:lumMod val="50000"/>
+                  </a:schemeClr>
+                </a:solidFill>
+                <a:latin typeface="+mn-ea"/>
+              </a:rPr>
+              <a:t> </a:t>
+            </a:r>
+            <a:r>
+              <a:rPr lang="en-US" altLang="ko-KR" sz="1400" i="1" dirty="0">
+                <a:solidFill>
+                  <a:schemeClr val="bg1">
+                    <a:lumMod val="50000"/>
+                  </a:schemeClr>
+                </a:solidFill>
+                <a:latin typeface="+mn-ea"/>
+              </a:rPr>
+              <a:t>- </a:t>
+            </a:r>
+            <a:r>
+              <a:rPr lang="ko-KR" altLang="ko-KR" sz="1400" i="1" dirty="0">
+                <a:solidFill>
+                  <a:schemeClr val="bg1">
+                    <a:lumMod val="50000"/>
+                  </a:schemeClr>
+                </a:solidFill>
+                <a:latin typeface="+mn-ea"/>
+              </a:rPr>
+              <a:t>해당 랭킹과 연관된 다른 정보들을 확인할 수 있는 랭킹 상세 페이지로 이동할 수 있음</a:t>
+            </a:r>
+            <a:r>
+              <a:rPr lang="en-US" altLang="ko-KR" sz="1400" i="1" dirty="0">
+                <a:solidFill>
+                  <a:schemeClr val="bg1">
+                    <a:lumMod val="50000"/>
+                  </a:schemeClr>
+                </a:solidFill>
+                <a:latin typeface="+mn-ea"/>
+              </a:rPr>
+              <a:t> </a:t>
+            </a:r>
+            <a:br>
+              <a:rPr lang="en-US" altLang="ko-KR" sz="1400" i="1" dirty="0">
+                <a:solidFill>
+                  <a:schemeClr val="bg1">
+                    <a:lumMod val="50000"/>
+                  </a:schemeClr>
+                </a:solidFill>
+                <a:latin typeface="+mn-ea"/>
+              </a:rPr>
+            </a:br>
+            <a:r>
+              <a:rPr lang="ko-KR" altLang="ko-KR" sz="1400" i="1" dirty="0">
+                <a:solidFill>
+                  <a:schemeClr val="bg1">
+                    <a:lumMod val="50000"/>
+                  </a:schemeClr>
+                </a:solidFill>
+                <a:latin typeface="+mn-ea"/>
+              </a:rPr>
+              <a:t>이미 추천한 정보나 댓글 내용을 다시 추천했을 경우에는 추천을 취소할 수 있음</a:t>
+            </a:r>
+            <a:r>
+              <a:rPr lang="en-US" altLang="ko-KR" sz="1400" i="1" dirty="0">
+                <a:solidFill>
+                  <a:schemeClr val="bg1">
+                    <a:lumMod val="50000"/>
+                  </a:schemeClr>
+                </a:solidFill>
+                <a:latin typeface="+mn-ea"/>
+              </a:rPr>
+              <a:t> </a:t>
+            </a:r>
+            <a:endParaRPr lang="ko-KR" altLang="ko-KR" sz="1400" i="1" dirty="0">
+              <a:solidFill>
+                <a:schemeClr val="bg1">
+                  <a:lumMod val="50000"/>
+                </a:schemeClr>
+              </a:solidFill>
+              <a:latin typeface="+mn-ea"/>
+            </a:endParaRPr>
+          </a:p>
+        </p:txBody>
+      </p:sp>
+    </p:spTree>
+    <p:extLst>
+      <p:ext uri="{BB962C8B-B14F-4D97-AF65-F5344CB8AC3E}">
+        <p14:creationId xmlns:p14="http://schemas.microsoft.com/office/powerpoint/2010/main" val="401354624"/>
+      </p:ext>
+    </p:extLst>
+  </p:cSld>
+  <p:clrMapOvr>
+    <a:masterClrMapping/>
+  </p:clrMapOvr>
+</p:sld>
+</file>
+
+<file path=ppt/slides/slide21.xml><?xml version="1.0" encoding="utf-8"?>
+<p:sld xmlns:a="http://schemas.openxmlformats.org/drawingml/2006/main" xmlns:r="http://schemas.openxmlformats.org/officeDocument/2006/relationships" xmlns:p="http://schemas.openxmlformats.org/presentationml/2006/main">
+  <p:cSld>
+    <p:spTree>
+      <p:nvGrpSpPr>
+        <p:cNvPr id="1" name=""/>
+        <p:cNvGrpSpPr/>
+        <p:nvPr/>
+      </p:nvGrpSpPr>
+      <p:grpSpPr>
+        <a:xfrm>
+          <a:off x="0" y="0"/>
+          <a:ext cx="0" cy="0"/>
+          <a:chOff x="0" y="0"/>
+          <a:chExt cx="0" cy="0"/>
+        </a:xfrm>
+      </p:grpSpPr>
+      <p:sp>
+        <p:nvSpPr>
+          <p:cNvPr id="6" name="직사각형 5">
+            <a:extLst>
+              <a:ext uri="{FF2B5EF4-FFF2-40B4-BE49-F238E27FC236}">
                 <a16:creationId xmlns:a16="http://schemas.microsoft.com/office/drawing/2014/main" id="{30AA2D26-FD90-4E00-BAC7-DA4E6F842621}"/>
               </a:ext>
             </a:extLst>
@@ -17988,7 +19336,7 @@
 </p:sld>
 </file>
 
-<file path=ppt/slides/slide21.xml><?xml version="1.0" encoding="utf-8"?>
+<file path=ppt/slides/slide22.xml><?xml version="1.0" encoding="utf-8"?>
 <p:sld xmlns:a="http://schemas.openxmlformats.org/drawingml/2006/main" xmlns:r="http://schemas.openxmlformats.org/officeDocument/2006/relationships" xmlns:p="http://schemas.openxmlformats.org/presentationml/2006/main">
   <p:cSld>
     <p:spTree>
@@ -18422,7 +19770,7 @@
 </p:sld>
 </file>
 
-<file path=ppt/slides/slide22.xml><?xml version="1.0" encoding="utf-8"?>
+<file path=ppt/slides/slide23.xml><?xml version="1.0" encoding="utf-8"?>
 <p:sld xmlns:a="http://schemas.openxmlformats.org/drawingml/2006/main" xmlns:r="http://schemas.openxmlformats.org/officeDocument/2006/relationships" xmlns:p="http://schemas.openxmlformats.org/presentationml/2006/main">
   <p:cSld>
     <p:spTree>
@@ -18798,7 +20146,7 @@
 </p:sld>
 </file>
 
-<file path=ppt/slides/slide23.xml><?xml version="1.0" encoding="utf-8"?>
+<file path=ppt/slides/slide24.xml><?xml version="1.0" encoding="utf-8"?>
 <p:sld xmlns:a="http://schemas.openxmlformats.org/drawingml/2006/main" xmlns:r="http://schemas.openxmlformats.org/officeDocument/2006/relationships" xmlns:p="http://schemas.openxmlformats.org/presentationml/2006/main">
   <p:cSld>
     <p:spTree>
@@ -19107,7 +20455,7 @@
 </p:sld>
 </file>
 
-<file path=ppt/slides/slide24.xml><?xml version="1.0" encoding="utf-8"?>
+<file path=ppt/slides/slide25.xml><?xml version="1.0" encoding="utf-8"?>
 <p:sld xmlns:a="http://schemas.openxmlformats.org/drawingml/2006/main" xmlns:r="http://schemas.openxmlformats.org/officeDocument/2006/relationships" xmlns:p="http://schemas.openxmlformats.org/presentationml/2006/main">
   <p:cSld>
     <p:spTree>
@@ -19578,7 +20926,7 @@
 </p:sld>
 </file>
 
-<file path=ppt/slides/slide25.xml><?xml version="1.0" encoding="utf-8"?>
+<file path=ppt/slides/slide26.xml><?xml version="1.0" encoding="utf-8"?>
 <p:sld xmlns:a="http://schemas.openxmlformats.org/drawingml/2006/main" xmlns:r="http://schemas.openxmlformats.org/officeDocument/2006/relationships" xmlns:p="http://schemas.openxmlformats.org/presentationml/2006/main">
   <p:cSld>
     <p:spTree>
@@ -19906,7 +21254,7 @@
 </p:sld>
 </file>
 
-<file path=ppt/slides/slide26.xml><?xml version="1.0" encoding="utf-8"?>
+<file path=ppt/slides/slide27.xml><?xml version="1.0" encoding="utf-8"?>
 <p:sld xmlns:a="http://schemas.openxmlformats.org/drawingml/2006/main" xmlns:r="http://schemas.openxmlformats.org/officeDocument/2006/relationships" xmlns:p="http://schemas.openxmlformats.org/presentationml/2006/main">
   <p:cSld>
     <p:spTree>
@@ -20212,7 +21560,7 @@
 </p:sld>
 </file>
 
-<file path=ppt/slides/slide27.xml><?xml version="1.0" encoding="utf-8"?>
+<file path=ppt/slides/slide28.xml><?xml version="1.0" encoding="utf-8"?>
 <p:sld xmlns:a="http://schemas.openxmlformats.org/drawingml/2006/main" xmlns:r="http://schemas.openxmlformats.org/officeDocument/2006/relationships" xmlns:p="http://schemas.openxmlformats.org/presentationml/2006/main">
   <p:cSld>
     <p:bg>
@@ -20381,93 +21729,6 @@
 </p:sld>
 </file>
 
-<file path=ppt/slides/slide28.xml><?xml version="1.0" encoding="utf-8"?>
-<p:sld xmlns:a="http://schemas.openxmlformats.org/drawingml/2006/main" xmlns:r="http://schemas.openxmlformats.org/officeDocument/2006/relationships" xmlns:p="http://schemas.openxmlformats.org/presentationml/2006/main">
-  <p:cSld>
-    <p:spTree>
-      <p:nvGrpSpPr>
-        <p:cNvPr id="1" name=""/>
-        <p:cNvGrpSpPr/>
-        <p:nvPr/>
-      </p:nvGrpSpPr>
-      <p:grpSpPr>
-        <a:xfrm>
-          <a:off x="0" y="0"/>
-          <a:ext cx="0" cy="0"/>
-          <a:chOff x="0" y="0"/>
-          <a:chExt cx="0" cy="0"/>
-        </a:xfrm>
-      </p:grpSpPr>
-      <p:sp>
-        <p:nvSpPr>
-          <p:cNvPr id="2" name="제목 1">
-            <a:extLst>
-              <a:ext uri="{FF2B5EF4-FFF2-40B4-BE49-F238E27FC236}">
-                <a16:creationId xmlns:a16="http://schemas.microsoft.com/office/drawing/2014/main" id="{1D822269-98C3-48DA-BF38-7E0990DA8A19}"/>
-              </a:ext>
-            </a:extLst>
-          </p:cNvPr>
-          <p:cNvSpPr>
-            <a:spLocks noGrp="1"/>
-          </p:cNvSpPr>
-          <p:nvPr>
-            <p:ph type="title"/>
-          </p:nvPr>
-        </p:nvSpPr>
-        <p:spPr/>
-        <p:txBody>
-          <a:bodyPr/>
-          <a:lstStyle/>
-          <a:p>
-            <a:r>
-              <a:rPr lang="ko-KR" altLang="en-US" dirty="0" err="1"/>
-              <a:t>필요없는</a:t>
-            </a:r>
-            <a:r>
-              <a:rPr lang="ko-KR" altLang="en-US" dirty="0"/>
-              <a:t> 페이지</a:t>
-            </a:r>
-          </a:p>
-        </p:txBody>
-      </p:sp>
-      <p:sp>
-        <p:nvSpPr>
-          <p:cNvPr id="3" name="내용 개체 틀 2">
-            <a:extLst>
-              <a:ext uri="{FF2B5EF4-FFF2-40B4-BE49-F238E27FC236}">
-                <a16:creationId xmlns:a16="http://schemas.microsoft.com/office/drawing/2014/main" id="{903F5A8B-E8FC-42E8-8B18-4A2D1D83C480}"/>
-              </a:ext>
-            </a:extLst>
-          </p:cNvPr>
-          <p:cNvSpPr>
-            <a:spLocks noGrp="1"/>
-          </p:cNvSpPr>
-          <p:nvPr>
-            <p:ph idx="1"/>
-          </p:nvPr>
-        </p:nvSpPr>
-        <p:spPr/>
-        <p:txBody>
-          <a:bodyPr/>
-          <a:lstStyle/>
-          <a:p>
-            <a:endParaRPr lang="ko-KR" altLang="en-US" dirty="0"/>
-          </a:p>
-        </p:txBody>
-      </p:sp>
-    </p:spTree>
-    <p:extLst>
-      <p:ext uri="{BB962C8B-B14F-4D97-AF65-F5344CB8AC3E}">
-        <p14:creationId xmlns:p14="http://schemas.microsoft.com/office/powerpoint/2010/main" val="3337159201"/>
-      </p:ext>
-    </p:extLst>
-  </p:cSld>
-  <p:clrMapOvr>
-    <a:masterClrMapping/>
-  </p:clrMapOvr>
-</p:sld>
-</file>
-
 <file path=ppt/slides/slide29.xml><?xml version="1.0" encoding="utf-8"?>
 <p:sld xmlns:a="http://schemas.openxmlformats.org/drawingml/2006/main" xmlns:r="http://schemas.openxmlformats.org/officeDocument/2006/relationships" xmlns:p="http://schemas.openxmlformats.org/presentationml/2006/main">
   <p:cSld>
@@ -20487,237 +21748,43 @@
       </p:grpSpPr>
       <p:sp>
         <p:nvSpPr>
-          <p:cNvPr id="4" name="직사각형 3"/>
+          <p:cNvPr id="3" name="직사각형 2"/>
           <p:cNvSpPr/>
           <p:nvPr/>
         </p:nvSpPr>
         <p:spPr>
           <a:xfrm>
-            <a:off x="3919935" y="461016"/>
-            <a:ext cx="4236842" cy="655372"/>
+            <a:off x="409575" y="419993"/>
+            <a:ext cx="11372850" cy="6018014"/>
           </a:xfrm>
           <a:prstGeom prst="rect">
             <a:avLst/>
           </a:prstGeom>
-        </p:spPr>
-        <p:txBody>
-          <a:bodyPr wrap="square">
-            <a:spAutoFit/>
-          </a:bodyPr>
-          <a:lstStyle/>
-          <a:p>
-            <a:pPr algn="ctr">
-              <a:lnSpc>
-                <a:spcPct val="150000"/>
-              </a:lnSpc>
-            </a:pPr>
-            <a:r>
-              <a:rPr lang="ko-KR" altLang="en-US" sz="2800" b="1" dirty="0">
-                <a:solidFill>
-                  <a:prstClr val="black">
-                    <a:lumMod val="75000"/>
-                    <a:lumOff val="25000"/>
-                  </a:prstClr>
-                </a:solidFill>
-              </a:rPr>
-              <a:t>오늘 사용한 색상은</a:t>
-            </a:r>
-            <a:r>
-              <a:rPr lang="en-US" altLang="ko-KR" sz="2800" b="1" dirty="0">
-                <a:solidFill>
-                  <a:prstClr val="black">
-                    <a:lumMod val="75000"/>
-                    <a:lumOff val="25000"/>
-                  </a:prstClr>
-                </a:solidFill>
-              </a:rPr>
-              <a:t>?</a:t>
-            </a:r>
-            <a:endParaRPr lang="ko-KR" altLang="en-US" sz="2000" dirty="0">
-              <a:solidFill>
-                <a:prstClr val="black">
-                  <a:lumMod val="75000"/>
-                  <a:lumOff val="25000"/>
-                </a:prstClr>
-              </a:solidFill>
-            </a:endParaRPr>
-          </a:p>
-        </p:txBody>
-      </p:sp>
-      <p:sp>
-        <p:nvSpPr>
-          <p:cNvPr id="5" name="직사각형 4"/>
-          <p:cNvSpPr/>
-          <p:nvPr/>
-        </p:nvSpPr>
-        <p:spPr>
-          <a:xfrm>
-            <a:off x="2387119" y="5524135"/>
-            <a:ext cx="7302474" cy="738664"/>
-          </a:xfrm>
-          <a:prstGeom prst="rect">
-            <a:avLst/>
-          </a:prstGeom>
-        </p:spPr>
-        <p:txBody>
-          <a:bodyPr wrap="square">
-            <a:spAutoFit/>
-          </a:bodyPr>
-          <a:lstStyle/>
-          <a:p>
-            <a:pPr algn="ctr">
-              <a:lnSpc>
-                <a:spcPct val="150000"/>
-              </a:lnSpc>
-            </a:pPr>
-            <a:r>
-              <a:rPr lang="en-US" altLang="ko-KR" sz="1400" dirty="0">
-                <a:solidFill>
-                  <a:prstClr val="black">
-                    <a:lumMod val="75000"/>
-                    <a:lumOff val="25000"/>
-                  </a:prstClr>
-                </a:solidFill>
-              </a:rPr>
-              <a:t>2013 </a:t>
-            </a:r>
-            <a:r>
-              <a:rPr lang="ko-KR" altLang="en-US" sz="1400" dirty="0">
-                <a:solidFill>
-                  <a:prstClr val="black">
-                    <a:lumMod val="75000"/>
-                    <a:lumOff val="25000"/>
-                  </a:prstClr>
-                </a:solidFill>
-              </a:rPr>
-              <a:t>버전 이상 사용자께서는 스포이트 기능을 이용하시면 </a:t>
-            </a:r>
-            <a:r>
-              <a:rPr lang="ko-KR" altLang="en-US" sz="1400" dirty="0" err="1">
-                <a:solidFill>
-                  <a:prstClr val="black">
-                    <a:lumMod val="75000"/>
-                    <a:lumOff val="25000"/>
-                  </a:prstClr>
-                </a:solidFill>
-              </a:rPr>
-              <a:t>편하구요</a:t>
-            </a:r>
-            <a:r>
-              <a:rPr lang="en-US" altLang="ko-KR" sz="1400" dirty="0">
-                <a:solidFill>
-                  <a:prstClr val="black">
-                    <a:lumMod val="75000"/>
-                    <a:lumOff val="25000"/>
-                  </a:prstClr>
-                </a:solidFill>
-              </a:rPr>
-              <a:t>.</a:t>
-            </a:r>
-          </a:p>
-          <a:p>
-            <a:pPr algn="ctr">
-              <a:lnSpc>
-                <a:spcPct val="150000"/>
-              </a:lnSpc>
-            </a:pPr>
-            <a:r>
-              <a:rPr lang="en-US" altLang="ko-KR" sz="1400" dirty="0">
-                <a:solidFill>
-                  <a:prstClr val="black">
-                    <a:lumMod val="75000"/>
-                    <a:lumOff val="25000"/>
-                  </a:prstClr>
-                </a:solidFill>
-              </a:rPr>
-              <a:t>2010 </a:t>
-            </a:r>
-            <a:r>
-              <a:rPr lang="ko-KR" altLang="en-US" sz="1400" dirty="0">
-                <a:solidFill>
-                  <a:prstClr val="black">
-                    <a:lumMod val="75000"/>
-                    <a:lumOff val="25000"/>
-                  </a:prstClr>
-                </a:solidFill>
-              </a:rPr>
-              <a:t>이하 버전 사용자 께서는 다른 채우기 색 </a:t>
-            </a:r>
-            <a:r>
-              <a:rPr lang="en-US" altLang="ko-KR" sz="1400" dirty="0">
-                <a:solidFill>
-                  <a:prstClr val="black">
-                    <a:lumMod val="75000"/>
-                    <a:lumOff val="25000"/>
-                  </a:prstClr>
-                </a:solidFill>
-              </a:rPr>
-              <a:t>&gt;</a:t>
-            </a:r>
-            <a:r>
-              <a:rPr lang="ko-KR" altLang="en-US" sz="1400" dirty="0">
-                <a:solidFill>
-                  <a:prstClr val="black">
-                    <a:lumMod val="75000"/>
-                    <a:lumOff val="25000"/>
-                  </a:prstClr>
-                </a:solidFill>
-              </a:rPr>
-              <a:t> 사용자 지정 탭 </a:t>
-            </a:r>
-            <a:r>
-              <a:rPr lang="en-US" altLang="ko-KR" sz="1400" dirty="0">
-                <a:solidFill>
-                  <a:prstClr val="black">
-                    <a:lumMod val="75000"/>
-                    <a:lumOff val="25000"/>
-                  </a:prstClr>
-                </a:solidFill>
-              </a:rPr>
-              <a:t>&gt; RGB </a:t>
-            </a:r>
-            <a:r>
-              <a:rPr lang="ko-KR" altLang="en-US" sz="1400" dirty="0">
-                <a:solidFill>
-                  <a:prstClr val="black">
-                    <a:lumMod val="75000"/>
-                    <a:lumOff val="25000"/>
-                  </a:prstClr>
-                </a:solidFill>
-              </a:rPr>
-              <a:t>색상 값 입력</a:t>
-            </a:r>
-            <a:endParaRPr lang="en-US" altLang="ko-KR" sz="1400" dirty="0">
-              <a:solidFill>
-                <a:prstClr val="black">
-                  <a:lumMod val="75000"/>
-                  <a:lumOff val="25000"/>
-                </a:prstClr>
-              </a:solidFill>
-            </a:endParaRPr>
-          </a:p>
-        </p:txBody>
-      </p:sp>
-      <p:sp>
-        <p:nvSpPr>
-          <p:cNvPr id="7" name="타원 6"/>
-          <p:cNvSpPr/>
-          <p:nvPr/>
-        </p:nvSpPr>
-        <p:spPr>
-          <a:xfrm>
-            <a:off x="3893761" y="2464231"/>
-            <a:ext cx="2008163" cy="2008163"/>
-          </a:xfrm>
-          <a:prstGeom prst="ellipse">
-            <a:avLst/>
-          </a:prstGeom>
           <a:solidFill>
-            <a:srgbClr val="EFCCCA"/>
+            <a:schemeClr val="bg1"/>
           </a:solidFill>
-          <a:ln>
-            <a:noFill/>
+          <a:ln w="187325">
+            <a:gradFill>
+              <a:gsLst>
+                <a:gs pos="50000">
+                  <a:srgbClr val="EFCCCA"/>
+                </a:gs>
+                <a:gs pos="50000">
+                  <a:schemeClr val="bg1">
+                    <a:lumMod val="85000"/>
+                  </a:schemeClr>
+                </a:gs>
+              </a:gsLst>
+              <a:lin ang="6600000" scaled="0"/>
+            </a:gradFill>
           </a:ln>
+          <a:effectLst>
+            <a:outerShdw blurRad="431800" dist="241300" dir="5400000" sx="97000" sy="97000" algn="t" rotWithShape="0">
+              <a:prstClr val="black">
+                <a:alpha val="31000"/>
+              </a:prstClr>
+            </a:outerShdw>
+          </a:effectLst>
         </p:spPr>
         <p:style>
           <a:lnRef idx="2">
@@ -20736,350 +21803,41 @@
           </a:fontRef>
         </p:style>
         <p:txBody>
-          <a:bodyPr rtlCol="0" anchor="ctr"/>
+          <a:bodyPr rtlCol="0" anchor="t"/>
           <a:lstStyle/>
           <a:p>
-            <a:pPr algn="ctr">
+            <a:pPr algn="ctr" latinLnBrk="0">
               <a:lnSpc>
                 <a:spcPct val="150000"/>
               </a:lnSpc>
+              <a:defRPr/>
             </a:pPr>
             <a:r>
-              <a:rPr lang="en-US" altLang="ko-KR" sz="2000" b="1" dirty="0">
-                <a:solidFill>
-                  <a:prstClr val="white"/>
-                </a:solidFill>
-              </a:rPr>
-              <a:t>R 239</a:t>
-            </a:r>
-          </a:p>
-          <a:p>
-            <a:pPr algn="ctr">
-              <a:lnSpc>
-                <a:spcPct val="150000"/>
-              </a:lnSpc>
-            </a:pPr>
-            <a:r>
-              <a:rPr lang="en-US" altLang="ko-KR" sz="2000" b="1" dirty="0">
-                <a:solidFill>
-                  <a:prstClr val="white"/>
-                </a:solidFill>
-              </a:rPr>
-              <a:t>G 204</a:t>
-            </a:r>
-          </a:p>
-          <a:p>
-            <a:pPr algn="ctr">
-              <a:lnSpc>
-                <a:spcPct val="150000"/>
-              </a:lnSpc>
-            </a:pPr>
-            <a:r>
-              <a:rPr lang="en-US" altLang="ko-KR" sz="2000" b="1" dirty="0">
-                <a:solidFill>
-                  <a:prstClr val="white"/>
-                </a:solidFill>
-              </a:rPr>
-              <a:t>B 202</a:t>
-            </a:r>
-          </a:p>
-        </p:txBody>
-      </p:sp>
-      <p:sp>
-        <p:nvSpPr>
-          <p:cNvPr id="8" name="타원 7"/>
-          <p:cNvSpPr/>
-          <p:nvPr/>
-        </p:nvSpPr>
-        <p:spPr>
-          <a:xfrm>
-            <a:off x="6404485" y="2464231"/>
-            <a:ext cx="2008163" cy="2008163"/>
-          </a:xfrm>
-          <a:prstGeom prst="ellipse">
-            <a:avLst/>
-          </a:prstGeom>
-          <a:solidFill>
-            <a:srgbClr val="FF9999"/>
-          </a:solidFill>
-          <a:ln>
-            <a:noFill/>
-          </a:ln>
-        </p:spPr>
-        <p:style>
-          <a:lnRef idx="2">
-            <a:schemeClr val="accent1">
-              <a:shade val="50000"/>
-            </a:schemeClr>
-          </a:lnRef>
-          <a:fillRef idx="1">
-            <a:schemeClr val="accent1"/>
-          </a:fillRef>
-          <a:effectRef idx="0">
-            <a:schemeClr val="accent1"/>
-          </a:effectRef>
-          <a:fontRef idx="minor">
-            <a:schemeClr val="lt1"/>
-          </a:fontRef>
-        </p:style>
-        <p:txBody>
-          <a:bodyPr rtlCol="0" anchor="ctr"/>
-          <a:lstStyle/>
-          <a:p>
-            <a:pPr algn="ctr">
-              <a:lnSpc>
-                <a:spcPct val="150000"/>
-              </a:lnSpc>
-            </a:pPr>
-            <a:r>
-              <a:rPr lang="en-US" altLang="ko-KR" sz="2000" b="1" dirty="0">
-                <a:solidFill>
-                  <a:prstClr val="white"/>
-                </a:solidFill>
-              </a:rPr>
-              <a:t>R 255</a:t>
-            </a:r>
-          </a:p>
-          <a:p>
-            <a:pPr algn="ctr">
-              <a:lnSpc>
-                <a:spcPct val="150000"/>
-              </a:lnSpc>
-            </a:pPr>
-            <a:r>
-              <a:rPr lang="en-US" altLang="ko-KR" sz="2000" b="1" dirty="0">
-                <a:solidFill>
-                  <a:prstClr val="white"/>
-                </a:solidFill>
-              </a:rPr>
-              <a:t>G 153</a:t>
-            </a:r>
-          </a:p>
-          <a:p>
-            <a:pPr algn="ctr">
-              <a:lnSpc>
-                <a:spcPct val="150000"/>
-              </a:lnSpc>
-            </a:pPr>
-            <a:r>
-              <a:rPr lang="en-US" altLang="ko-KR" sz="2000" b="1" dirty="0">
-                <a:solidFill>
-                  <a:prstClr val="white"/>
-                </a:solidFill>
-              </a:rPr>
-              <a:t>B 153</a:t>
-            </a:r>
-          </a:p>
-          <a:p>
-            <a:pPr algn="ctr">
-              <a:lnSpc>
-                <a:spcPct val="150000"/>
-              </a:lnSpc>
-            </a:pPr>
-            <a:r>
-              <a:rPr lang="en-US" altLang="ko-KR" sz="1400" dirty="0">
-                <a:solidFill>
-                  <a:prstClr val="white"/>
-                </a:solidFill>
-              </a:rPr>
-              <a:t>※</a:t>
-            </a:r>
-            <a:r>
-              <a:rPr lang="ko-KR" altLang="en-US" sz="1400" dirty="0">
-                <a:solidFill>
-                  <a:prstClr val="white"/>
-                </a:solidFill>
-              </a:rPr>
-              <a:t>표준색상</a:t>
-            </a:r>
-            <a:endParaRPr lang="en-US" altLang="ko-KR" sz="1400" dirty="0">
+              <a:rPr lang="ko-KR" altLang="en-US" sz="2800" b="1" i="1" kern="0" dirty="0">
+                <a:solidFill>
+                  <a:prstClr val="black">
+                    <a:lumMod val="50000"/>
+                    <a:lumOff val="50000"/>
+                  </a:prstClr>
+                </a:solidFill>
+              </a:rPr>
+              <a:t>웹 페이지 제작 진행 현황</a:t>
+            </a:r>
+            <a:endParaRPr lang="en-US" altLang="ko-KR" sz="2800" b="1" i="1" kern="0" dirty="0">
               <a:solidFill>
-                <a:prstClr val="white"/>
+                <a:prstClr val="black">
+                  <a:lumMod val="50000"/>
+                  <a:lumOff val="50000"/>
+                </a:prstClr>
               </a:solidFill>
             </a:endParaRPr>
-          </a:p>
-        </p:txBody>
-      </p:sp>
-      <p:sp>
-        <p:nvSpPr>
-          <p:cNvPr id="11" name="타원 10"/>
-          <p:cNvSpPr/>
-          <p:nvPr/>
-        </p:nvSpPr>
-        <p:spPr>
-          <a:xfrm>
-            <a:off x="1383037" y="2464231"/>
-            <a:ext cx="2008163" cy="2008163"/>
-          </a:xfrm>
-          <a:prstGeom prst="ellipse">
-            <a:avLst/>
-          </a:prstGeom>
-          <a:solidFill>
-            <a:srgbClr val="F8E9E8"/>
-          </a:solidFill>
-          <a:ln>
-            <a:solidFill>
-              <a:srgbClr val="F8E9E8"/>
-            </a:solidFill>
-          </a:ln>
-        </p:spPr>
-        <p:style>
-          <a:lnRef idx="2">
-            <a:schemeClr val="accent1">
-              <a:shade val="50000"/>
-            </a:schemeClr>
-          </a:lnRef>
-          <a:fillRef idx="1">
-            <a:schemeClr val="accent1"/>
-          </a:fillRef>
-          <a:effectRef idx="0">
-            <a:schemeClr val="accent1"/>
-          </a:effectRef>
-          <a:fontRef idx="minor">
-            <a:schemeClr val="lt1"/>
-          </a:fontRef>
-        </p:style>
-        <p:txBody>
-          <a:bodyPr rtlCol="0" anchor="ctr"/>
-          <a:lstStyle/>
-          <a:p>
-            <a:pPr algn="ctr">
-              <a:lnSpc>
-                <a:spcPct val="150000"/>
-              </a:lnSpc>
-            </a:pPr>
-            <a:r>
-              <a:rPr lang="en-US" altLang="ko-KR" sz="2000" b="1" dirty="0">
-                <a:solidFill>
-                  <a:prstClr val="white"/>
-                </a:solidFill>
-              </a:rPr>
-              <a:t>R 248</a:t>
-            </a:r>
-          </a:p>
-          <a:p>
-            <a:pPr algn="ctr">
-              <a:lnSpc>
-                <a:spcPct val="150000"/>
-              </a:lnSpc>
-            </a:pPr>
-            <a:r>
-              <a:rPr lang="en-US" altLang="ko-KR" sz="2000" b="1" dirty="0">
-                <a:solidFill>
-                  <a:prstClr val="white"/>
-                </a:solidFill>
-              </a:rPr>
-              <a:t>G 233</a:t>
-            </a:r>
-          </a:p>
-          <a:p>
-            <a:pPr algn="ctr">
-              <a:lnSpc>
-                <a:spcPct val="150000"/>
-              </a:lnSpc>
-            </a:pPr>
-            <a:r>
-              <a:rPr lang="en-US" altLang="ko-KR" sz="2000" b="1" dirty="0">
-                <a:solidFill>
-                  <a:prstClr val="white"/>
-                </a:solidFill>
-              </a:rPr>
-              <a:t>B 232</a:t>
-            </a:r>
-          </a:p>
-        </p:txBody>
-      </p:sp>
-      <p:sp>
-        <p:nvSpPr>
-          <p:cNvPr id="12" name="타원 11"/>
-          <p:cNvSpPr/>
-          <p:nvPr/>
-        </p:nvSpPr>
-        <p:spPr>
-          <a:xfrm>
-            <a:off x="8915209" y="2464231"/>
-            <a:ext cx="2008163" cy="2008163"/>
-          </a:xfrm>
-          <a:prstGeom prst="ellipse">
-            <a:avLst/>
-          </a:prstGeom>
-          <a:solidFill>
-            <a:srgbClr val="B3ACB3"/>
-          </a:solidFill>
-          <a:ln>
-            <a:noFill/>
-          </a:ln>
-        </p:spPr>
-        <p:style>
-          <a:lnRef idx="2">
-            <a:schemeClr val="accent1">
-              <a:shade val="50000"/>
-            </a:schemeClr>
-          </a:lnRef>
-          <a:fillRef idx="1">
-            <a:schemeClr val="accent1"/>
-          </a:fillRef>
-          <a:effectRef idx="0">
-            <a:schemeClr val="accent1"/>
-          </a:effectRef>
-          <a:fontRef idx="minor">
-            <a:schemeClr val="lt1"/>
-          </a:fontRef>
-        </p:style>
-        <p:txBody>
-          <a:bodyPr rtlCol="0" anchor="ctr"/>
-          <a:lstStyle/>
-          <a:p>
-            <a:pPr algn="ctr">
-              <a:lnSpc>
-                <a:spcPct val="150000"/>
-              </a:lnSpc>
-            </a:pPr>
-            <a:r>
-              <a:rPr lang="en-US" altLang="ko-KR" sz="2000" b="1" dirty="0">
-                <a:solidFill>
-                  <a:prstClr val="white"/>
-                </a:solidFill>
-              </a:rPr>
-              <a:t>R 179</a:t>
-            </a:r>
-          </a:p>
-          <a:p>
-            <a:pPr algn="ctr">
-              <a:lnSpc>
-                <a:spcPct val="150000"/>
-              </a:lnSpc>
-            </a:pPr>
-            <a:r>
-              <a:rPr lang="en-US" altLang="ko-KR" sz="2000" b="1" dirty="0">
-                <a:solidFill>
-                  <a:prstClr val="white"/>
-                </a:solidFill>
-              </a:rPr>
-              <a:t>G 172</a:t>
-            </a:r>
-          </a:p>
-          <a:p>
-            <a:pPr algn="ctr">
-              <a:lnSpc>
-                <a:spcPct val="150000"/>
-              </a:lnSpc>
-            </a:pPr>
-            <a:r>
-              <a:rPr lang="en-US" altLang="ko-KR" sz="2000" b="1" dirty="0">
-                <a:solidFill>
-                  <a:prstClr val="white"/>
-                </a:solidFill>
-              </a:rPr>
-              <a:t>B 179</a:t>
-            </a:r>
           </a:p>
         </p:txBody>
       </p:sp>
     </p:spTree>
     <p:extLst>
       <p:ext uri="{BB962C8B-B14F-4D97-AF65-F5344CB8AC3E}">
-        <p14:creationId xmlns:p14="http://schemas.microsoft.com/office/powerpoint/2010/main" val="2132614944"/>
+        <p14:creationId xmlns:p14="http://schemas.microsoft.com/office/powerpoint/2010/main" val="2151697096"/>
       </p:ext>
     </p:extLst>
   </p:cSld>
@@ -21207,81 +21965,6 @@
                 </a:prstClr>
               </a:solidFill>
             </a:endParaRPr>
-          </a:p>
-        </p:txBody>
-      </p:sp>
-      <p:sp>
-        <p:nvSpPr>
-          <p:cNvPr id="5" name="TextBox 4"/>
-          <p:cNvSpPr txBox="1"/>
-          <p:nvPr/>
-        </p:nvSpPr>
-        <p:spPr>
-          <a:xfrm>
-            <a:off x="4387039" y="5299575"/>
-            <a:ext cx="3417922" cy="830997"/>
-          </a:xfrm>
-          <a:prstGeom prst="rect">
-            <a:avLst/>
-          </a:prstGeom>
-          <a:noFill/>
-        </p:spPr>
-        <p:txBody>
-          <a:bodyPr wrap="none" rtlCol="0">
-            <a:spAutoFit/>
-          </a:bodyPr>
-          <a:lstStyle/>
-          <a:p>
-            <a:pPr algn="ctr"/>
-            <a:r>
-              <a:rPr lang="ko-KR" altLang="en-US" sz="1600" i="1" dirty="0">
-                <a:solidFill>
-                  <a:schemeClr val="bg1">
-                    <a:lumMod val="50000"/>
-                  </a:schemeClr>
-                </a:solidFill>
-              </a:rPr>
-              <a:t>막연하게 정보를 찾을 때</a:t>
-            </a:r>
-            <a:br>
-              <a:rPr lang="en-US" altLang="ko-KR" sz="1600" i="1" dirty="0">
-                <a:solidFill>
-                  <a:schemeClr val="bg1">
-                    <a:lumMod val="50000"/>
-                  </a:schemeClr>
-                </a:solidFill>
-              </a:rPr>
-            </a:br>
-            <a:r>
-              <a:rPr lang="ko-KR" altLang="en-US" sz="1600" i="1" dirty="0">
-                <a:solidFill>
-                  <a:schemeClr val="bg1">
-                    <a:lumMod val="50000"/>
-                  </a:schemeClr>
-                </a:solidFill>
-              </a:rPr>
-              <a:t>랭킹을 이용하여</a:t>
-            </a:r>
-            <a:endParaRPr lang="en-US" altLang="ko-KR" sz="1600" i="1" dirty="0">
-              <a:solidFill>
-                <a:schemeClr val="bg1">
-                  <a:lumMod val="50000"/>
-                </a:schemeClr>
-              </a:solidFill>
-            </a:endParaRPr>
-          </a:p>
-          <a:p>
-            <a:pPr algn="ctr"/>
-            <a:r>
-              <a:rPr lang="ko-KR" altLang="en-US" sz="1600" i="1" dirty="0">
-                <a:solidFill>
-                  <a:schemeClr val="bg1">
-                    <a:lumMod val="50000"/>
-                  </a:schemeClr>
-                </a:solidFill>
-              </a:rPr>
-              <a:t>보다 쉽고 빠르게 결정할 수 있도록</a:t>
-            </a:r>
           </a:p>
         </p:txBody>
       </p:sp>
@@ -21450,6 +22133,139 @@
           </p:spPr>
         </p:pic>
       </p:grpSp>
+      <p:sp>
+        <p:nvSpPr>
+          <p:cNvPr id="10" name="TextBox 9">
+            <a:extLst>
+              <a:ext uri="{FF2B5EF4-FFF2-40B4-BE49-F238E27FC236}">
+                <a16:creationId xmlns:a16="http://schemas.microsoft.com/office/drawing/2014/main" id="{845F8304-71AF-439D-A69A-94BC452B7FB5}"/>
+              </a:ext>
+            </a:extLst>
+          </p:cNvPr>
+          <p:cNvSpPr txBox="1"/>
+          <p:nvPr/>
+        </p:nvSpPr>
+        <p:spPr>
+          <a:xfrm>
+            <a:off x="4778592" y="5081656"/>
+            <a:ext cx="2634816" cy="338554"/>
+          </a:xfrm>
+          <a:prstGeom prst="rect">
+            <a:avLst/>
+          </a:prstGeom>
+          <a:solidFill>
+            <a:srgbClr val="FFFFFF"/>
+          </a:solidFill>
+        </p:spPr>
+        <p:txBody>
+          <a:bodyPr wrap="square">
+            <a:spAutoFit/>
+          </a:bodyPr>
+          <a:lstStyle/>
+          <a:p>
+            <a:r>
+              <a:rPr lang="ko-KR" altLang="en-US" sz="1600" i="1" dirty="0">
+                <a:solidFill>
+                  <a:schemeClr val="bg1">
+                    <a:lumMod val="50000"/>
+                  </a:schemeClr>
+                </a:solidFill>
+              </a:rPr>
+              <a:t>막연하게 정보를 찾을 때</a:t>
+            </a:r>
+            <a:endParaRPr lang="ko-KR" altLang="en-US" sz="1600" dirty="0"/>
+          </a:p>
+        </p:txBody>
+      </p:sp>
+      <p:sp>
+        <p:nvSpPr>
+          <p:cNvPr id="12" name="TextBox 11">
+            <a:extLst>
+              <a:ext uri="{FF2B5EF4-FFF2-40B4-BE49-F238E27FC236}">
+                <a16:creationId xmlns:a16="http://schemas.microsoft.com/office/drawing/2014/main" id="{156C47C3-36AC-487E-98D0-3C0FF2B69D74}"/>
+              </a:ext>
+            </a:extLst>
+          </p:cNvPr>
+          <p:cNvSpPr txBox="1"/>
+          <p:nvPr/>
+        </p:nvSpPr>
+        <p:spPr>
+          <a:xfrm>
+            <a:off x="5103657" y="5421277"/>
+            <a:ext cx="1813741" cy="338554"/>
+          </a:xfrm>
+          <a:prstGeom prst="rect">
+            <a:avLst/>
+          </a:prstGeom>
+          <a:solidFill>
+            <a:srgbClr val="FFFFFF"/>
+          </a:solidFill>
+        </p:spPr>
+        <p:txBody>
+          <a:bodyPr wrap="square">
+            <a:spAutoFit/>
+          </a:bodyPr>
+          <a:lstStyle/>
+          <a:p>
+            <a:pPr algn="ctr"/>
+            <a:r>
+              <a:rPr lang="ko-KR" altLang="en-US" sz="1600" i="1" dirty="0">
+                <a:solidFill>
+                  <a:schemeClr val="bg1">
+                    <a:lumMod val="50000"/>
+                  </a:schemeClr>
+                </a:solidFill>
+              </a:rPr>
+              <a:t>랭킹을 이용하여</a:t>
+            </a:r>
+            <a:endParaRPr lang="en-US" altLang="ko-KR" sz="1600" i="1" dirty="0">
+              <a:solidFill>
+                <a:schemeClr val="bg1">
+                  <a:lumMod val="50000"/>
+                </a:schemeClr>
+              </a:solidFill>
+            </a:endParaRPr>
+          </a:p>
+        </p:txBody>
+      </p:sp>
+      <p:sp>
+        <p:nvSpPr>
+          <p:cNvPr id="5" name="TextBox 4"/>
+          <p:cNvSpPr txBox="1"/>
+          <p:nvPr/>
+        </p:nvSpPr>
+        <p:spPr>
+          <a:xfrm>
+            <a:off x="5432352" y="5760365"/>
+            <a:ext cx="1810111" cy="338554"/>
+          </a:xfrm>
+          <a:prstGeom prst="rect">
+            <a:avLst/>
+          </a:prstGeom>
+          <a:solidFill>
+            <a:srgbClr val="FFFFFF"/>
+          </a:solidFill>
+        </p:spPr>
+        <p:txBody>
+          <a:bodyPr wrap="none" rtlCol="0">
+            <a:spAutoFit/>
+          </a:bodyPr>
+          <a:lstStyle/>
+          <a:p>
+            <a:pPr algn="ctr"/>
+            <a:r>
+              <a:rPr lang="ko-KR" altLang="en-US" sz="1600" i="1" dirty="0">
+                <a:solidFill>
+                  <a:schemeClr val="bg1">
+                    <a:lumMod val="50000"/>
+                  </a:schemeClr>
+                </a:solidFill>
+              </a:rPr>
+              <a:t>보다 쉽고 빠르게</a:t>
+            </a:r>
+          </a:p>
+        </p:txBody>
+      </p:sp>
     </p:spTree>
     <p:extLst>
       <p:ext uri="{BB962C8B-B14F-4D97-AF65-F5344CB8AC3E}">
@@ -21481,7 +22297,7 @@
                             </p:stCondLst>
                             <p:childTnLst>
                               <p:par>
-                                <p:cTn id="5" presetID="1" presetClass="entr" presetSubtype="0" fill="hold" nodeType="clickEffect">
+                                <p:cTn id="5" presetID="10" presetClass="entr" presetSubtype="0" fill="hold" nodeType="clickEffect">
                                   <p:stCondLst>
                                     <p:cond delay="0"/>
                                   </p:stCondLst>
@@ -21504,42 +22320,32 @@
                                         <p:strVal val="visible"/>
                                       </p:to>
                                     </p:set>
+                                    <p:animEffect transition="in" filter="fade">
+                                      <p:cBhvr>
+                                        <p:cTn id="7" dur="500"/>
+                                        <p:tgtEl>
+                                          <p:spTgt spid="19"/>
+                                        </p:tgtEl>
+                                      </p:cBhvr>
+                                    </p:animEffect>
                                   </p:childTnLst>
                                 </p:cTn>
                               </p:par>
-                            </p:childTnLst>
-                          </p:cTn>
-                        </p:par>
-                      </p:childTnLst>
-                    </p:cTn>
-                  </p:par>
-                  <p:par>
-                    <p:cTn id="7" fill="hold">
-                      <p:stCondLst>
-                        <p:cond delay="indefinite"/>
-                      </p:stCondLst>
-                      <p:childTnLst>
-                        <p:par>
-                          <p:cTn id="8" fill="hold">
-                            <p:stCondLst>
-                              <p:cond delay="0"/>
-                            </p:stCondLst>
-                            <p:childTnLst>
                               <p:par>
-                                <p:cTn id="9" presetID="1" presetClass="entr" presetSubtype="0" fill="hold" nodeType="clickEffect">
+                                <p:cTn id="8" presetID="10" presetClass="entr" presetSubtype="0" fill="hold" grpId="0" nodeType="withEffect">
                                   <p:stCondLst>
                                     <p:cond delay="0"/>
                                   </p:stCondLst>
                                   <p:childTnLst>
                                     <p:set>
                                       <p:cBhvr>
-                                        <p:cTn id="10" dur="1" fill="hold">
+                                        <p:cTn id="9" dur="1" fill="hold">
                                           <p:stCondLst>
                                             <p:cond delay="0"/>
                                           </p:stCondLst>
                                         </p:cTn>
                                         <p:tgtEl>
-                                          <p:spTgt spid="23"/>
+                                          <p:spTgt spid="10"/>
                                         </p:tgtEl>
                                         <p:attrNameLst>
                                           <p:attrName>style.visibility</p:attrName>
@@ -21549,6 +22355,14 @@
                                         <p:strVal val="visible"/>
                                       </p:to>
                                     </p:set>
+                                    <p:animEffect transition="in" filter="fade">
+                                      <p:cBhvr>
+                                        <p:cTn id="10" dur="500"/>
+                                        <p:tgtEl>
+                                          <p:spTgt spid="10"/>
+                                        </p:tgtEl>
+                                      </p:cBhvr>
+                                    </p:animEffect>
                                   </p:childTnLst>
                                 </p:cTn>
                               </p:par>
@@ -21571,7 +22385,7 @@
                             </p:stCondLst>
                             <p:childTnLst>
                               <p:par>
-                                <p:cTn id="13" presetID="1" presetClass="entr" presetSubtype="0" fill="hold" nodeType="clickEffect">
+                                <p:cTn id="13" presetID="10" presetClass="entr" presetSubtype="0" fill="hold" nodeType="clickEffect">
                                   <p:stCondLst>
                                     <p:cond delay="0"/>
                                   </p:stCondLst>
@@ -21579,6 +22393,94 @@
                                     <p:set>
                                       <p:cBhvr>
                                         <p:cTn id="14" dur="1" fill="hold">
+                                          <p:stCondLst>
+                                            <p:cond delay="0"/>
+                                          </p:stCondLst>
+                                        </p:cTn>
+                                        <p:tgtEl>
+                                          <p:spTgt spid="23"/>
+                                        </p:tgtEl>
+                                        <p:attrNameLst>
+                                          <p:attrName>style.visibility</p:attrName>
+                                        </p:attrNameLst>
+                                      </p:cBhvr>
+                                      <p:to>
+                                        <p:strVal val="visible"/>
+                                      </p:to>
+                                    </p:set>
+                                    <p:animEffect transition="in" filter="fade">
+                                      <p:cBhvr>
+                                        <p:cTn id="15" dur="500"/>
+                                        <p:tgtEl>
+                                          <p:spTgt spid="23"/>
+                                        </p:tgtEl>
+                                      </p:cBhvr>
+                                    </p:animEffect>
+                                  </p:childTnLst>
+                                </p:cTn>
+                              </p:par>
+                              <p:par>
+                                <p:cTn id="16" presetID="10" presetClass="entr" presetSubtype="0" fill="hold" grpId="0" nodeType="withEffect">
+                                  <p:stCondLst>
+                                    <p:cond delay="0"/>
+                                  </p:stCondLst>
+                                  <p:childTnLst>
+                                    <p:set>
+                                      <p:cBhvr>
+                                        <p:cTn id="17" dur="1" fill="hold">
+                                          <p:stCondLst>
+                                            <p:cond delay="0"/>
+                                          </p:stCondLst>
+                                        </p:cTn>
+                                        <p:tgtEl>
+                                          <p:spTgt spid="12"/>
+                                        </p:tgtEl>
+                                        <p:attrNameLst>
+                                          <p:attrName>style.visibility</p:attrName>
+                                        </p:attrNameLst>
+                                      </p:cBhvr>
+                                      <p:to>
+                                        <p:strVal val="visible"/>
+                                      </p:to>
+                                    </p:set>
+                                    <p:animEffect transition="in" filter="fade">
+                                      <p:cBhvr>
+                                        <p:cTn id="18" dur="500"/>
+                                        <p:tgtEl>
+                                          <p:spTgt spid="12"/>
+                                        </p:tgtEl>
+                                      </p:cBhvr>
+                                    </p:animEffect>
+                                  </p:childTnLst>
+                                </p:cTn>
+                              </p:par>
+                            </p:childTnLst>
+                          </p:cTn>
+                        </p:par>
+                      </p:childTnLst>
+                    </p:cTn>
+                  </p:par>
+                  <p:par>
+                    <p:cTn id="19" fill="hold">
+                      <p:stCondLst>
+                        <p:cond delay="indefinite"/>
+                      </p:stCondLst>
+                      <p:childTnLst>
+                        <p:par>
+                          <p:cTn id="20" fill="hold">
+                            <p:stCondLst>
+                              <p:cond delay="0"/>
+                            </p:stCondLst>
+                            <p:childTnLst>
+                              <p:par>
+                                <p:cTn id="21" presetID="10" presetClass="entr" presetSubtype="0" fill="hold" nodeType="clickEffect">
+                                  <p:stCondLst>
+                                    <p:cond delay="0"/>
+                                  </p:stCondLst>
+                                  <p:childTnLst>
+                                    <p:set>
+                                      <p:cBhvr>
+                                        <p:cTn id="22" dur="1" fill="hold">
                                           <p:stCondLst>
                                             <p:cond delay="0"/>
                                           </p:stCondLst>
@@ -21594,6 +22496,49 @@
                                         <p:strVal val="visible"/>
                                       </p:to>
                                     </p:set>
+                                    <p:animEffect transition="in" filter="fade">
+                                      <p:cBhvr>
+                                        <p:cTn id="23" dur="500"/>
+                                        <p:tgtEl>
+                                          <p:spTgt spid="28"/>
+                                        </p:tgtEl>
+                                      </p:cBhvr>
+                                    </p:animEffect>
+                                  </p:childTnLst>
+                                </p:cTn>
+                              </p:par>
+                              <p:par>
+                                <p:cTn id="24" presetID="10" presetClass="entr" presetSubtype="0" fill="hold" grpId="0" nodeType="withEffect">
+                                  <p:stCondLst>
+                                    <p:cond delay="0"/>
+                                  </p:stCondLst>
+                                  <p:childTnLst>
+                                    <p:set>
+                                      <p:cBhvr>
+                                        <p:cTn id="25" dur="1" fill="hold">
+                                          <p:stCondLst>
+                                            <p:cond delay="0"/>
+                                          </p:stCondLst>
+                                        </p:cTn>
+                                        <p:tgtEl>
+                                          <p:spTgt spid="5"/>
+                                        </p:tgtEl>
+                                        <p:attrNameLst>
+                                          <p:attrName>style.visibility</p:attrName>
+                                        </p:attrNameLst>
+                                      </p:cBhvr>
+                                      <p:to>
+                                        <p:strVal val="visible"/>
+                                      </p:to>
+                                    </p:set>
+                                    <p:animEffect transition="in" filter="fade">
+                                      <p:cBhvr>
+                                        <p:cTn id="26" dur="500"/>
+                                        <p:tgtEl>
+                                          <p:spTgt spid="5"/>
+                                        </p:tgtEl>
+                                      </p:cBhvr>
+                                    </p:animEffect>
                                   </p:childTnLst>
                                 </p:cTn>
                               </p:par>
@@ -21624,11 +22569,724 @@
         </p:cTn>
       </p:par>
     </p:tnLst>
+    <p:bldLst>
+      <p:bldP spid="10" grpId="0" animBg="1"/>
+      <p:bldP spid="12" grpId="0" animBg="1"/>
+      <p:bldP spid="5" grpId="0" animBg="1"/>
+    </p:bldLst>
   </p:timing>
 </p:sld>
 </file>
 
 <file path=ppt/slides/slide30.xml><?xml version="1.0" encoding="utf-8"?>
+<p:sld xmlns:a="http://schemas.openxmlformats.org/drawingml/2006/main" xmlns:r="http://schemas.openxmlformats.org/officeDocument/2006/relationships" xmlns:p="http://schemas.openxmlformats.org/presentationml/2006/main">
+  <p:cSld>
+    <p:spTree>
+      <p:nvGrpSpPr>
+        <p:cNvPr id="1" name=""/>
+        <p:cNvGrpSpPr/>
+        <p:nvPr/>
+      </p:nvGrpSpPr>
+      <p:grpSpPr>
+        <a:xfrm>
+          <a:off x="0" y="0"/>
+          <a:ext cx="0" cy="0"/>
+          <a:chOff x="0" y="0"/>
+          <a:chExt cx="0" cy="0"/>
+        </a:xfrm>
+      </p:grpSpPr>
+      <p:sp>
+        <p:nvSpPr>
+          <p:cNvPr id="2" name="제목 1">
+            <a:extLst>
+              <a:ext uri="{FF2B5EF4-FFF2-40B4-BE49-F238E27FC236}">
+                <a16:creationId xmlns:a16="http://schemas.microsoft.com/office/drawing/2014/main" id="{1D822269-98C3-48DA-BF38-7E0990DA8A19}"/>
+              </a:ext>
+            </a:extLst>
+          </p:cNvPr>
+          <p:cNvSpPr>
+            <a:spLocks noGrp="1"/>
+          </p:cNvSpPr>
+          <p:nvPr>
+            <p:ph type="title"/>
+          </p:nvPr>
+        </p:nvSpPr>
+        <p:spPr/>
+        <p:txBody>
+          <a:bodyPr/>
+          <a:lstStyle/>
+          <a:p>
+            <a:r>
+              <a:rPr lang="ko-KR" altLang="en-US" dirty="0" err="1"/>
+              <a:t>필요없는</a:t>
+            </a:r>
+            <a:r>
+              <a:rPr lang="ko-KR" altLang="en-US" dirty="0"/>
+              <a:t> 페이지</a:t>
+            </a:r>
+          </a:p>
+        </p:txBody>
+      </p:sp>
+      <p:sp>
+        <p:nvSpPr>
+          <p:cNvPr id="3" name="내용 개체 틀 2">
+            <a:extLst>
+              <a:ext uri="{FF2B5EF4-FFF2-40B4-BE49-F238E27FC236}">
+                <a16:creationId xmlns:a16="http://schemas.microsoft.com/office/drawing/2014/main" id="{903F5A8B-E8FC-42E8-8B18-4A2D1D83C480}"/>
+              </a:ext>
+            </a:extLst>
+          </p:cNvPr>
+          <p:cNvSpPr>
+            <a:spLocks noGrp="1"/>
+          </p:cNvSpPr>
+          <p:nvPr>
+            <p:ph idx="1"/>
+          </p:nvPr>
+        </p:nvSpPr>
+        <p:spPr/>
+        <p:txBody>
+          <a:bodyPr/>
+          <a:lstStyle/>
+          <a:p>
+            <a:endParaRPr lang="ko-KR" altLang="en-US" dirty="0"/>
+          </a:p>
+        </p:txBody>
+      </p:sp>
+    </p:spTree>
+    <p:extLst>
+      <p:ext uri="{BB962C8B-B14F-4D97-AF65-F5344CB8AC3E}">
+        <p14:creationId xmlns:p14="http://schemas.microsoft.com/office/powerpoint/2010/main" val="3337159201"/>
+      </p:ext>
+    </p:extLst>
+  </p:cSld>
+  <p:clrMapOvr>
+    <a:masterClrMapping/>
+  </p:clrMapOvr>
+</p:sld>
+</file>
+
+<file path=ppt/slides/slide31.xml><?xml version="1.0" encoding="utf-8"?>
+<p:sld xmlns:a="http://schemas.openxmlformats.org/drawingml/2006/main" xmlns:r="http://schemas.openxmlformats.org/officeDocument/2006/relationships" xmlns:p="http://schemas.openxmlformats.org/presentationml/2006/main">
+  <p:cSld>
+    <p:spTree>
+      <p:nvGrpSpPr>
+        <p:cNvPr id="1" name=""/>
+        <p:cNvGrpSpPr/>
+        <p:nvPr/>
+      </p:nvGrpSpPr>
+      <p:grpSpPr>
+        <a:xfrm>
+          <a:off x="0" y="0"/>
+          <a:ext cx="0" cy="0"/>
+          <a:chOff x="0" y="0"/>
+          <a:chExt cx="0" cy="0"/>
+        </a:xfrm>
+      </p:grpSpPr>
+      <p:sp>
+        <p:nvSpPr>
+          <p:cNvPr id="4" name="직사각형 3"/>
+          <p:cNvSpPr/>
+          <p:nvPr/>
+        </p:nvSpPr>
+        <p:spPr>
+          <a:xfrm>
+            <a:off x="3919935" y="461016"/>
+            <a:ext cx="4236842" cy="655372"/>
+          </a:xfrm>
+          <a:prstGeom prst="rect">
+            <a:avLst/>
+          </a:prstGeom>
+        </p:spPr>
+        <p:txBody>
+          <a:bodyPr wrap="square">
+            <a:spAutoFit/>
+          </a:bodyPr>
+          <a:lstStyle/>
+          <a:p>
+            <a:pPr algn="ctr">
+              <a:lnSpc>
+                <a:spcPct val="150000"/>
+              </a:lnSpc>
+            </a:pPr>
+            <a:r>
+              <a:rPr lang="ko-KR" altLang="en-US" sz="2800" b="1" dirty="0">
+                <a:solidFill>
+                  <a:prstClr val="black">
+                    <a:lumMod val="75000"/>
+                    <a:lumOff val="25000"/>
+                  </a:prstClr>
+                </a:solidFill>
+              </a:rPr>
+              <a:t>오늘 사용한 색상은</a:t>
+            </a:r>
+            <a:r>
+              <a:rPr lang="en-US" altLang="ko-KR" sz="2800" b="1" dirty="0">
+                <a:solidFill>
+                  <a:prstClr val="black">
+                    <a:lumMod val="75000"/>
+                    <a:lumOff val="25000"/>
+                  </a:prstClr>
+                </a:solidFill>
+              </a:rPr>
+              <a:t>?</a:t>
+            </a:r>
+            <a:endParaRPr lang="ko-KR" altLang="en-US" sz="2000" dirty="0">
+              <a:solidFill>
+                <a:prstClr val="black">
+                  <a:lumMod val="75000"/>
+                  <a:lumOff val="25000"/>
+                </a:prstClr>
+              </a:solidFill>
+            </a:endParaRPr>
+          </a:p>
+        </p:txBody>
+      </p:sp>
+      <p:sp>
+        <p:nvSpPr>
+          <p:cNvPr id="5" name="직사각형 4"/>
+          <p:cNvSpPr/>
+          <p:nvPr/>
+        </p:nvSpPr>
+        <p:spPr>
+          <a:xfrm>
+            <a:off x="2387119" y="5524135"/>
+            <a:ext cx="7302474" cy="738664"/>
+          </a:xfrm>
+          <a:prstGeom prst="rect">
+            <a:avLst/>
+          </a:prstGeom>
+        </p:spPr>
+        <p:txBody>
+          <a:bodyPr wrap="square">
+            <a:spAutoFit/>
+          </a:bodyPr>
+          <a:lstStyle/>
+          <a:p>
+            <a:pPr algn="ctr">
+              <a:lnSpc>
+                <a:spcPct val="150000"/>
+              </a:lnSpc>
+            </a:pPr>
+            <a:r>
+              <a:rPr lang="en-US" altLang="ko-KR" sz="1400" dirty="0">
+                <a:solidFill>
+                  <a:prstClr val="black">
+                    <a:lumMod val="75000"/>
+                    <a:lumOff val="25000"/>
+                  </a:prstClr>
+                </a:solidFill>
+              </a:rPr>
+              <a:t>2013 </a:t>
+            </a:r>
+            <a:r>
+              <a:rPr lang="ko-KR" altLang="en-US" sz="1400" dirty="0">
+                <a:solidFill>
+                  <a:prstClr val="black">
+                    <a:lumMod val="75000"/>
+                    <a:lumOff val="25000"/>
+                  </a:prstClr>
+                </a:solidFill>
+              </a:rPr>
+              <a:t>버전 이상 사용자께서는 스포이트 기능을 이용하시면 </a:t>
+            </a:r>
+            <a:r>
+              <a:rPr lang="ko-KR" altLang="en-US" sz="1400" dirty="0" err="1">
+                <a:solidFill>
+                  <a:prstClr val="black">
+                    <a:lumMod val="75000"/>
+                    <a:lumOff val="25000"/>
+                  </a:prstClr>
+                </a:solidFill>
+              </a:rPr>
+              <a:t>편하구요</a:t>
+            </a:r>
+            <a:r>
+              <a:rPr lang="en-US" altLang="ko-KR" sz="1400" dirty="0">
+                <a:solidFill>
+                  <a:prstClr val="black">
+                    <a:lumMod val="75000"/>
+                    <a:lumOff val="25000"/>
+                  </a:prstClr>
+                </a:solidFill>
+              </a:rPr>
+              <a:t>.</a:t>
+            </a:r>
+          </a:p>
+          <a:p>
+            <a:pPr algn="ctr">
+              <a:lnSpc>
+                <a:spcPct val="150000"/>
+              </a:lnSpc>
+            </a:pPr>
+            <a:r>
+              <a:rPr lang="en-US" altLang="ko-KR" sz="1400" dirty="0">
+                <a:solidFill>
+                  <a:prstClr val="black">
+                    <a:lumMod val="75000"/>
+                    <a:lumOff val="25000"/>
+                  </a:prstClr>
+                </a:solidFill>
+              </a:rPr>
+              <a:t>2010 </a:t>
+            </a:r>
+            <a:r>
+              <a:rPr lang="ko-KR" altLang="en-US" sz="1400" dirty="0">
+                <a:solidFill>
+                  <a:prstClr val="black">
+                    <a:lumMod val="75000"/>
+                    <a:lumOff val="25000"/>
+                  </a:prstClr>
+                </a:solidFill>
+              </a:rPr>
+              <a:t>이하 버전 사용자 께서는 다른 채우기 색 </a:t>
+            </a:r>
+            <a:r>
+              <a:rPr lang="en-US" altLang="ko-KR" sz="1400" dirty="0">
+                <a:solidFill>
+                  <a:prstClr val="black">
+                    <a:lumMod val="75000"/>
+                    <a:lumOff val="25000"/>
+                  </a:prstClr>
+                </a:solidFill>
+              </a:rPr>
+              <a:t>&gt;</a:t>
+            </a:r>
+            <a:r>
+              <a:rPr lang="ko-KR" altLang="en-US" sz="1400" dirty="0">
+                <a:solidFill>
+                  <a:prstClr val="black">
+                    <a:lumMod val="75000"/>
+                    <a:lumOff val="25000"/>
+                  </a:prstClr>
+                </a:solidFill>
+              </a:rPr>
+              <a:t> 사용자 지정 탭 </a:t>
+            </a:r>
+            <a:r>
+              <a:rPr lang="en-US" altLang="ko-KR" sz="1400" dirty="0">
+                <a:solidFill>
+                  <a:prstClr val="black">
+                    <a:lumMod val="75000"/>
+                    <a:lumOff val="25000"/>
+                  </a:prstClr>
+                </a:solidFill>
+              </a:rPr>
+              <a:t>&gt; RGB </a:t>
+            </a:r>
+            <a:r>
+              <a:rPr lang="ko-KR" altLang="en-US" sz="1400" dirty="0">
+                <a:solidFill>
+                  <a:prstClr val="black">
+                    <a:lumMod val="75000"/>
+                    <a:lumOff val="25000"/>
+                  </a:prstClr>
+                </a:solidFill>
+              </a:rPr>
+              <a:t>색상 값 입력</a:t>
+            </a:r>
+            <a:endParaRPr lang="en-US" altLang="ko-KR" sz="1400" dirty="0">
+              <a:solidFill>
+                <a:prstClr val="black">
+                  <a:lumMod val="75000"/>
+                  <a:lumOff val="25000"/>
+                </a:prstClr>
+              </a:solidFill>
+            </a:endParaRPr>
+          </a:p>
+        </p:txBody>
+      </p:sp>
+      <p:sp>
+        <p:nvSpPr>
+          <p:cNvPr id="7" name="타원 6"/>
+          <p:cNvSpPr/>
+          <p:nvPr/>
+        </p:nvSpPr>
+        <p:spPr>
+          <a:xfrm>
+            <a:off x="3893761" y="2464231"/>
+            <a:ext cx="2008163" cy="2008163"/>
+          </a:xfrm>
+          <a:prstGeom prst="ellipse">
+            <a:avLst/>
+          </a:prstGeom>
+          <a:solidFill>
+            <a:srgbClr val="EFCCCA"/>
+          </a:solidFill>
+          <a:ln>
+            <a:noFill/>
+          </a:ln>
+        </p:spPr>
+        <p:style>
+          <a:lnRef idx="2">
+            <a:schemeClr val="accent1">
+              <a:shade val="50000"/>
+            </a:schemeClr>
+          </a:lnRef>
+          <a:fillRef idx="1">
+            <a:schemeClr val="accent1"/>
+          </a:fillRef>
+          <a:effectRef idx="0">
+            <a:schemeClr val="accent1"/>
+          </a:effectRef>
+          <a:fontRef idx="minor">
+            <a:schemeClr val="lt1"/>
+          </a:fontRef>
+        </p:style>
+        <p:txBody>
+          <a:bodyPr rtlCol="0" anchor="ctr"/>
+          <a:lstStyle/>
+          <a:p>
+            <a:pPr algn="ctr">
+              <a:lnSpc>
+                <a:spcPct val="150000"/>
+              </a:lnSpc>
+            </a:pPr>
+            <a:r>
+              <a:rPr lang="en-US" altLang="ko-KR" sz="2000" b="1" dirty="0">
+                <a:solidFill>
+                  <a:prstClr val="white"/>
+                </a:solidFill>
+              </a:rPr>
+              <a:t>R 239</a:t>
+            </a:r>
+          </a:p>
+          <a:p>
+            <a:pPr algn="ctr">
+              <a:lnSpc>
+                <a:spcPct val="150000"/>
+              </a:lnSpc>
+            </a:pPr>
+            <a:r>
+              <a:rPr lang="en-US" altLang="ko-KR" sz="2000" b="1" dirty="0">
+                <a:solidFill>
+                  <a:prstClr val="white"/>
+                </a:solidFill>
+              </a:rPr>
+              <a:t>G 204</a:t>
+            </a:r>
+          </a:p>
+          <a:p>
+            <a:pPr algn="ctr">
+              <a:lnSpc>
+                <a:spcPct val="150000"/>
+              </a:lnSpc>
+            </a:pPr>
+            <a:r>
+              <a:rPr lang="en-US" altLang="ko-KR" sz="2000" b="1" dirty="0">
+                <a:solidFill>
+                  <a:prstClr val="white"/>
+                </a:solidFill>
+              </a:rPr>
+              <a:t>B 202</a:t>
+            </a:r>
+          </a:p>
+        </p:txBody>
+      </p:sp>
+      <p:sp>
+        <p:nvSpPr>
+          <p:cNvPr id="8" name="타원 7"/>
+          <p:cNvSpPr/>
+          <p:nvPr/>
+        </p:nvSpPr>
+        <p:spPr>
+          <a:xfrm>
+            <a:off x="6404485" y="2464231"/>
+            <a:ext cx="2008163" cy="2008163"/>
+          </a:xfrm>
+          <a:prstGeom prst="ellipse">
+            <a:avLst/>
+          </a:prstGeom>
+          <a:solidFill>
+            <a:srgbClr val="FF9999"/>
+          </a:solidFill>
+          <a:ln>
+            <a:noFill/>
+          </a:ln>
+        </p:spPr>
+        <p:style>
+          <a:lnRef idx="2">
+            <a:schemeClr val="accent1">
+              <a:shade val="50000"/>
+            </a:schemeClr>
+          </a:lnRef>
+          <a:fillRef idx="1">
+            <a:schemeClr val="accent1"/>
+          </a:fillRef>
+          <a:effectRef idx="0">
+            <a:schemeClr val="accent1"/>
+          </a:effectRef>
+          <a:fontRef idx="minor">
+            <a:schemeClr val="lt1"/>
+          </a:fontRef>
+        </p:style>
+        <p:txBody>
+          <a:bodyPr rtlCol="0" anchor="ctr"/>
+          <a:lstStyle/>
+          <a:p>
+            <a:pPr algn="ctr">
+              <a:lnSpc>
+                <a:spcPct val="150000"/>
+              </a:lnSpc>
+            </a:pPr>
+            <a:r>
+              <a:rPr lang="en-US" altLang="ko-KR" sz="2000" b="1" dirty="0">
+                <a:solidFill>
+                  <a:prstClr val="white"/>
+                </a:solidFill>
+              </a:rPr>
+              <a:t>R 255</a:t>
+            </a:r>
+          </a:p>
+          <a:p>
+            <a:pPr algn="ctr">
+              <a:lnSpc>
+                <a:spcPct val="150000"/>
+              </a:lnSpc>
+            </a:pPr>
+            <a:r>
+              <a:rPr lang="en-US" altLang="ko-KR" sz="2000" b="1" dirty="0">
+                <a:solidFill>
+                  <a:prstClr val="white"/>
+                </a:solidFill>
+              </a:rPr>
+              <a:t>G 153</a:t>
+            </a:r>
+          </a:p>
+          <a:p>
+            <a:pPr algn="ctr">
+              <a:lnSpc>
+                <a:spcPct val="150000"/>
+              </a:lnSpc>
+            </a:pPr>
+            <a:r>
+              <a:rPr lang="en-US" altLang="ko-KR" sz="2000" b="1" dirty="0">
+                <a:solidFill>
+                  <a:prstClr val="white"/>
+                </a:solidFill>
+              </a:rPr>
+              <a:t>B 153</a:t>
+            </a:r>
+          </a:p>
+          <a:p>
+            <a:pPr algn="ctr">
+              <a:lnSpc>
+                <a:spcPct val="150000"/>
+              </a:lnSpc>
+            </a:pPr>
+            <a:r>
+              <a:rPr lang="en-US" altLang="ko-KR" sz="1400" dirty="0">
+                <a:solidFill>
+                  <a:prstClr val="white"/>
+                </a:solidFill>
+              </a:rPr>
+              <a:t>※</a:t>
+            </a:r>
+            <a:r>
+              <a:rPr lang="ko-KR" altLang="en-US" sz="1400" dirty="0">
+                <a:solidFill>
+                  <a:prstClr val="white"/>
+                </a:solidFill>
+              </a:rPr>
+              <a:t>표준색상</a:t>
+            </a:r>
+            <a:endParaRPr lang="en-US" altLang="ko-KR" sz="1400" dirty="0">
+              <a:solidFill>
+                <a:prstClr val="white"/>
+              </a:solidFill>
+            </a:endParaRPr>
+          </a:p>
+        </p:txBody>
+      </p:sp>
+      <p:sp>
+        <p:nvSpPr>
+          <p:cNvPr id="11" name="타원 10"/>
+          <p:cNvSpPr/>
+          <p:nvPr/>
+        </p:nvSpPr>
+        <p:spPr>
+          <a:xfrm>
+            <a:off x="1383037" y="2464231"/>
+            <a:ext cx="2008163" cy="2008163"/>
+          </a:xfrm>
+          <a:prstGeom prst="ellipse">
+            <a:avLst/>
+          </a:prstGeom>
+          <a:solidFill>
+            <a:srgbClr val="F8E9E8"/>
+          </a:solidFill>
+          <a:ln>
+            <a:solidFill>
+              <a:srgbClr val="F8E9E8"/>
+            </a:solidFill>
+          </a:ln>
+        </p:spPr>
+        <p:style>
+          <a:lnRef idx="2">
+            <a:schemeClr val="accent1">
+              <a:shade val="50000"/>
+            </a:schemeClr>
+          </a:lnRef>
+          <a:fillRef idx="1">
+            <a:schemeClr val="accent1"/>
+          </a:fillRef>
+          <a:effectRef idx="0">
+            <a:schemeClr val="accent1"/>
+          </a:effectRef>
+          <a:fontRef idx="minor">
+            <a:schemeClr val="lt1"/>
+          </a:fontRef>
+        </p:style>
+        <p:txBody>
+          <a:bodyPr rtlCol="0" anchor="ctr"/>
+          <a:lstStyle/>
+          <a:p>
+            <a:pPr algn="ctr">
+              <a:lnSpc>
+                <a:spcPct val="150000"/>
+              </a:lnSpc>
+            </a:pPr>
+            <a:r>
+              <a:rPr lang="en-US" altLang="ko-KR" sz="2000" b="1" dirty="0">
+                <a:solidFill>
+                  <a:prstClr val="white"/>
+                </a:solidFill>
+              </a:rPr>
+              <a:t>R 248</a:t>
+            </a:r>
+          </a:p>
+          <a:p>
+            <a:pPr algn="ctr">
+              <a:lnSpc>
+                <a:spcPct val="150000"/>
+              </a:lnSpc>
+            </a:pPr>
+            <a:r>
+              <a:rPr lang="en-US" altLang="ko-KR" sz="2000" b="1" dirty="0">
+                <a:solidFill>
+                  <a:prstClr val="white"/>
+                </a:solidFill>
+              </a:rPr>
+              <a:t>G 233</a:t>
+            </a:r>
+          </a:p>
+          <a:p>
+            <a:pPr algn="ctr">
+              <a:lnSpc>
+                <a:spcPct val="150000"/>
+              </a:lnSpc>
+            </a:pPr>
+            <a:r>
+              <a:rPr lang="en-US" altLang="ko-KR" sz="2000" b="1" dirty="0">
+                <a:solidFill>
+                  <a:prstClr val="white"/>
+                </a:solidFill>
+              </a:rPr>
+              <a:t>B 232</a:t>
+            </a:r>
+          </a:p>
+        </p:txBody>
+      </p:sp>
+      <p:sp>
+        <p:nvSpPr>
+          <p:cNvPr id="12" name="타원 11"/>
+          <p:cNvSpPr/>
+          <p:nvPr/>
+        </p:nvSpPr>
+        <p:spPr>
+          <a:xfrm>
+            <a:off x="8915209" y="2464231"/>
+            <a:ext cx="2008163" cy="2008163"/>
+          </a:xfrm>
+          <a:prstGeom prst="ellipse">
+            <a:avLst/>
+          </a:prstGeom>
+          <a:solidFill>
+            <a:srgbClr val="B3ACB3"/>
+          </a:solidFill>
+          <a:ln>
+            <a:noFill/>
+          </a:ln>
+        </p:spPr>
+        <p:style>
+          <a:lnRef idx="2">
+            <a:schemeClr val="accent1">
+              <a:shade val="50000"/>
+            </a:schemeClr>
+          </a:lnRef>
+          <a:fillRef idx="1">
+            <a:schemeClr val="accent1"/>
+          </a:fillRef>
+          <a:effectRef idx="0">
+            <a:schemeClr val="accent1"/>
+          </a:effectRef>
+          <a:fontRef idx="minor">
+            <a:schemeClr val="lt1"/>
+          </a:fontRef>
+        </p:style>
+        <p:txBody>
+          <a:bodyPr rtlCol="0" anchor="ctr"/>
+          <a:lstStyle/>
+          <a:p>
+            <a:pPr algn="ctr">
+              <a:lnSpc>
+                <a:spcPct val="150000"/>
+              </a:lnSpc>
+            </a:pPr>
+            <a:r>
+              <a:rPr lang="en-US" altLang="ko-KR" sz="2000" b="1" dirty="0">
+                <a:solidFill>
+                  <a:prstClr val="white"/>
+                </a:solidFill>
+              </a:rPr>
+              <a:t>R 179</a:t>
+            </a:r>
+          </a:p>
+          <a:p>
+            <a:pPr algn="ctr">
+              <a:lnSpc>
+                <a:spcPct val="150000"/>
+              </a:lnSpc>
+            </a:pPr>
+            <a:r>
+              <a:rPr lang="en-US" altLang="ko-KR" sz="2000" b="1" dirty="0">
+                <a:solidFill>
+                  <a:prstClr val="white"/>
+                </a:solidFill>
+              </a:rPr>
+              <a:t>G 172</a:t>
+            </a:r>
+          </a:p>
+          <a:p>
+            <a:pPr algn="ctr">
+              <a:lnSpc>
+                <a:spcPct val="150000"/>
+              </a:lnSpc>
+            </a:pPr>
+            <a:r>
+              <a:rPr lang="en-US" altLang="ko-KR" sz="2000" b="1" dirty="0">
+                <a:solidFill>
+                  <a:prstClr val="white"/>
+                </a:solidFill>
+              </a:rPr>
+              <a:t>B 179</a:t>
+            </a:r>
+          </a:p>
+        </p:txBody>
+      </p:sp>
+    </p:spTree>
+    <p:extLst>
+      <p:ext uri="{BB962C8B-B14F-4D97-AF65-F5344CB8AC3E}">
+        <p14:creationId xmlns:p14="http://schemas.microsoft.com/office/powerpoint/2010/main" val="2132614944"/>
+      </p:ext>
+    </p:extLst>
+  </p:cSld>
+  <p:clrMapOvr>
+    <a:masterClrMapping/>
+  </p:clrMapOvr>
+</p:sld>
+</file>
+
+<file path=ppt/slides/slide32.xml><?xml version="1.0" encoding="utf-8"?>
 <p:sld xmlns:a="http://schemas.openxmlformats.org/drawingml/2006/main" xmlns:r="http://schemas.openxmlformats.org/officeDocument/2006/relationships" xmlns:p="http://schemas.openxmlformats.org/presentationml/2006/main">
   <p:cSld>
     <p:spTree>
@@ -24878,7 +26536,7 @@
 </p:sld>
 </file>
 
-<file path=ppt/slides/slide31.xml><?xml version="1.0" encoding="utf-8"?>
+<file path=ppt/slides/slide33.xml><?xml version="1.0" encoding="utf-8"?>
 <p:sld xmlns:a="http://schemas.openxmlformats.org/drawingml/2006/main" xmlns:r="http://schemas.openxmlformats.org/officeDocument/2006/relationships" xmlns:p="http://schemas.openxmlformats.org/presentationml/2006/main">
   <p:cSld>
     <p:spTree>
@@ -26446,134 +28104,6 @@
                 <a:schemeClr val="bg1">
                   <a:lumMod val="50000"/>
                 </a:schemeClr>
-              </a:solidFill>
-            </a:endParaRPr>
-          </a:p>
-        </p:txBody>
-      </p:sp>
-      <p:sp>
-        <p:nvSpPr>
-          <p:cNvPr id="42" name="직사각형 41"/>
-          <p:cNvSpPr/>
-          <p:nvPr/>
-        </p:nvSpPr>
-        <p:spPr>
-          <a:xfrm>
-            <a:off x="776963" y="847844"/>
-            <a:ext cx="82140" cy="1554272"/>
-          </a:xfrm>
-          <a:prstGeom prst="rect">
-            <a:avLst/>
-          </a:prstGeom>
-          <a:solidFill>
-            <a:schemeClr val="bg1"/>
-          </a:solidFill>
-          <a:ln w="187325">
-            <a:gradFill>
-              <a:gsLst>
-                <a:gs pos="50000">
-                  <a:srgbClr val="EFCCCA"/>
-                </a:gs>
-                <a:gs pos="50000">
-                  <a:schemeClr val="bg1">
-                    <a:lumMod val="85000"/>
-                  </a:schemeClr>
-                </a:gs>
-              </a:gsLst>
-              <a:lin ang="6600000" scaled="0"/>
-            </a:gradFill>
-          </a:ln>
-          <a:effectLst>
-            <a:outerShdw blurRad="431800" dist="241300" dir="5400000" sx="97000" sy="97000" algn="t" rotWithShape="0">
-              <a:prstClr val="black">
-                <a:alpha val="31000"/>
-              </a:prstClr>
-            </a:outerShdw>
-          </a:effectLst>
-        </p:spPr>
-        <p:style>
-          <a:lnRef idx="2">
-            <a:schemeClr val="accent1">
-              <a:shade val="50000"/>
-            </a:schemeClr>
-          </a:lnRef>
-          <a:fillRef idx="1">
-            <a:schemeClr val="accent1"/>
-          </a:fillRef>
-          <a:effectRef idx="0">
-            <a:schemeClr val="accent1"/>
-          </a:effectRef>
-          <a:fontRef idx="minor">
-            <a:schemeClr val="lt1"/>
-          </a:fontRef>
-        </p:style>
-        <p:txBody>
-          <a:bodyPr wrap="square" rtlCol="0" anchor="ctr" anchorCtr="0">
-            <a:spAutoFit/>
-          </a:bodyPr>
-          <a:lstStyle/>
-          <a:p>
-            <a:pPr algn="ctr" latinLnBrk="0">
-              <a:lnSpc>
-                <a:spcPct val="150000"/>
-              </a:lnSpc>
-              <a:defRPr/>
-            </a:pPr>
-            <a:r>
-              <a:rPr lang="en-US" altLang="ko-KR" sz="1200" b="1" i="1" kern="0" dirty="0">
-                <a:solidFill>
-                  <a:prstClr val="black">
-                    <a:lumMod val="50000"/>
-                    <a:lumOff val="50000"/>
-                  </a:prstClr>
-                </a:solidFill>
-              </a:rPr>
-              <a:t>1</a:t>
-            </a:r>
-          </a:p>
-          <a:p>
-            <a:pPr algn="ctr" latinLnBrk="0">
-              <a:defRPr/>
-            </a:pPr>
-            <a:r>
-              <a:rPr lang="ko-KR" altLang="en-US" sz="1100" b="1" kern="0" dirty="0">
-                <a:solidFill>
-                  <a:prstClr val="black">
-                    <a:lumMod val="50000"/>
-                    <a:lumOff val="50000"/>
-                  </a:prstClr>
-                </a:solidFill>
-              </a:rPr>
-              <a:t>로그인</a:t>
-            </a:r>
-            <a:r>
-              <a:rPr lang="ko-KR" altLang="en-US" sz="1100" b="1" i="1" kern="0" dirty="0">
-                <a:solidFill>
-                  <a:prstClr val="black">
-                    <a:lumMod val="50000"/>
-                    <a:lumOff val="50000"/>
-                  </a:prstClr>
-                </a:solidFill>
-              </a:rPr>
-              <a:t> </a:t>
-            </a:r>
-            <a:r>
-              <a:rPr lang="ko-KR" altLang="en-US" sz="1100" b="1" kern="0" dirty="0">
-                <a:solidFill>
-                  <a:prstClr val="black">
-                    <a:lumMod val="50000"/>
-                    <a:lumOff val="50000"/>
-                  </a:prstClr>
-                </a:solidFill>
-              </a:rPr>
-              <a:t>페이지</a:t>
-            </a:r>
-            <a:endParaRPr lang="en-US" altLang="ko-KR" sz="1100" b="1" kern="0" dirty="0">
-              <a:solidFill>
-                <a:prstClr val="black">
-                  <a:lumMod val="50000"/>
-                  <a:lumOff val="50000"/>
-                </a:prstClr>
               </a:solidFill>
             </a:endParaRPr>
           </a:p>
@@ -27694,6 +29224,198 @@
   <p:clrMapOvr>
     <a:masterClrMapping/>
   </p:clrMapOvr>
+  <p:timing>
+    <p:tnLst>
+      <p:par>
+        <p:cTn id="1" dur="indefinite" restart="never" nodeType="tmRoot">
+          <p:childTnLst>
+            <p:seq concurrent="1" nextAc="seek">
+              <p:cTn id="2" dur="indefinite" nodeType="mainSeq">
+                <p:childTnLst>
+                  <p:par>
+                    <p:cTn id="3" fill="hold">
+                      <p:stCondLst>
+                        <p:cond delay="indefinite"/>
+                      </p:stCondLst>
+                      <p:childTnLst>
+                        <p:par>
+                          <p:cTn id="4" fill="hold">
+                            <p:stCondLst>
+                              <p:cond delay="0"/>
+                            </p:stCondLst>
+                            <p:childTnLst>
+                              <p:par>
+                                <p:cTn id="5" presetID="10" presetClass="entr" presetSubtype="0" fill="hold" nodeType="clickEffect">
+                                  <p:stCondLst>
+                                    <p:cond delay="0"/>
+                                  </p:stCondLst>
+                                  <p:childTnLst>
+                                    <p:set>
+                                      <p:cBhvr>
+                                        <p:cTn id="6" dur="1" fill="hold">
+                                          <p:stCondLst>
+                                            <p:cond delay="0"/>
+                                          </p:stCondLst>
+                                        </p:cTn>
+                                        <p:tgtEl>
+                                          <p:spTgt spid="36"/>
+                                        </p:tgtEl>
+                                        <p:attrNameLst>
+                                          <p:attrName>style.visibility</p:attrName>
+                                        </p:attrNameLst>
+                                      </p:cBhvr>
+                                      <p:to>
+                                        <p:strVal val="visible"/>
+                                      </p:to>
+                                    </p:set>
+                                    <p:animEffect transition="in" filter="fade">
+                                      <p:cBhvr>
+                                        <p:cTn id="7" dur="500"/>
+                                        <p:tgtEl>
+                                          <p:spTgt spid="36"/>
+                                        </p:tgtEl>
+                                      </p:cBhvr>
+                                    </p:animEffect>
+                                  </p:childTnLst>
+                                </p:cTn>
+                              </p:par>
+                              <p:par>
+                                <p:cTn id="8" presetID="10" presetClass="entr" presetSubtype="0" fill="hold" grpId="0" nodeType="withEffect">
+                                  <p:stCondLst>
+                                    <p:cond delay="0"/>
+                                  </p:stCondLst>
+                                  <p:childTnLst>
+                                    <p:set>
+                                      <p:cBhvr>
+                                        <p:cTn id="9" dur="1" fill="hold">
+                                          <p:stCondLst>
+                                            <p:cond delay="0"/>
+                                          </p:stCondLst>
+                                        </p:cTn>
+                                        <p:tgtEl>
+                                          <p:spTgt spid="43"/>
+                                        </p:tgtEl>
+                                        <p:attrNameLst>
+                                          <p:attrName>style.visibility</p:attrName>
+                                        </p:attrNameLst>
+                                      </p:cBhvr>
+                                      <p:to>
+                                        <p:strVal val="visible"/>
+                                      </p:to>
+                                    </p:set>
+                                    <p:animEffect transition="in" filter="fade">
+                                      <p:cBhvr>
+                                        <p:cTn id="10" dur="500"/>
+                                        <p:tgtEl>
+                                          <p:spTgt spid="43"/>
+                                        </p:tgtEl>
+                                      </p:cBhvr>
+                                    </p:animEffect>
+                                  </p:childTnLst>
+                                </p:cTn>
+                              </p:par>
+                              <p:par>
+                                <p:cTn id="11" presetID="10" presetClass="entr" presetSubtype="0" fill="hold" nodeType="withEffect">
+                                  <p:stCondLst>
+                                    <p:cond delay="0"/>
+                                  </p:stCondLst>
+                                  <p:childTnLst>
+                                    <p:set>
+                                      <p:cBhvr>
+                                        <p:cTn id="12" dur="1" fill="hold">
+                                          <p:stCondLst>
+                                            <p:cond delay="0"/>
+                                          </p:stCondLst>
+                                        </p:cTn>
+                                        <p:tgtEl>
+                                          <p:spTgt spid="30"/>
+                                        </p:tgtEl>
+                                        <p:attrNameLst>
+                                          <p:attrName>style.visibility</p:attrName>
+                                        </p:attrNameLst>
+                                      </p:cBhvr>
+                                      <p:to>
+                                        <p:strVal val="visible"/>
+                                      </p:to>
+                                    </p:set>
+                                    <p:animEffect transition="in" filter="fade">
+                                      <p:cBhvr>
+                                        <p:cTn id="13" dur="500"/>
+                                        <p:tgtEl>
+                                          <p:spTgt spid="30"/>
+                                        </p:tgtEl>
+                                      </p:cBhvr>
+                                    </p:animEffect>
+                                  </p:childTnLst>
+                                </p:cTn>
+                              </p:par>
+                              <p:par>
+                                <p:cTn id="14" presetID="10" presetClass="entr" presetSubtype="0" fill="hold" grpId="0" nodeType="withEffect">
+                                  <p:stCondLst>
+                                    <p:cond delay="0"/>
+                                  </p:stCondLst>
+                                  <p:childTnLst>
+                                    <p:set>
+                                      <p:cBhvr>
+                                        <p:cTn id="15" dur="1" fill="hold">
+                                          <p:stCondLst>
+                                            <p:cond delay="0"/>
+                                          </p:stCondLst>
+                                        </p:cTn>
+                                        <p:tgtEl>
+                                          <p:spTgt spid="18"/>
+                                        </p:tgtEl>
+                                        <p:attrNameLst>
+                                          <p:attrName>style.visibility</p:attrName>
+                                        </p:attrNameLst>
+                                      </p:cBhvr>
+                                      <p:to>
+                                        <p:strVal val="visible"/>
+                                      </p:to>
+                                    </p:set>
+                                    <p:animEffect transition="in" filter="fade">
+                                      <p:cBhvr>
+                                        <p:cTn id="16" dur="500"/>
+                                        <p:tgtEl>
+                                          <p:spTgt spid="18"/>
+                                        </p:tgtEl>
+                                      </p:cBhvr>
+                                    </p:animEffect>
+                                  </p:childTnLst>
+                                </p:cTn>
+                              </p:par>
+                            </p:childTnLst>
+                          </p:cTn>
+                        </p:par>
+                      </p:childTnLst>
+                    </p:cTn>
+                  </p:par>
+                </p:childTnLst>
+              </p:cTn>
+              <p:prevCondLst>
+                <p:cond evt="onPrev" delay="0">
+                  <p:tgtEl>
+                    <p:sldTgt/>
+                  </p:tgtEl>
+                </p:cond>
+              </p:prevCondLst>
+              <p:nextCondLst>
+                <p:cond evt="onNext" delay="0">
+                  <p:tgtEl>
+                    <p:sldTgt/>
+                  </p:tgtEl>
+                </p:cond>
+              </p:nextCondLst>
+            </p:seq>
+          </p:childTnLst>
+        </p:cTn>
+      </p:par>
+    </p:tnLst>
+    <p:bldLst>
+      <p:bldP spid="18" grpId="0"/>
+      <p:bldP spid="43" grpId="0" animBg="1"/>
+    </p:bldLst>
+  </p:timing>
 </p:sld>
 </file>
 
@@ -28287,7 +30009,7 @@
                             </p:stCondLst>
                             <p:childTnLst>
                               <p:par>
-                                <p:cTn id="16" presetID="1" presetClass="entr" presetSubtype="0" fill="hold" grpId="0" nodeType="clickEffect">
+                                <p:cTn id="16" presetID="10" presetClass="entr" presetSubtype="0" fill="hold" grpId="0" nodeType="clickEffect">
                                   <p:stCondLst>
                                     <p:cond delay="0"/>
                                   </p:stCondLst>
@@ -28310,18 +30032,26 @@
                                         <p:strVal val="visible"/>
                                       </p:to>
                                     </p:set>
+                                    <p:animEffect transition="in" filter="fade">
+                                      <p:cBhvr>
+                                        <p:cTn id="18" dur="500"/>
+                                        <p:tgtEl>
+                                          <p:spTgt spid="8"/>
+                                        </p:tgtEl>
+                                      </p:cBhvr>
+                                    </p:animEffect>
                                   </p:childTnLst>
                                 </p:cTn>
                               </p:par>
                               <p:par>
-                                <p:cTn id="18" presetID="1" presetClass="entr" presetSubtype="0" fill="hold" nodeType="withEffect">
+                                <p:cTn id="19" presetID="10" presetClass="entr" presetSubtype="0" fill="hold" nodeType="withEffect">
                                   <p:stCondLst>
                                     <p:cond delay="0"/>
                                   </p:stCondLst>
                                   <p:childTnLst>
                                     <p:set>
                                       <p:cBhvr>
-                                        <p:cTn id="19" dur="1" fill="hold">
+                                        <p:cTn id="20" dur="1" fill="hold">
                                           <p:stCondLst>
                                             <p:cond delay="0"/>
                                           </p:stCondLst>
@@ -28337,6 +30067,14 @@
                                         <p:strVal val="visible"/>
                                       </p:to>
                                     </p:set>
+                                    <p:animEffect transition="in" filter="fade">
+                                      <p:cBhvr>
+                                        <p:cTn id="21" dur="500"/>
+                                        <p:tgtEl>
+                                          <p:spTgt spid="12"/>
+                                        </p:tgtEl>
+                                      </p:cBhvr>
+                                    </p:animEffect>
                                   </p:childTnLst>
                                 </p:cTn>
                               </p:par>
@@ -28613,10 +30351,1054 @@
   <p:clrMapOvr>
     <a:masterClrMapping/>
   </p:clrMapOvr>
+  <p:timing>
+    <p:tnLst>
+      <p:par>
+        <p:cTn id="1" dur="indefinite" restart="never" nodeType="tmRoot">
+          <p:childTnLst>
+            <p:seq concurrent="1" nextAc="seek">
+              <p:cTn id="2" dur="indefinite" nodeType="mainSeq">
+                <p:childTnLst>
+                  <p:par>
+                    <p:cTn id="3" fill="hold">
+                      <p:stCondLst>
+                        <p:cond delay="indefinite"/>
+                      </p:stCondLst>
+                      <p:childTnLst>
+                        <p:par>
+                          <p:cTn id="4" fill="hold">
+                            <p:stCondLst>
+                              <p:cond delay="0"/>
+                            </p:stCondLst>
+                            <p:childTnLst>
+                              <p:par>
+                                <p:cTn id="5" presetID="10" presetClass="entr" presetSubtype="0" fill="hold" nodeType="clickEffect">
+                                  <p:stCondLst>
+                                    <p:cond delay="0"/>
+                                  </p:stCondLst>
+                                  <p:childTnLst>
+                                    <p:set>
+                                      <p:cBhvr>
+                                        <p:cTn id="6" dur="1" fill="hold">
+                                          <p:stCondLst>
+                                            <p:cond delay="0"/>
+                                          </p:stCondLst>
+                                        </p:cTn>
+                                        <p:tgtEl>
+                                          <p:spTgt spid="8"/>
+                                        </p:tgtEl>
+                                        <p:attrNameLst>
+                                          <p:attrName>style.visibility</p:attrName>
+                                        </p:attrNameLst>
+                                      </p:cBhvr>
+                                      <p:to>
+                                        <p:strVal val="visible"/>
+                                      </p:to>
+                                    </p:set>
+                                    <p:animEffect transition="in" filter="fade">
+                                      <p:cBhvr>
+                                        <p:cTn id="7" dur="500"/>
+                                        <p:tgtEl>
+                                          <p:spTgt spid="8"/>
+                                        </p:tgtEl>
+                                      </p:cBhvr>
+                                    </p:animEffect>
+                                  </p:childTnLst>
+                                </p:cTn>
+                              </p:par>
+                              <p:par>
+                                <p:cTn id="8" presetID="10" presetClass="entr" presetSubtype="0" fill="hold" grpId="0" nodeType="withEffect">
+                                  <p:stCondLst>
+                                    <p:cond delay="0"/>
+                                  </p:stCondLst>
+                                  <p:childTnLst>
+                                    <p:set>
+                                      <p:cBhvr>
+                                        <p:cTn id="9" dur="1" fill="hold">
+                                          <p:stCondLst>
+                                            <p:cond delay="0"/>
+                                          </p:stCondLst>
+                                        </p:cTn>
+                                        <p:tgtEl>
+                                          <p:spTgt spid="6"/>
+                                        </p:tgtEl>
+                                        <p:attrNameLst>
+                                          <p:attrName>style.visibility</p:attrName>
+                                        </p:attrNameLst>
+                                      </p:cBhvr>
+                                      <p:to>
+                                        <p:strVal val="visible"/>
+                                      </p:to>
+                                    </p:set>
+                                    <p:animEffect transition="in" filter="fade">
+                                      <p:cBhvr>
+                                        <p:cTn id="10" dur="500"/>
+                                        <p:tgtEl>
+                                          <p:spTgt spid="6"/>
+                                        </p:tgtEl>
+                                      </p:cBhvr>
+                                    </p:animEffect>
+                                  </p:childTnLst>
+                                </p:cTn>
+                              </p:par>
+                            </p:childTnLst>
+                          </p:cTn>
+                        </p:par>
+                      </p:childTnLst>
+                    </p:cTn>
+                  </p:par>
+                </p:childTnLst>
+              </p:cTn>
+              <p:prevCondLst>
+                <p:cond evt="onPrev" delay="0">
+                  <p:tgtEl>
+                    <p:sldTgt/>
+                  </p:tgtEl>
+                </p:cond>
+              </p:prevCondLst>
+              <p:nextCondLst>
+                <p:cond evt="onNext" delay="0">
+                  <p:tgtEl>
+                    <p:sldTgt/>
+                  </p:tgtEl>
+                </p:cond>
+              </p:nextCondLst>
+            </p:seq>
+          </p:childTnLst>
+        </p:cTn>
+      </p:par>
+    </p:tnLst>
+    <p:bldLst>
+      <p:bldP spid="6" grpId="0"/>
+    </p:bldLst>
+  </p:timing>
 </p:sld>
 </file>
 
 <file path=ppt/slides/slide8.xml><?xml version="1.0" encoding="utf-8"?>
+<p:sld xmlns:a="http://schemas.openxmlformats.org/drawingml/2006/main" xmlns:r="http://schemas.openxmlformats.org/officeDocument/2006/relationships" xmlns:p="http://schemas.openxmlformats.org/presentationml/2006/main">
+  <p:cSld>
+    <p:spTree>
+      <p:nvGrpSpPr>
+        <p:cNvPr id="1" name=""/>
+        <p:cNvGrpSpPr/>
+        <p:nvPr/>
+      </p:nvGrpSpPr>
+      <p:grpSpPr>
+        <a:xfrm>
+          <a:off x="0" y="0"/>
+          <a:ext cx="0" cy="0"/>
+          <a:chOff x="0" y="0"/>
+          <a:chExt cx="0" cy="0"/>
+        </a:xfrm>
+      </p:grpSpPr>
+      <p:sp>
+        <p:nvSpPr>
+          <p:cNvPr id="4" name="직사각형 3">
+            <a:extLst>
+              <a:ext uri="{FF2B5EF4-FFF2-40B4-BE49-F238E27FC236}">
+                <a16:creationId xmlns:a16="http://schemas.microsoft.com/office/drawing/2014/main" id="{ADAD4A2B-AEBA-4428-B567-66DE38CD2ECD}"/>
+              </a:ext>
+            </a:extLst>
+          </p:cNvPr>
+          <p:cNvSpPr/>
+          <p:nvPr/>
+        </p:nvSpPr>
+        <p:spPr>
+          <a:xfrm>
+            <a:off x="409575" y="419993"/>
+            <a:ext cx="11372850" cy="6018014"/>
+          </a:xfrm>
+          <a:prstGeom prst="rect">
+            <a:avLst/>
+          </a:prstGeom>
+          <a:solidFill>
+            <a:schemeClr val="bg1"/>
+          </a:solidFill>
+          <a:ln w="187325">
+            <a:gradFill>
+              <a:gsLst>
+                <a:gs pos="50000">
+                  <a:srgbClr val="EFCCCA"/>
+                </a:gs>
+                <a:gs pos="50000">
+                  <a:schemeClr val="bg1">
+                    <a:lumMod val="85000"/>
+                  </a:schemeClr>
+                </a:gs>
+              </a:gsLst>
+              <a:lin ang="6600000" scaled="0"/>
+            </a:gradFill>
+          </a:ln>
+          <a:effectLst>
+            <a:outerShdw blurRad="431800" dist="241300" dir="5400000" sx="97000" sy="97000" algn="t" rotWithShape="0">
+              <a:prstClr val="black">
+                <a:alpha val="31000"/>
+              </a:prstClr>
+            </a:outerShdw>
+          </a:effectLst>
+        </p:spPr>
+        <p:style>
+          <a:lnRef idx="2">
+            <a:schemeClr val="accent1">
+              <a:shade val="50000"/>
+            </a:schemeClr>
+          </a:lnRef>
+          <a:fillRef idx="1">
+            <a:schemeClr val="accent1"/>
+          </a:fillRef>
+          <a:effectRef idx="0">
+            <a:schemeClr val="accent1"/>
+          </a:effectRef>
+          <a:fontRef idx="minor">
+            <a:schemeClr val="lt1"/>
+          </a:fontRef>
+        </p:style>
+        <p:txBody>
+          <a:bodyPr rtlCol="0" anchor="t"/>
+          <a:lstStyle/>
+          <a:p>
+            <a:pPr algn="ctr" latinLnBrk="0">
+              <a:lnSpc>
+                <a:spcPct val="150000"/>
+              </a:lnSpc>
+              <a:defRPr/>
+            </a:pPr>
+            <a:r>
+              <a:rPr lang="ko-KR" altLang="en-US" sz="2800" b="1" i="1" kern="0" dirty="0">
+                <a:solidFill>
+                  <a:prstClr val="black">
+                    <a:lumMod val="50000"/>
+                    <a:lumOff val="50000"/>
+                  </a:prstClr>
+                </a:solidFill>
+              </a:rPr>
+              <a:t>개발 환경</a:t>
+            </a:r>
+            <a:endParaRPr lang="en-US" altLang="ko-KR" sz="2800" b="1" i="1" kern="0" dirty="0">
+              <a:solidFill>
+                <a:prstClr val="black">
+                  <a:lumMod val="50000"/>
+                  <a:lumOff val="50000"/>
+                </a:prstClr>
+              </a:solidFill>
+            </a:endParaRPr>
+          </a:p>
+        </p:txBody>
+      </p:sp>
+      <p:graphicFrame>
+        <p:nvGraphicFramePr>
+          <p:cNvPr id="8" name="표 7">
+            <a:extLst>
+              <a:ext uri="{FF2B5EF4-FFF2-40B4-BE49-F238E27FC236}">
+                <a16:creationId xmlns:a16="http://schemas.microsoft.com/office/drawing/2014/main" id="{F0D204F8-983B-4977-B306-1323C0CD4AE3}"/>
+              </a:ext>
+            </a:extLst>
+          </p:cNvPr>
+          <p:cNvGraphicFramePr>
+            <a:graphicFrameLocks noGrp="1"/>
+          </p:cNvGraphicFramePr>
+          <p:nvPr>
+            <p:extLst>
+              <p:ext uri="{D42A27DB-BD31-4B8C-83A1-F6EECF244321}">
+                <p14:modId xmlns:p14="http://schemas.microsoft.com/office/powerpoint/2010/main" val="3839443036"/>
+              </p:ext>
+            </p:extLst>
+          </p:nvPr>
+        </p:nvGraphicFramePr>
+        <p:xfrm>
+          <a:off x="2127398" y="1884869"/>
+          <a:ext cx="7937203" cy="3619419"/>
+        </p:xfrm>
+        <a:graphic>
+          <a:graphicData uri="http://schemas.openxmlformats.org/drawingml/2006/table">
+            <a:tbl>
+              <a:tblPr firstRow="1" bandRow="1">
+                <a:tableStyleId>{5C22544A-7EE6-4342-B048-85BDC9FD1C3A}</a:tableStyleId>
+              </a:tblPr>
+              <a:tblGrid>
+                <a:gridCol w="1854949">
+                  <a:extLst>
+                    <a:ext uri="{9D8B030D-6E8A-4147-A177-3AD203B41FA5}">
+                      <a16:colId xmlns:a16="http://schemas.microsoft.com/office/drawing/2014/main" val="2371430864"/>
+                    </a:ext>
+                  </a:extLst>
+                </a:gridCol>
+                <a:gridCol w="6082254">
+                  <a:extLst>
+                    <a:ext uri="{9D8B030D-6E8A-4147-A177-3AD203B41FA5}">
+                      <a16:colId xmlns:a16="http://schemas.microsoft.com/office/drawing/2014/main" val="3739114225"/>
+                    </a:ext>
+                  </a:extLst>
+                </a:gridCol>
+              </a:tblGrid>
+              <a:tr h="472946">
+                <a:tc>
+                  <a:txBody>
+                    <a:bodyPr/>
+                    <a:lstStyle/>
+                    <a:p>
+                      <a:pPr algn="ctr" latinLnBrk="1"/>
+                      <a:r>
+                        <a:rPr lang="ko-KR" altLang="en-US" sz="1500" b="1" i="1" dirty="0">
+                          <a:solidFill>
+                            <a:schemeClr val="bg1"/>
+                          </a:solidFill>
+                          <a:latin typeface="+mn-ea"/>
+                          <a:ea typeface="+mn-ea"/>
+                        </a:rPr>
+                        <a:t>분류</a:t>
+                      </a:r>
+                    </a:p>
+                  </a:txBody>
+                  <a:tcPr marL="88964" marR="88964" marT="48930" marB="48930" anchor="ctr">
+                    <a:solidFill>
+                      <a:srgbClr val="FF9999"/>
+                    </a:solidFill>
+                  </a:tcPr>
+                </a:tc>
+                <a:tc>
+                  <a:txBody>
+                    <a:bodyPr/>
+                    <a:lstStyle/>
+                    <a:p>
+                      <a:pPr algn="ctr" latinLnBrk="1"/>
+                      <a:r>
+                        <a:rPr lang="ko-KR" altLang="en-US" sz="1500" b="1" i="1" dirty="0">
+                          <a:solidFill>
+                            <a:schemeClr val="bg1"/>
+                          </a:solidFill>
+                          <a:latin typeface="+mn-ea"/>
+                          <a:ea typeface="+mn-ea"/>
+                        </a:rPr>
+                        <a:t>내용</a:t>
+                      </a:r>
+                    </a:p>
+                  </a:txBody>
+                  <a:tcPr marL="88964" marR="88964" marT="48930" marB="48930" anchor="ctr">
+                    <a:solidFill>
+                      <a:srgbClr val="FF9999"/>
+                    </a:solidFill>
+                  </a:tcPr>
+                </a:tc>
+                <a:extLst>
+                  <a:ext uri="{0D108BD9-81ED-4DB2-BD59-A6C34878D82A}">
+                    <a16:rowId xmlns:a16="http://schemas.microsoft.com/office/drawing/2014/main" val="2643960921"/>
+                  </a:ext>
+                </a:extLst>
+              </a:tr>
+              <a:tr h="401798">
+                <a:tc>
+                  <a:txBody>
+                    <a:bodyPr/>
+                    <a:lstStyle/>
+                    <a:p>
+                      <a:pPr marL="0" marR="0" indent="0" algn="ctr" defTabSz="914400" rtl="0" eaLnBrk="1" fontAlgn="auto" latinLnBrk="1" hangingPunct="1">
+                        <a:lnSpc>
+                          <a:spcPct val="100000"/>
+                        </a:lnSpc>
+                        <a:spcBef>
+                          <a:spcPts val="0"/>
+                        </a:spcBef>
+                        <a:spcAft>
+                          <a:spcPts val="0"/>
+                        </a:spcAft>
+                        <a:buClrTx/>
+                        <a:buSzTx/>
+                        <a:buFontTx/>
+                        <a:buNone/>
+                        <a:tabLst/>
+                        <a:defRPr/>
+                      </a:pPr>
+                      <a:r>
+                        <a:rPr lang="ko-KR" altLang="en-US" sz="1500" b="1" i="1" dirty="0">
+                          <a:solidFill>
+                            <a:schemeClr val="bg1">
+                              <a:lumMod val="50000"/>
+                            </a:schemeClr>
+                          </a:solidFill>
+                          <a:latin typeface="+mn-ea"/>
+                          <a:ea typeface="+mn-ea"/>
+                        </a:rPr>
+                        <a:t>운영체제</a:t>
+                      </a:r>
+                    </a:p>
+                  </a:txBody>
+                  <a:tcPr marL="88964" marR="88964" marT="48930" marB="48930" anchor="ctr">
+                    <a:solidFill>
+                      <a:srgbClr val="EFCCCA"/>
+                    </a:solidFill>
+                  </a:tcPr>
+                </a:tc>
+                <a:tc>
+                  <a:txBody>
+                    <a:bodyPr/>
+                    <a:lstStyle/>
+                    <a:p>
+                      <a:pPr algn="ctr" latinLnBrk="1"/>
+                      <a:r>
+                        <a:rPr lang="en-US" altLang="ko-KR" sz="1500" b="0" i="1" dirty="0">
+                          <a:solidFill>
+                            <a:schemeClr val="bg1">
+                              <a:lumMod val="50000"/>
+                            </a:schemeClr>
+                          </a:solidFill>
+                          <a:latin typeface="+mn-ea"/>
+                          <a:ea typeface="+mn-ea"/>
+                        </a:rPr>
+                        <a:t>Window 10</a:t>
+                      </a:r>
+                      <a:endParaRPr lang="ko-KR" altLang="en-US" sz="1500" b="0" i="1" dirty="0">
+                        <a:solidFill>
+                          <a:schemeClr val="bg1">
+                            <a:lumMod val="50000"/>
+                          </a:schemeClr>
+                        </a:solidFill>
+                        <a:latin typeface="+mn-ea"/>
+                        <a:ea typeface="+mn-ea"/>
+                      </a:endParaRPr>
+                    </a:p>
+                  </a:txBody>
+                  <a:tcPr marL="88964" marR="88964" marT="48930" marB="48930" anchor="ctr">
+                    <a:solidFill>
+                      <a:srgbClr val="F8E9E8"/>
+                    </a:solidFill>
+                  </a:tcPr>
+                </a:tc>
+                <a:extLst>
+                  <a:ext uri="{0D108BD9-81ED-4DB2-BD59-A6C34878D82A}">
+                    <a16:rowId xmlns:a16="http://schemas.microsoft.com/office/drawing/2014/main" val="104570791"/>
+                  </a:ext>
+                </a:extLst>
+              </a:tr>
+              <a:tr h="475544">
+                <a:tc>
+                  <a:txBody>
+                    <a:bodyPr/>
+                    <a:lstStyle/>
+                    <a:p>
+                      <a:pPr algn="ctr" latinLnBrk="1"/>
+                      <a:r>
+                        <a:rPr lang="ko-KR" altLang="en-US" sz="1500" b="1" i="1" dirty="0">
+                          <a:solidFill>
+                            <a:schemeClr val="bg1">
+                              <a:lumMod val="50000"/>
+                            </a:schemeClr>
+                          </a:solidFill>
+                          <a:latin typeface="+mn-ea"/>
+                          <a:ea typeface="+mn-ea"/>
+                        </a:rPr>
+                        <a:t>개발 언어</a:t>
+                      </a:r>
+                    </a:p>
+                  </a:txBody>
+                  <a:tcPr marL="88964" marR="88964" marT="48930" marB="48930" anchor="ctr">
+                    <a:solidFill>
+                      <a:srgbClr val="EFCCCA"/>
+                    </a:solidFill>
+                  </a:tcPr>
+                </a:tc>
+                <a:tc>
+                  <a:txBody>
+                    <a:bodyPr/>
+                    <a:lstStyle/>
+                    <a:p>
+                      <a:pPr algn="ctr" latinLnBrk="1"/>
+                      <a:r>
+                        <a:rPr lang="en-US" altLang="ko-KR" sz="1500" b="0" i="1" dirty="0">
+                          <a:solidFill>
+                            <a:schemeClr val="bg1">
+                              <a:lumMod val="50000"/>
+                            </a:schemeClr>
+                          </a:solidFill>
+                          <a:latin typeface="+mn-ea"/>
+                          <a:ea typeface="+mn-ea"/>
+                        </a:rPr>
+                        <a:t>HTML5, CSS3, JavaScript, Java, Oracle SQL(19c)</a:t>
+                      </a:r>
+                      <a:endParaRPr lang="ko-KR" altLang="en-US" sz="1500" b="0" i="1" dirty="0">
+                        <a:solidFill>
+                          <a:schemeClr val="bg1">
+                            <a:lumMod val="50000"/>
+                          </a:schemeClr>
+                        </a:solidFill>
+                        <a:latin typeface="+mn-ea"/>
+                        <a:ea typeface="+mn-ea"/>
+                      </a:endParaRPr>
+                    </a:p>
+                  </a:txBody>
+                  <a:tcPr marL="88964" marR="88964" marT="48930" marB="48930" anchor="ctr">
+                    <a:solidFill>
+                      <a:srgbClr val="F8E9E8"/>
+                    </a:solidFill>
+                  </a:tcPr>
+                </a:tc>
+                <a:extLst>
+                  <a:ext uri="{0D108BD9-81ED-4DB2-BD59-A6C34878D82A}">
+                    <a16:rowId xmlns:a16="http://schemas.microsoft.com/office/drawing/2014/main" val="2464320315"/>
+                  </a:ext>
+                </a:extLst>
+              </a:tr>
+              <a:tr h="401798">
+                <a:tc>
+                  <a:txBody>
+                    <a:bodyPr/>
+                    <a:lstStyle/>
+                    <a:p>
+                      <a:pPr algn="ctr" latinLnBrk="1"/>
+                      <a:r>
+                        <a:rPr lang="ko-KR" altLang="en-US" sz="1500" b="1" i="1" dirty="0">
+                          <a:solidFill>
+                            <a:schemeClr val="bg1">
+                              <a:lumMod val="50000"/>
+                            </a:schemeClr>
+                          </a:solidFill>
+                          <a:latin typeface="+mn-ea"/>
+                          <a:ea typeface="+mn-ea"/>
+                        </a:rPr>
+                        <a:t>개발 도구</a:t>
+                      </a:r>
+                    </a:p>
+                  </a:txBody>
+                  <a:tcPr marL="88964" marR="88964" marT="48930" marB="48930" anchor="ctr">
+                    <a:solidFill>
+                      <a:srgbClr val="EFCCCA"/>
+                    </a:solidFill>
+                  </a:tcPr>
+                </a:tc>
+                <a:tc>
+                  <a:txBody>
+                    <a:bodyPr/>
+                    <a:lstStyle/>
+                    <a:p>
+                      <a:pPr algn="ctr" latinLnBrk="1"/>
+                      <a:r>
+                        <a:rPr lang="en-US" altLang="ko-KR" sz="1500" b="0" i="1" dirty="0">
+                          <a:solidFill>
+                            <a:schemeClr val="bg1">
+                              <a:lumMod val="50000"/>
+                            </a:schemeClr>
+                          </a:solidFill>
+                          <a:latin typeface="+mn-ea"/>
+                          <a:ea typeface="+mn-ea"/>
+                        </a:rPr>
+                        <a:t>Eclipse, Atom, SQL Developer</a:t>
+                      </a:r>
+                      <a:endParaRPr lang="ko-KR" altLang="en-US" sz="1500" b="0" i="1" dirty="0">
+                        <a:solidFill>
+                          <a:schemeClr val="bg1">
+                            <a:lumMod val="50000"/>
+                          </a:schemeClr>
+                        </a:solidFill>
+                        <a:latin typeface="+mn-ea"/>
+                        <a:ea typeface="+mn-ea"/>
+                      </a:endParaRPr>
+                    </a:p>
+                  </a:txBody>
+                  <a:tcPr marL="88964" marR="88964" marT="48930" marB="48930" anchor="ctr">
+                    <a:solidFill>
+                      <a:srgbClr val="F8E9E8"/>
+                    </a:solidFill>
+                  </a:tcPr>
+                </a:tc>
+                <a:extLst>
+                  <a:ext uri="{0D108BD9-81ED-4DB2-BD59-A6C34878D82A}">
+                    <a16:rowId xmlns:a16="http://schemas.microsoft.com/office/drawing/2014/main" val="1831261156"/>
+                  </a:ext>
+                </a:extLst>
+              </a:tr>
+              <a:tr h="1465535">
+                <a:tc>
+                  <a:txBody>
+                    <a:bodyPr/>
+                    <a:lstStyle/>
+                    <a:p>
+                      <a:pPr algn="ctr" latinLnBrk="1"/>
+                      <a:r>
+                        <a:rPr lang="ko-KR" altLang="en-US" sz="1500" b="1" i="1" dirty="0">
+                          <a:solidFill>
+                            <a:schemeClr val="bg1">
+                              <a:lumMod val="50000"/>
+                            </a:schemeClr>
+                          </a:solidFill>
+                          <a:latin typeface="+mn-ea"/>
+                          <a:ea typeface="+mn-ea"/>
+                        </a:rPr>
+                        <a:t>개발 인원</a:t>
+                      </a:r>
+                    </a:p>
+                  </a:txBody>
+                  <a:tcPr marL="88964" marR="88964" marT="48930" marB="48930" anchor="ctr">
+                    <a:solidFill>
+                      <a:srgbClr val="EFCCCA"/>
+                    </a:solidFill>
+                  </a:tcPr>
+                </a:tc>
+                <a:tc>
+                  <a:txBody>
+                    <a:bodyPr/>
+                    <a:lstStyle/>
+                    <a:p>
+                      <a:pPr algn="ctr" latinLnBrk="1">
+                        <a:lnSpc>
+                          <a:spcPct val="150000"/>
+                        </a:lnSpc>
+                      </a:pPr>
+                      <a:r>
+                        <a:rPr lang="ko-KR" altLang="en-US" sz="1500" b="0" i="1" dirty="0">
+                          <a:solidFill>
+                            <a:schemeClr val="bg1">
+                              <a:lumMod val="50000"/>
+                            </a:schemeClr>
+                          </a:solidFill>
+                          <a:latin typeface="+mn-ea"/>
+                          <a:ea typeface="+mn-ea"/>
+                        </a:rPr>
+                        <a:t>조장</a:t>
+                      </a:r>
+                      <a:r>
+                        <a:rPr lang="en-US" altLang="ko-KR" sz="1500" b="0" i="1" dirty="0">
+                          <a:solidFill>
+                            <a:schemeClr val="bg1">
+                              <a:lumMod val="50000"/>
+                            </a:schemeClr>
+                          </a:solidFill>
+                          <a:latin typeface="+mn-ea"/>
+                          <a:ea typeface="+mn-ea"/>
+                        </a:rPr>
+                        <a:t> : </a:t>
+                      </a:r>
+                      <a:r>
+                        <a:rPr lang="ko-KR" altLang="en-US" sz="1500" b="0" i="1" dirty="0" err="1">
+                          <a:solidFill>
+                            <a:schemeClr val="bg1">
+                              <a:lumMod val="50000"/>
+                            </a:schemeClr>
+                          </a:solidFill>
+                          <a:latin typeface="+mn-ea"/>
+                          <a:ea typeface="+mn-ea"/>
+                        </a:rPr>
+                        <a:t>박창주</a:t>
+                      </a:r>
+                      <a:br>
+                        <a:rPr lang="en-US" altLang="ko-KR" sz="1500" b="0" i="1" dirty="0">
+                          <a:solidFill>
+                            <a:schemeClr val="bg1">
+                              <a:lumMod val="50000"/>
+                            </a:schemeClr>
+                          </a:solidFill>
+                          <a:latin typeface="+mn-ea"/>
+                          <a:ea typeface="+mn-ea"/>
+                        </a:rPr>
+                      </a:br>
+                      <a:r>
+                        <a:rPr lang="ko-KR" altLang="en-US" sz="1500" b="0" i="1" dirty="0">
+                          <a:solidFill>
+                            <a:schemeClr val="bg1">
+                              <a:lumMod val="50000"/>
+                            </a:schemeClr>
+                          </a:solidFill>
+                          <a:latin typeface="+mn-ea"/>
+                          <a:ea typeface="+mn-ea"/>
+                        </a:rPr>
+                        <a:t>팀원 </a:t>
+                      </a:r>
+                      <a:r>
+                        <a:rPr lang="en-US" altLang="ko-KR" sz="1500" b="0" i="1" dirty="0">
+                          <a:solidFill>
+                            <a:schemeClr val="bg1">
+                              <a:lumMod val="50000"/>
+                            </a:schemeClr>
+                          </a:solidFill>
+                          <a:latin typeface="+mn-ea"/>
+                          <a:ea typeface="+mn-ea"/>
+                        </a:rPr>
+                        <a:t>: </a:t>
+                      </a:r>
+                      <a:r>
+                        <a:rPr lang="ko-KR" altLang="en-US" sz="1500" b="0" i="1" dirty="0" err="1">
+                          <a:solidFill>
+                            <a:schemeClr val="bg1">
+                              <a:lumMod val="50000"/>
+                            </a:schemeClr>
+                          </a:solidFill>
+                          <a:latin typeface="+mn-ea"/>
+                          <a:ea typeface="+mn-ea"/>
+                        </a:rPr>
+                        <a:t>강전석</a:t>
+                      </a:r>
+                      <a:r>
+                        <a:rPr lang="en-US" altLang="ko-KR" sz="1500" b="0" i="1" dirty="0">
+                          <a:solidFill>
+                            <a:schemeClr val="bg1">
+                              <a:lumMod val="50000"/>
+                            </a:schemeClr>
+                          </a:solidFill>
+                          <a:latin typeface="+mn-ea"/>
+                          <a:ea typeface="+mn-ea"/>
+                        </a:rPr>
+                        <a:t>, </a:t>
+                      </a:r>
+                      <a:r>
+                        <a:rPr lang="ko-KR" altLang="en-US" sz="1500" b="0" i="1" dirty="0">
+                          <a:solidFill>
+                            <a:schemeClr val="bg1">
+                              <a:lumMod val="50000"/>
+                            </a:schemeClr>
+                          </a:solidFill>
+                          <a:latin typeface="+mn-ea"/>
+                          <a:ea typeface="+mn-ea"/>
+                        </a:rPr>
+                        <a:t>김동연</a:t>
+                      </a:r>
+                      <a:r>
+                        <a:rPr lang="en-US" altLang="ko-KR" sz="1500" b="0" i="1" dirty="0">
+                          <a:solidFill>
+                            <a:schemeClr val="bg1">
+                              <a:lumMod val="50000"/>
+                            </a:schemeClr>
+                          </a:solidFill>
+                          <a:latin typeface="+mn-ea"/>
+                          <a:ea typeface="+mn-ea"/>
+                        </a:rPr>
+                        <a:t>, </a:t>
+                      </a:r>
+                      <a:r>
+                        <a:rPr lang="ko-KR" altLang="en-US" sz="1500" b="0" i="1" dirty="0" err="1">
+                          <a:solidFill>
+                            <a:schemeClr val="bg1">
+                              <a:lumMod val="50000"/>
+                            </a:schemeClr>
+                          </a:solidFill>
+                          <a:latin typeface="+mn-ea"/>
+                          <a:ea typeface="+mn-ea"/>
+                        </a:rPr>
+                        <a:t>김정명</a:t>
+                      </a:r>
+                      <a:r>
+                        <a:rPr lang="en-US" altLang="ko-KR" sz="1500" b="0" i="1" dirty="0">
+                          <a:solidFill>
+                            <a:schemeClr val="bg1">
+                              <a:lumMod val="50000"/>
+                            </a:schemeClr>
+                          </a:solidFill>
+                          <a:latin typeface="+mn-ea"/>
+                          <a:ea typeface="+mn-ea"/>
+                        </a:rPr>
+                        <a:t>, </a:t>
+                      </a:r>
+                      <a:r>
+                        <a:rPr lang="ko-KR" altLang="en-US" sz="1500" b="0" i="1" dirty="0" err="1">
+                          <a:solidFill>
+                            <a:schemeClr val="bg1">
+                              <a:lumMod val="50000"/>
+                            </a:schemeClr>
+                          </a:solidFill>
+                          <a:latin typeface="+mn-ea"/>
+                          <a:ea typeface="+mn-ea"/>
+                        </a:rPr>
+                        <a:t>신치수</a:t>
+                      </a:r>
+                      <a:r>
+                        <a:rPr lang="en-US" altLang="ko-KR" sz="1500" b="0" i="1" dirty="0">
+                          <a:solidFill>
+                            <a:schemeClr val="bg1">
+                              <a:lumMod val="50000"/>
+                            </a:schemeClr>
+                          </a:solidFill>
+                          <a:latin typeface="+mn-ea"/>
+                          <a:ea typeface="+mn-ea"/>
+                        </a:rPr>
+                        <a:t>,</a:t>
+                      </a:r>
+                      <a:r>
+                        <a:rPr lang="ko-KR" altLang="en-US" sz="1500" b="0" i="1" dirty="0">
+                          <a:solidFill>
+                            <a:schemeClr val="bg1">
+                              <a:lumMod val="50000"/>
+                            </a:schemeClr>
+                          </a:solidFill>
+                          <a:latin typeface="+mn-ea"/>
+                          <a:ea typeface="+mn-ea"/>
+                        </a:rPr>
+                        <a:t> 김동호</a:t>
+                      </a:r>
+                      <a:r>
+                        <a:rPr lang="en-US" altLang="ko-KR" sz="1500" b="0" i="1" dirty="0">
+                          <a:solidFill>
+                            <a:schemeClr val="bg1">
+                              <a:lumMod val="50000"/>
+                            </a:schemeClr>
+                          </a:solidFill>
+                          <a:latin typeface="+mn-ea"/>
+                          <a:ea typeface="+mn-ea"/>
+                        </a:rPr>
+                        <a:t> ( </a:t>
+                      </a:r>
+                      <a:r>
+                        <a:rPr lang="ko-KR" altLang="en-US" sz="1500" b="0" i="1" dirty="0">
+                          <a:solidFill>
+                            <a:schemeClr val="bg1">
+                              <a:lumMod val="50000"/>
+                            </a:schemeClr>
+                          </a:solidFill>
+                          <a:latin typeface="+mn-ea"/>
+                          <a:ea typeface="+mn-ea"/>
+                        </a:rPr>
+                        <a:t>총 </a:t>
+                      </a:r>
+                      <a:r>
+                        <a:rPr lang="en-US" altLang="ko-KR" sz="1500" b="0" i="1" dirty="0">
+                          <a:solidFill>
+                            <a:schemeClr val="bg1">
+                              <a:lumMod val="50000"/>
+                            </a:schemeClr>
+                          </a:solidFill>
+                          <a:latin typeface="+mn-ea"/>
+                          <a:ea typeface="+mn-ea"/>
+                        </a:rPr>
+                        <a:t>6</a:t>
+                      </a:r>
+                      <a:r>
+                        <a:rPr lang="ko-KR" altLang="en-US" sz="1500" b="0" i="1" dirty="0">
+                          <a:solidFill>
+                            <a:schemeClr val="bg1">
+                              <a:lumMod val="50000"/>
+                            </a:schemeClr>
+                          </a:solidFill>
+                          <a:latin typeface="+mn-ea"/>
+                          <a:ea typeface="+mn-ea"/>
+                        </a:rPr>
+                        <a:t>명 </a:t>
+                      </a:r>
+                      <a:r>
+                        <a:rPr lang="en-US" altLang="ko-KR" sz="1500" b="0" i="1" dirty="0">
+                          <a:solidFill>
+                            <a:schemeClr val="bg1">
+                              <a:lumMod val="50000"/>
+                            </a:schemeClr>
+                          </a:solidFill>
+                          <a:latin typeface="+mn-ea"/>
+                          <a:ea typeface="+mn-ea"/>
+                        </a:rPr>
+                        <a:t>)</a:t>
+                      </a:r>
+                      <a:endParaRPr lang="ko-KR" altLang="en-US" sz="1500" b="0" i="1" dirty="0">
+                        <a:solidFill>
+                          <a:schemeClr val="bg1">
+                            <a:lumMod val="50000"/>
+                          </a:schemeClr>
+                        </a:solidFill>
+                        <a:latin typeface="+mn-ea"/>
+                        <a:ea typeface="+mn-ea"/>
+                      </a:endParaRPr>
+                    </a:p>
+                  </a:txBody>
+                  <a:tcPr marL="88964" marR="88964" marT="48930" marB="48930" anchor="ctr">
+                    <a:solidFill>
+                      <a:srgbClr val="F8E9E8"/>
+                    </a:solidFill>
+                  </a:tcPr>
+                </a:tc>
+                <a:extLst>
+                  <a:ext uri="{0D108BD9-81ED-4DB2-BD59-A6C34878D82A}">
+                    <a16:rowId xmlns:a16="http://schemas.microsoft.com/office/drawing/2014/main" val="3932365106"/>
+                  </a:ext>
+                </a:extLst>
+              </a:tr>
+              <a:tr h="401798">
+                <a:tc>
+                  <a:txBody>
+                    <a:bodyPr/>
+                    <a:lstStyle/>
+                    <a:p>
+                      <a:pPr algn="ctr" latinLnBrk="1"/>
+                      <a:r>
+                        <a:rPr lang="ko-KR" altLang="en-US" sz="1500" b="1" i="1" dirty="0">
+                          <a:solidFill>
+                            <a:schemeClr val="bg1">
+                              <a:lumMod val="50000"/>
+                            </a:schemeClr>
+                          </a:solidFill>
+                          <a:latin typeface="+mn-ea"/>
+                          <a:ea typeface="+mn-ea"/>
+                        </a:rPr>
+                        <a:t>개발 기간</a:t>
+                      </a:r>
+                    </a:p>
+                  </a:txBody>
+                  <a:tcPr marL="88964" marR="88964" marT="48930" marB="48930" anchor="ctr">
+                    <a:solidFill>
+                      <a:srgbClr val="EFCCCA"/>
+                    </a:solidFill>
+                  </a:tcPr>
+                </a:tc>
+                <a:tc>
+                  <a:txBody>
+                    <a:bodyPr/>
+                    <a:lstStyle/>
+                    <a:p>
+                      <a:pPr algn="ctr" latinLnBrk="1"/>
+                      <a:r>
+                        <a:rPr lang="en-US" altLang="ko-KR" sz="1500" b="0" i="1" dirty="0">
+                          <a:solidFill>
+                            <a:schemeClr val="bg1">
+                              <a:lumMod val="50000"/>
+                            </a:schemeClr>
+                          </a:solidFill>
+                          <a:latin typeface="+mn-ea"/>
+                          <a:ea typeface="+mn-ea"/>
+                        </a:rPr>
+                        <a:t>5/17(</a:t>
+                      </a:r>
+                      <a:r>
+                        <a:rPr lang="ko-KR" altLang="en-US" sz="1500" b="0" i="1" dirty="0">
+                          <a:solidFill>
+                            <a:schemeClr val="bg1">
+                              <a:lumMod val="50000"/>
+                            </a:schemeClr>
+                          </a:solidFill>
+                          <a:latin typeface="+mn-ea"/>
+                          <a:ea typeface="+mn-ea"/>
+                        </a:rPr>
+                        <a:t>월</a:t>
+                      </a:r>
+                      <a:r>
+                        <a:rPr lang="en-US" altLang="ko-KR" sz="1500" b="0" i="1" dirty="0">
+                          <a:solidFill>
+                            <a:schemeClr val="bg1">
+                              <a:lumMod val="50000"/>
+                            </a:schemeClr>
+                          </a:solidFill>
+                          <a:latin typeface="+mn-ea"/>
+                          <a:ea typeface="+mn-ea"/>
+                        </a:rPr>
+                        <a:t>) ~</a:t>
+                      </a:r>
+                      <a:endParaRPr lang="ko-KR" altLang="en-US" sz="1500" b="0" i="1" dirty="0">
+                        <a:solidFill>
+                          <a:schemeClr val="bg1">
+                            <a:lumMod val="50000"/>
+                          </a:schemeClr>
+                        </a:solidFill>
+                        <a:latin typeface="+mn-ea"/>
+                        <a:ea typeface="+mn-ea"/>
+                      </a:endParaRPr>
+                    </a:p>
+                  </a:txBody>
+                  <a:tcPr marL="88964" marR="88964" marT="48930" marB="48930" anchor="ctr">
+                    <a:solidFill>
+                      <a:srgbClr val="F8E9E8"/>
+                    </a:solidFill>
+                  </a:tcPr>
+                </a:tc>
+                <a:extLst>
+                  <a:ext uri="{0D108BD9-81ED-4DB2-BD59-A6C34878D82A}">
+                    <a16:rowId xmlns:a16="http://schemas.microsoft.com/office/drawing/2014/main" val="3285518522"/>
+                  </a:ext>
+                </a:extLst>
+              </a:tr>
+            </a:tbl>
+          </a:graphicData>
+        </a:graphic>
+      </p:graphicFrame>
+    </p:spTree>
+    <p:extLst>
+      <p:ext uri="{BB962C8B-B14F-4D97-AF65-F5344CB8AC3E}">
+        <p14:creationId xmlns:p14="http://schemas.microsoft.com/office/powerpoint/2010/main" val="3002593038"/>
+      </p:ext>
+    </p:extLst>
+  </p:cSld>
+  <p:clrMapOvr>
+    <a:masterClrMapping/>
+  </p:clrMapOvr>
+  <p:timing>
+    <p:tnLst>
+      <p:par>
+        <p:cTn id="1" dur="indefinite" restart="never" nodeType="tmRoot">
+          <p:childTnLst>
+            <p:seq concurrent="1" nextAc="seek">
+              <p:cTn id="2" dur="indefinite" nodeType="mainSeq">
+                <p:childTnLst>
+                  <p:par>
+                    <p:cTn id="3" fill="hold">
+                      <p:stCondLst>
+                        <p:cond delay="indefinite"/>
+                      </p:stCondLst>
+                      <p:childTnLst>
+                        <p:par>
+                          <p:cTn id="4" fill="hold">
+                            <p:stCondLst>
+                              <p:cond delay="0"/>
+                            </p:stCondLst>
+                            <p:childTnLst>
+                              <p:par>
+                                <p:cTn id="5" presetID="10" presetClass="entr" presetSubtype="0" fill="hold" nodeType="clickEffect">
+                                  <p:stCondLst>
+                                    <p:cond delay="0"/>
+                                  </p:stCondLst>
+                                  <p:childTnLst>
+                                    <p:set>
+                                      <p:cBhvr>
+                                        <p:cTn id="6" dur="1" fill="hold">
+                                          <p:stCondLst>
+                                            <p:cond delay="0"/>
+                                          </p:stCondLst>
+                                        </p:cTn>
+                                        <p:tgtEl>
+                                          <p:spTgt spid="8"/>
+                                        </p:tgtEl>
+                                        <p:attrNameLst>
+                                          <p:attrName>style.visibility</p:attrName>
+                                        </p:attrNameLst>
+                                      </p:cBhvr>
+                                      <p:to>
+                                        <p:strVal val="visible"/>
+                                      </p:to>
+                                    </p:set>
+                                    <p:animEffect transition="in" filter="fade">
+                                      <p:cBhvr>
+                                        <p:cTn id="7" dur="500"/>
+                                        <p:tgtEl>
+                                          <p:spTgt spid="8"/>
+                                        </p:tgtEl>
+                                      </p:cBhvr>
+                                    </p:animEffect>
+                                  </p:childTnLst>
+                                </p:cTn>
+                              </p:par>
+                            </p:childTnLst>
+                          </p:cTn>
+                        </p:par>
+                      </p:childTnLst>
+                    </p:cTn>
+                  </p:par>
+                </p:childTnLst>
+              </p:cTn>
+              <p:prevCondLst>
+                <p:cond evt="onPrev" delay="0">
+                  <p:tgtEl>
+                    <p:sldTgt/>
+                  </p:tgtEl>
+                </p:cond>
+              </p:prevCondLst>
+              <p:nextCondLst>
+                <p:cond evt="onNext" delay="0">
+                  <p:tgtEl>
+                    <p:sldTgt/>
+                  </p:tgtEl>
+                </p:cond>
+              </p:nextCondLst>
+            </p:seq>
+          </p:childTnLst>
+        </p:cTn>
+      </p:par>
+    </p:tnLst>
+  </p:timing>
+</p:sld>
+</file>
+
+<file path=ppt/slides/slide9.xml><?xml version="1.0" encoding="utf-8"?>
 <p:sld xmlns:a="http://schemas.openxmlformats.org/drawingml/2006/main" xmlns:r="http://schemas.openxmlformats.org/officeDocument/2006/relationships" xmlns:p="http://schemas.openxmlformats.org/presentationml/2006/main">
   <p:cSld>
     <p:spTree>
@@ -31110,1249 +33892,6 @@
       <p:bldP spid="19" grpId="0" animBg="1"/>
     </p:bldLst>
   </p:timing>
-</p:sld>
-</file>
-
-<file path=ppt/slides/slide9.xml><?xml version="1.0" encoding="utf-8"?>
-<p:sld xmlns:a="http://schemas.openxmlformats.org/drawingml/2006/main" xmlns:r="http://schemas.openxmlformats.org/officeDocument/2006/relationships" xmlns:p="http://schemas.openxmlformats.org/presentationml/2006/main">
-  <p:cSld>
-    <p:spTree>
-      <p:nvGrpSpPr>
-        <p:cNvPr id="1" name=""/>
-        <p:cNvGrpSpPr/>
-        <p:nvPr/>
-      </p:nvGrpSpPr>
-      <p:grpSpPr>
-        <a:xfrm>
-          <a:off x="0" y="0"/>
-          <a:ext cx="0" cy="0"/>
-          <a:chOff x="0" y="0"/>
-          <a:chExt cx="0" cy="0"/>
-        </a:xfrm>
-      </p:grpSpPr>
-      <p:sp>
-        <p:nvSpPr>
-          <p:cNvPr id="2" name="제목 1">
-            <a:extLst>
-              <a:ext uri="{FF2B5EF4-FFF2-40B4-BE49-F238E27FC236}">
-                <a16:creationId xmlns:a16="http://schemas.microsoft.com/office/drawing/2014/main" id="{6EE10536-443B-4CA6-9703-38E30A937B20}"/>
-              </a:ext>
-            </a:extLst>
-          </p:cNvPr>
-          <p:cNvSpPr>
-            <a:spLocks noGrp="1"/>
-          </p:cNvSpPr>
-          <p:nvPr>
-            <p:ph type="title"/>
-          </p:nvPr>
-        </p:nvSpPr>
-        <p:spPr/>
-        <p:txBody>
-          <a:bodyPr/>
-          <a:lstStyle/>
-          <a:p>
-            <a:endParaRPr lang="ko-KR" altLang="en-US"/>
-          </a:p>
-        </p:txBody>
-      </p:sp>
-      <p:sp>
-        <p:nvSpPr>
-          <p:cNvPr id="3" name="내용 개체 틀 2">
-            <a:extLst>
-              <a:ext uri="{FF2B5EF4-FFF2-40B4-BE49-F238E27FC236}">
-                <a16:creationId xmlns:a16="http://schemas.microsoft.com/office/drawing/2014/main" id="{3447B823-6701-4B14-8CA0-52E2E2CD5FFA}"/>
-              </a:ext>
-            </a:extLst>
-          </p:cNvPr>
-          <p:cNvSpPr>
-            <a:spLocks noGrp="1"/>
-          </p:cNvSpPr>
-          <p:nvPr>
-            <p:ph idx="1"/>
-          </p:nvPr>
-        </p:nvSpPr>
-        <p:spPr/>
-        <p:txBody>
-          <a:bodyPr/>
-          <a:lstStyle/>
-          <a:p>
-            <a:endParaRPr lang="ko-KR" altLang="en-US" dirty="0"/>
-          </a:p>
-        </p:txBody>
-      </p:sp>
-      <p:sp>
-        <p:nvSpPr>
-          <p:cNvPr id="4" name="직사각형 3">
-            <a:extLst>
-              <a:ext uri="{FF2B5EF4-FFF2-40B4-BE49-F238E27FC236}">
-                <a16:creationId xmlns:a16="http://schemas.microsoft.com/office/drawing/2014/main" id="{5ECA7943-40E4-40DF-A449-BB891993D82E}"/>
-              </a:ext>
-            </a:extLst>
-          </p:cNvPr>
-          <p:cNvSpPr/>
-          <p:nvPr/>
-        </p:nvSpPr>
-        <p:spPr>
-          <a:xfrm>
-            <a:off x="409575" y="438206"/>
-            <a:ext cx="11372850" cy="6018014"/>
-          </a:xfrm>
-          <a:prstGeom prst="rect">
-            <a:avLst/>
-          </a:prstGeom>
-          <a:solidFill>
-            <a:schemeClr val="bg1"/>
-          </a:solidFill>
-          <a:ln w="187325">
-            <a:gradFill>
-              <a:gsLst>
-                <a:gs pos="50000">
-                  <a:srgbClr val="EFCCCA"/>
-                </a:gs>
-                <a:gs pos="50000">
-                  <a:schemeClr val="bg1">
-                    <a:lumMod val="85000"/>
-                  </a:schemeClr>
-                </a:gs>
-              </a:gsLst>
-              <a:lin ang="6600000" scaled="0"/>
-            </a:gradFill>
-          </a:ln>
-          <a:effectLst>
-            <a:outerShdw blurRad="431800" dist="241300" dir="5400000" sx="97000" sy="97000" algn="t" rotWithShape="0">
-              <a:prstClr val="black">
-                <a:alpha val="31000"/>
-              </a:prstClr>
-            </a:outerShdw>
-          </a:effectLst>
-        </p:spPr>
-        <p:style>
-          <a:lnRef idx="2">
-            <a:schemeClr val="accent1">
-              <a:shade val="50000"/>
-            </a:schemeClr>
-          </a:lnRef>
-          <a:fillRef idx="1">
-            <a:schemeClr val="accent1"/>
-          </a:fillRef>
-          <a:effectRef idx="0">
-            <a:schemeClr val="accent1"/>
-          </a:effectRef>
-          <a:fontRef idx="minor">
-            <a:schemeClr val="lt1"/>
-          </a:fontRef>
-        </p:style>
-        <p:txBody>
-          <a:bodyPr rtlCol="0" anchor="t"/>
-          <a:lstStyle/>
-          <a:p>
-            <a:pPr algn="ctr" latinLnBrk="0">
-              <a:lnSpc>
-                <a:spcPct val="150000"/>
-              </a:lnSpc>
-              <a:defRPr/>
-            </a:pPr>
-            <a:r>
-              <a:rPr lang="ko-KR" altLang="en-US" sz="2400" b="1" i="1" kern="0" dirty="0">
-                <a:solidFill>
-                  <a:srgbClr val="B3ACB3"/>
-                </a:solidFill>
-              </a:rPr>
-              <a:t>기능 및 요구사항 정의</a:t>
-            </a:r>
-            <a:endParaRPr lang="en-US" altLang="ko-KR" sz="2400" b="1" i="1" kern="0" dirty="0">
-              <a:solidFill>
-                <a:srgbClr val="B3ACB3"/>
-              </a:solidFill>
-            </a:endParaRPr>
-          </a:p>
-          <a:p>
-            <a:pPr algn="ctr" latinLnBrk="0">
-              <a:lnSpc>
-                <a:spcPct val="150000"/>
-              </a:lnSpc>
-              <a:defRPr/>
-            </a:pPr>
-            <a:endParaRPr lang="en-US" altLang="ko-KR" sz="2400" b="1" i="1" kern="0" dirty="0">
-              <a:solidFill>
-                <a:srgbClr val="B3ACB3"/>
-              </a:solidFill>
-            </a:endParaRPr>
-          </a:p>
-          <a:p>
-            <a:pPr algn="ctr" latinLnBrk="0">
-              <a:lnSpc>
-                <a:spcPct val="150000"/>
-              </a:lnSpc>
-              <a:defRPr/>
-            </a:pPr>
-            <a:endParaRPr lang="en-US" altLang="ko-KR" sz="2400" b="1" i="1" kern="0" dirty="0">
-              <a:solidFill>
-                <a:srgbClr val="B3ACB3"/>
-              </a:solidFill>
-            </a:endParaRPr>
-          </a:p>
-        </p:txBody>
-      </p:sp>
-      <p:graphicFrame>
-        <p:nvGraphicFramePr>
-          <p:cNvPr id="6" name="표 5">
-            <a:extLst>
-              <a:ext uri="{FF2B5EF4-FFF2-40B4-BE49-F238E27FC236}">
-                <a16:creationId xmlns:a16="http://schemas.microsoft.com/office/drawing/2014/main" id="{6D1B560B-20FA-4AEE-885C-DEA657B62D4F}"/>
-              </a:ext>
-            </a:extLst>
-          </p:cNvPr>
-          <p:cNvGraphicFramePr>
-            <a:graphicFrameLocks noGrp="1"/>
-          </p:cNvGraphicFramePr>
-          <p:nvPr>
-            <p:extLst>
-              <p:ext uri="{D42A27DB-BD31-4B8C-83A1-F6EECF244321}">
-                <p14:modId xmlns:p14="http://schemas.microsoft.com/office/powerpoint/2010/main" val="376772632"/>
-              </p:ext>
-            </p:extLst>
-          </p:nvPr>
-        </p:nvGraphicFramePr>
-        <p:xfrm>
-          <a:off x="725534" y="1087655"/>
-          <a:ext cx="10740932" cy="5089308"/>
-        </p:xfrm>
-        <a:graphic>
-          <a:graphicData uri="http://schemas.openxmlformats.org/drawingml/2006/table">
-            <a:tbl>
-              <a:tblPr firstRow="1" bandRow="1">
-                <a:tableStyleId>{5C22544A-7EE6-4342-B048-85BDC9FD1C3A}</a:tableStyleId>
-              </a:tblPr>
-              <a:tblGrid>
-                <a:gridCol w="2510189">
-                  <a:extLst>
-                    <a:ext uri="{9D8B030D-6E8A-4147-A177-3AD203B41FA5}">
-                      <a16:colId xmlns:a16="http://schemas.microsoft.com/office/drawing/2014/main" val="20000"/>
-                    </a:ext>
-                  </a:extLst>
-                </a:gridCol>
-                <a:gridCol w="8230743">
-                  <a:extLst>
-                    <a:ext uri="{9D8B030D-6E8A-4147-A177-3AD203B41FA5}">
-                      <a16:colId xmlns:a16="http://schemas.microsoft.com/office/drawing/2014/main" val="20001"/>
-                    </a:ext>
-                  </a:extLst>
-                </a:gridCol>
-              </a:tblGrid>
-              <a:tr h="429951">
-                <a:tc>
-                  <a:txBody>
-                    <a:bodyPr/>
-                    <a:lstStyle/>
-                    <a:p>
-                      <a:pPr algn="ctr" latinLnBrk="1"/>
-                      <a:r>
-                        <a:rPr lang="ko-KR" altLang="en-US" sz="1400" b="1" i="1" dirty="0">
-                          <a:solidFill>
-                            <a:schemeClr val="bg1"/>
-                          </a:solidFill>
-                          <a:latin typeface="+mn-ea"/>
-                          <a:ea typeface="+mn-ea"/>
-                        </a:rPr>
-                        <a:t>기능</a:t>
-                      </a:r>
-                    </a:p>
-                  </a:txBody>
-                  <a:tcPr marL="88964" marR="88964" marT="44482" marB="44482" anchor="ctr">
-                    <a:solidFill>
-                      <a:srgbClr val="FF9999"/>
-                    </a:solidFill>
-                  </a:tcPr>
-                </a:tc>
-                <a:tc>
-                  <a:txBody>
-                    <a:bodyPr/>
-                    <a:lstStyle/>
-                    <a:p>
-                      <a:pPr algn="ctr" latinLnBrk="1"/>
-                      <a:r>
-                        <a:rPr lang="ko-KR" altLang="en-US" sz="1400" b="1" i="1" dirty="0">
-                          <a:solidFill>
-                            <a:schemeClr val="bg1"/>
-                          </a:solidFill>
-                          <a:latin typeface="+mn-ea"/>
-                          <a:ea typeface="+mn-ea"/>
-                        </a:rPr>
-                        <a:t>설명</a:t>
-                      </a:r>
-                    </a:p>
-                  </a:txBody>
-                  <a:tcPr marL="88964" marR="88964" marT="44482" marB="44482" anchor="ctr">
-                    <a:solidFill>
-                      <a:srgbClr val="FF9999"/>
-                    </a:solidFill>
-                  </a:tcPr>
-                </a:tc>
-                <a:extLst>
-                  <a:ext uri="{0D108BD9-81ED-4DB2-BD59-A6C34878D82A}">
-                    <a16:rowId xmlns:a16="http://schemas.microsoft.com/office/drawing/2014/main" val="10000"/>
-                  </a:ext>
-                </a:extLst>
-              </a:tr>
-              <a:tr h="365271">
-                <a:tc>
-                  <a:txBody>
-                    <a:bodyPr/>
-                    <a:lstStyle/>
-                    <a:p>
-                      <a:pPr marL="0" marR="0" indent="0" algn="ctr" defTabSz="914400" rtl="0" eaLnBrk="1" fontAlgn="auto" latinLnBrk="1" hangingPunct="1">
-                        <a:lnSpc>
-                          <a:spcPct val="100000"/>
-                        </a:lnSpc>
-                        <a:spcBef>
-                          <a:spcPts val="0"/>
-                        </a:spcBef>
-                        <a:spcAft>
-                          <a:spcPts val="0"/>
-                        </a:spcAft>
-                        <a:buClrTx/>
-                        <a:buSzTx/>
-                        <a:buFontTx/>
-                        <a:buNone/>
-                        <a:tabLst/>
-                        <a:defRPr/>
-                      </a:pPr>
-                      <a:r>
-                        <a:rPr lang="ko-KR" altLang="en-US" sz="1400" b="1" i="1" dirty="0">
-                          <a:solidFill>
-                            <a:schemeClr val="bg1">
-                              <a:lumMod val="50000"/>
-                            </a:schemeClr>
-                          </a:solidFill>
-                          <a:latin typeface="+mn-ea"/>
-                          <a:ea typeface="+mn-ea"/>
-                        </a:rPr>
-                        <a:t>검색 기능</a:t>
-                      </a:r>
-                    </a:p>
-                  </a:txBody>
-                  <a:tcPr marL="88964" marR="88964" marT="44482" marB="44482" anchor="ctr">
-                    <a:solidFill>
-                      <a:srgbClr val="EFCCCA"/>
-                    </a:solidFill>
-                  </a:tcPr>
-                </a:tc>
-                <a:tc>
-                  <a:txBody>
-                    <a:bodyPr/>
-                    <a:lstStyle/>
-                    <a:p>
-                      <a:pPr algn="ctr" latinLnBrk="1"/>
-                      <a:r>
-                        <a:rPr lang="ko-KR" altLang="en-US" sz="1400" b="0" i="1" dirty="0">
-                          <a:solidFill>
-                            <a:schemeClr val="bg1">
-                              <a:lumMod val="50000"/>
-                            </a:schemeClr>
-                          </a:solidFill>
-                          <a:latin typeface="+mn-ea"/>
-                          <a:ea typeface="+mn-ea"/>
-                        </a:rPr>
-                        <a:t>사용자는 자신이 궁금한 정보를 검색할 수 있다</a:t>
-                      </a:r>
-                      <a:r>
-                        <a:rPr lang="en-US" altLang="ko-KR" sz="1400" b="0" i="1" dirty="0">
-                          <a:solidFill>
-                            <a:schemeClr val="bg1">
-                              <a:lumMod val="50000"/>
-                            </a:schemeClr>
-                          </a:solidFill>
-                          <a:latin typeface="+mn-ea"/>
-                          <a:ea typeface="+mn-ea"/>
-                        </a:rPr>
-                        <a:t>.</a:t>
-                      </a:r>
-                      <a:endParaRPr lang="ko-KR" altLang="en-US" sz="1400" b="0" i="1" dirty="0">
-                        <a:solidFill>
-                          <a:schemeClr val="bg1">
-                            <a:lumMod val="50000"/>
-                          </a:schemeClr>
-                        </a:solidFill>
-                        <a:latin typeface="+mn-ea"/>
-                        <a:ea typeface="+mn-ea"/>
-                      </a:endParaRPr>
-                    </a:p>
-                  </a:txBody>
-                  <a:tcPr marL="88964" marR="88964" marT="44482" marB="44482" anchor="ctr">
-                    <a:solidFill>
-                      <a:srgbClr val="F8E9E8"/>
-                    </a:solidFill>
-                  </a:tcPr>
-                </a:tc>
-                <a:extLst>
-                  <a:ext uri="{0D108BD9-81ED-4DB2-BD59-A6C34878D82A}">
-                    <a16:rowId xmlns:a16="http://schemas.microsoft.com/office/drawing/2014/main" val="10001"/>
-                  </a:ext>
-                </a:extLst>
-              </a:tr>
-              <a:tr h="432313">
-                <a:tc>
-                  <a:txBody>
-                    <a:bodyPr/>
-                    <a:lstStyle/>
-                    <a:p>
-                      <a:pPr algn="ctr" latinLnBrk="1"/>
-                      <a:r>
-                        <a:rPr lang="ko-KR" altLang="en-US" sz="1400" b="1" i="1" dirty="0">
-                          <a:solidFill>
-                            <a:schemeClr val="bg1">
-                              <a:lumMod val="50000"/>
-                            </a:schemeClr>
-                          </a:solidFill>
-                          <a:latin typeface="+mn-ea"/>
-                          <a:ea typeface="+mn-ea"/>
-                        </a:rPr>
-                        <a:t>카테고리별 분류 기능</a:t>
-                      </a:r>
-                    </a:p>
-                  </a:txBody>
-                  <a:tcPr marL="88964" marR="88964" marT="44482" marB="44482" anchor="ctr">
-                    <a:solidFill>
-                      <a:srgbClr val="EFCCCA"/>
-                    </a:solidFill>
-                  </a:tcPr>
-                </a:tc>
-                <a:tc>
-                  <a:txBody>
-                    <a:bodyPr/>
-                    <a:lstStyle/>
-                    <a:p>
-                      <a:pPr algn="ctr" latinLnBrk="1"/>
-                      <a:r>
-                        <a:rPr lang="ko-KR" altLang="en-US" sz="1400" b="0" i="1" dirty="0">
-                          <a:solidFill>
-                            <a:schemeClr val="bg1">
-                              <a:lumMod val="50000"/>
-                            </a:schemeClr>
-                          </a:solidFill>
-                          <a:latin typeface="+mn-ea"/>
-                          <a:ea typeface="+mn-ea"/>
-                        </a:rPr>
-                        <a:t>각 주제에 맞는 카테고리별 순위 리스트를 버튼 형식으로 제공해 주는 기능</a:t>
-                      </a:r>
-                    </a:p>
-                  </a:txBody>
-                  <a:tcPr marL="88964" marR="88964" marT="44482" marB="44482" anchor="ctr">
-                    <a:solidFill>
-                      <a:srgbClr val="F8E9E8"/>
-                    </a:solidFill>
-                  </a:tcPr>
-                </a:tc>
-                <a:extLst>
-                  <a:ext uri="{0D108BD9-81ED-4DB2-BD59-A6C34878D82A}">
-                    <a16:rowId xmlns:a16="http://schemas.microsoft.com/office/drawing/2014/main" val="10002"/>
-                  </a:ext>
-                </a:extLst>
-              </a:tr>
-              <a:tr h="365271">
-                <a:tc>
-                  <a:txBody>
-                    <a:bodyPr/>
-                    <a:lstStyle/>
-                    <a:p>
-                      <a:pPr algn="ctr" latinLnBrk="1"/>
-                      <a:r>
-                        <a:rPr lang="ko-KR" altLang="en-US" sz="1400" b="1" i="1" dirty="0">
-                          <a:solidFill>
-                            <a:schemeClr val="bg1">
-                              <a:lumMod val="50000"/>
-                            </a:schemeClr>
-                          </a:solidFill>
-                          <a:latin typeface="+mn-ea"/>
-                          <a:ea typeface="+mn-ea"/>
-                        </a:rPr>
-                        <a:t>정보 등록 기능</a:t>
-                      </a:r>
-                    </a:p>
-                  </a:txBody>
-                  <a:tcPr marL="88964" marR="88964" marT="44482" marB="44482" anchor="ctr">
-                    <a:solidFill>
-                      <a:srgbClr val="EFCCCA"/>
-                    </a:solidFill>
-                  </a:tcPr>
-                </a:tc>
-                <a:tc>
-                  <a:txBody>
-                    <a:bodyPr/>
-                    <a:lstStyle/>
-                    <a:p>
-                      <a:pPr algn="ctr" latinLnBrk="1"/>
-                      <a:r>
-                        <a:rPr lang="ko-KR" altLang="en-US" sz="1400" b="0" i="1" dirty="0">
-                          <a:solidFill>
-                            <a:schemeClr val="bg1">
-                              <a:lumMod val="50000"/>
-                            </a:schemeClr>
-                          </a:solidFill>
-                          <a:latin typeface="+mn-ea"/>
-                          <a:ea typeface="+mn-ea"/>
-                        </a:rPr>
-                        <a:t>관리자는 각 정보를 입력하고 수정 및 삭제할 수 있다</a:t>
-                      </a:r>
-                    </a:p>
-                  </a:txBody>
-                  <a:tcPr marL="88964" marR="88964" marT="44482" marB="44482" anchor="ctr">
-                    <a:solidFill>
-                      <a:srgbClr val="F8E9E8"/>
-                    </a:solidFill>
-                  </a:tcPr>
-                </a:tc>
-                <a:extLst>
-                  <a:ext uri="{0D108BD9-81ED-4DB2-BD59-A6C34878D82A}">
-                    <a16:rowId xmlns:a16="http://schemas.microsoft.com/office/drawing/2014/main" val="10003"/>
-                  </a:ext>
-                </a:extLst>
-              </a:tr>
-              <a:tr h="365271">
-                <a:tc>
-                  <a:txBody>
-                    <a:bodyPr/>
-                    <a:lstStyle/>
-                    <a:p>
-                      <a:pPr algn="ctr" latinLnBrk="1"/>
-                      <a:r>
-                        <a:rPr lang="ko-KR" altLang="en-US" sz="1400" b="1" i="1" dirty="0">
-                          <a:solidFill>
-                            <a:schemeClr val="bg1">
-                              <a:lumMod val="50000"/>
-                            </a:schemeClr>
-                          </a:solidFill>
-                          <a:latin typeface="+mn-ea"/>
-                          <a:ea typeface="+mn-ea"/>
-                        </a:rPr>
-                        <a:t>로그인 기능</a:t>
-                      </a:r>
-                    </a:p>
-                  </a:txBody>
-                  <a:tcPr marL="88964" marR="88964" marT="44482" marB="44482" anchor="ctr">
-                    <a:solidFill>
-                      <a:srgbClr val="EFCCCA"/>
-                    </a:solidFill>
-                  </a:tcPr>
-                </a:tc>
-                <a:tc>
-                  <a:txBody>
-                    <a:bodyPr/>
-                    <a:lstStyle/>
-                    <a:p>
-                      <a:pPr algn="ctr" latinLnBrk="1"/>
-                      <a:r>
-                        <a:rPr lang="ko-KR" altLang="en-US" sz="1400" b="0" i="1" dirty="0">
-                          <a:solidFill>
-                            <a:schemeClr val="bg1">
-                              <a:lumMod val="50000"/>
-                            </a:schemeClr>
-                          </a:solidFill>
-                          <a:latin typeface="+mn-ea"/>
-                          <a:ea typeface="+mn-ea"/>
-                        </a:rPr>
-                        <a:t>사용자는 아이디 </a:t>
-                      </a:r>
-                      <a:r>
-                        <a:rPr lang="en-US" altLang="ko-KR" sz="1400" b="0" i="1" dirty="0">
-                          <a:solidFill>
-                            <a:schemeClr val="bg1">
-                              <a:lumMod val="50000"/>
-                            </a:schemeClr>
-                          </a:solidFill>
-                          <a:latin typeface="+mn-ea"/>
-                          <a:ea typeface="+mn-ea"/>
-                        </a:rPr>
-                        <a:t>/ </a:t>
-                      </a:r>
-                      <a:r>
-                        <a:rPr lang="ko-KR" altLang="en-US" sz="1400" b="0" i="1" dirty="0">
-                          <a:solidFill>
-                            <a:schemeClr val="bg1">
-                              <a:lumMod val="50000"/>
-                            </a:schemeClr>
-                          </a:solidFill>
-                          <a:latin typeface="+mn-ea"/>
-                          <a:ea typeface="+mn-ea"/>
-                        </a:rPr>
-                        <a:t>비밀번호를 입력해 로그인할 수 있다</a:t>
-                      </a:r>
-                      <a:r>
-                        <a:rPr lang="en-US" altLang="ko-KR" sz="1400" b="0" i="1" dirty="0">
-                          <a:solidFill>
-                            <a:schemeClr val="bg1">
-                              <a:lumMod val="50000"/>
-                            </a:schemeClr>
-                          </a:solidFill>
-                          <a:latin typeface="+mn-ea"/>
-                          <a:ea typeface="+mn-ea"/>
-                        </a:rPr>
-                        <a:t>.</a:t>
-                      </a:r>
-                      <a:r>
-                        <a:rPr lang="ko-KR" altLang="en-US" sz="1400" b="0" i="1" dirty="0">
-                          <a:solidFill>
-                            <a:schemeClr val="bg1">
-                              <a:lumMod val="50000"/>
-                            </a:schemeClr>
-                          </a:solidFill>
-                          <a:latin typeface="+mn-ea"/>
-                          <a:ea typeface="+mn-ea"/>
-                        </a:rPr>
-                        <a:t> </a:t>
-                      </a:r>
-                    </a:p>
-                  </a:txBody>
-                  <a:tcPr marL="88964" marR="88964" marT="44482" marB="44482" anchor="ctr">
-                    <a:solidFill>
-                      <a:srgbClr val="F8E9E8"/>
-                    </a:solidFill>
-                  </a:tcPr>
-                </a:tc>
-                <a:extLst>
-                  <a:ext uri="{0D108BD9-81ED-4DB2-BD59-A6C34878D82A}">
-                    <a16:rowId xmlns:a16="http://schemas.microsoft.com/office/drawing/2014/main" val="10004"/>
-                  </a:ext>
-                </a:extLst>
-              </a:tr>
-              <a:tr h="365271">
-                <a:tc>
-                  <a:txBody>
-                    <a:bodyPr/>
-                    <a:lstStyle/>
-                    <a:p>
-                      <a:pPr algn="ctr" latinLnBrk="1"/>
-                      <a:r>
-                        <a:rPr lang="ko-KR" altLang="en-US" sz="1400" b="1" i="1" dirty="0">
-                          <a:solidFill>
-                            <a:schemeClr val="bg1">
-                              <a:lumMod val="50000"/>
-                            </a:schemeClr>
-                          </a:solidFill>
-                          <a:latin typeface="+mn-ea"/>
-                          <a:ea typeface="+mn-ea"/>
-                        </a:rPr>
-                        <a:t>회원가입 기능</a:t>
-                      </a:r>
-                    </a:p>
-                  </a:txBody>
-                  <a:tcPr marL="88964" marR="88964" marT="44482" marB="44482" anchor="ctr">
-                    <a:solidFill>
-                      <a:srgbClr val="EFCCCA"/>
-                    </a:solidFill>
-                  </a:tcPr>
-                </a:tc>
-                <a:tc>
-                  <a:txBody>
-                    <a:bodyPr/>
-                    <a:lstStyle/>
-                    <a:p>
-                      <a:pPr algn="ctr" latinLnBrk="1"/>
-                      <a:r>
-                        <a:rPr lang="ko-KR" altLang="en-US" sz="1400" b="0" i="1" dirty="0">
-                          <a:solidFill>
-                            <a:schemeClr val="bg1">
-                              <a:lumMod val="50000"/>
-                            </a:schemeClr>
-                          </a:solidFill>
-                          <a:latin typeface="+mn-ea"/>
-                          <a:ea typeface="+mn-ea"/>
-                        </a:rPr>
-                        <a:t>방문자는 회원가입 기능을 통해 사용자로 등록될 수 있다</a:t>
-                      </a:r>
-                      <a:r>
-                        <a:rPr lang="en-US" altLang="ko-KR" sz="1400" b="0" i="1" dirty="0">
-                          <a:solidFill>
-                            <a:schemeClr val="bg1">
-                              <a:lumMod val="50000"/>
-                            </a:schemeClr>
-                          </a:solidFill>
-                          <a:latin typeface="+mn-ea"/>
-                          <a:ea typeface="+mn-ea"/>
-                        </a:rPr>
-                        <a:t>.</a:t>
-                      </a:r>
-                      <a:endParaRPr lang="ko-KR" altLang="en-US" sz="1400" b="0" i="1" dirty="0">
-                        <a:solidFill>
-                          <a:schemeClr val="bg1">
-                            <a:lumMod val="50000"/>
-                          </a:schemeClr>
-                        </a:solidFill>
-                        <a:latin typeface="+mn-ea"/>
-                        <a:ea typeface="+mn-ea"/>
-                      </a:endParaRPr>
-                    </a:p>
-                  </a:txBody>
-                  <a:tcPr marL="88964" marR="88964" marT="44482" marB="44482" anchor="ctr">
-                    <a:solidFill>
-                      <a:srgbClr val="F8E9E8"/>
-                    </a:solidFill>
-                  </a:tcPr>
-                </a:tc>
-                <a:extLst>
-                  <a:ext uri="{0D108BD9-81ED-4DB2-BD59-A6C34878D82A}">
-                    <a16:rowId xmlns:a16="http://schemas.microsoft.com/office/drawing/2014/main" val="10006"/>
-                  </a:ext>
-                </a:extLst>
-              </a:tr>
-              <a:tr h="365271">
-                <a:tc>
-                  <a:txBody>
-                    <a:bodyPr/>
-                    <a:lstStyle/>
-                    <a:p>
-                      <a:pPr algn="ctr" latinLnBrk="1"/>
-                      <a:r>
-                        <a:rPr lang="ko-KR" altLang="en-US" sz="1400" b="1" i="1" dirty="0">
-                          <a:solidFill>
-                            <a:schemeClr val="bg1">
-                              <a:lumMod val="50000"/>
-                            </a:schemeClr>
-                          </a:solidFill>
-                          <a:latin typeface="+mn-ea"/>
-                          <a:ea typeface="+mn-ea"/>
-                        </a:rPr>
-                        <a:t>회원정보 기능</a:t>
-                      </a:r>
-                    </a:p>
-                  </a:txBody>
-                  <a:tcPr marL="88964" marR="88964" marT="44482" marB="44482" anchor="ctr">
-                    <a:solidFill>
-                      <a:srgbClr val="EFCCCA"/>
-                    </a:solidFill>
-                  </a:tcPr>
-                </a:tc>
-                <a:tc>
-                  <a:txBody>
-                    <a:bodyPr/>
-                    <a:lstStyle/>
-                    <a:p>
-                      <a:pPr algn="ctr" latinLnBrk="1"/>
-                      <a:r>
-                        <a:rPr lang="ko-KR" altLang="en-US" sz="1400" b="0" i="1" dirty="0">
-                          <a:solidFill>
-                            <a:schemeClr val="bg1">
-                              <a:lumMod val="50000"/>
-                            </a:schemeClr>
-                          </a:solidFill>
-                          <a:latin typeface="+mn-ea"/>
-                          <a:ea typeface="+mn-ea"/>
-                        </a:rPr>
-                        <a:t>사용자는 회원정보에서 회원정보 수정 및 회원정보 조회 등 여러 기능을 사용할 수 있다</a:t>
-                      </a:r>
-                      <a:r>
-                        <a:rPr lang="en-US" altLang="ko-KR" sz="1400" b="0" i="1" dirty="0">
-                          <a:solidFill>
-                            <a:schemeClr val="bg1">
-                              <a:lumMod val="50000"/>
-                            </a:schemeClr>
-                          </a:solidFill>
-                          <a:latin typeface="+mn-ea"/>
-                          <a:ea typeface="+mn-ea"/>
-                        </a:rPr>
-                        <a:t>.</a:t>
-                      </a:r>
-                      <a:endParaRPr lang="ko-KR" altLang="en-US" sz="1400" b="0" i="1" dirty="0">
-                        <a:solidFill>
-                          <a:schemeClr val="bg1">
-                            <a:lumMod val="50000"/>
-                          </a:schemeClr>
-                        </a:solidFill>
-                        <a:latin typeface="+mn-ea"/>
-                        <a:ea typeface="+mn-ea"/>
-                      </a:endParaRPr>
-                    </a:p>
-                  </a:txBody>
-                  <a:tcPr marL="88964" marR="88964" marT="44482" marB="44482" anchor="ctr">
-                    <a:solidFill>
-                      <a:srgbClr val="F8E9E8"/>
-                    </a:solidFill>
-                  </a:tcPr>
-                </a:tc>
-                <a:extLst>
-                  <a:ext uri="{0D108BD9-81ED-4DB2-BD59-A6C34878D82A}">
-                    <a16:rowId xmlns:a16="http://schemas.microsoft.com/office/drawing/2014/main" val="10007"/>
-                  </a:ext>
-                </a:extLst>
-              </a:tr>
-              <a:tr h="365271">
-                <a:tc>
-                  <a:txBody>
-                    <a:bodyPr/>
-                    <a:lstStyle/>
-                    <a:p>
-                      <a:pPr algn="ctr" latinLnBrk="1"/>
-                      <a:r>
-                        <a:rPr lang="ko-KR" altLang="en-US" sz="1400" b="1" i="1" dirty="0">
-                          <a:solidFill>
-                            <a:schemeClr val="bg1">
-                              <a:lumMod val="50000"/>
-                            </a:schemeClr>
-                          </a:solidFill>
-                          <a:latin typeface="+mn-ea"/>
-                          <a:ea typeface="+mn-ea"/>
-                        </a:rPr>
-                        <a:t>회원정보 찾기 기능</a:t>
-                      </a:r>
-                    </a:p>
-                  </a:txBody>
-                  <a:tcPr marL="88964" marR="88964" marT="44482" marB="44482" anchor="ctr">
-                    <a:solidFill>
-                      <a:srgbClr val="EFCCCA"/>
-                    </a:solidFill>
-                  </a:tcPr>
-                </a:tc>
-                <a:tc>
-                  <a:txBody>
-                    <a:bodyPr/>
-                    <a:lstStyle/>
-                    <a:p>
-                      <a:pPr algn="ctr" latinLnBrk="1"/>
-                      <a:r>
-                        <a:rPr lang="ko-KR" altLang="en-US" sz="1400" b="0" i="1" dirty="0">
-                          <a:solidFill>
-                            <a:schemeClr val="bg1">
-                              <a:lumMod val="50000"/>
-                            </a:schemeClr>
-                          </a:solidFill>
-                          <a:latin typeface="+mn-ea"/>
-                          <a:ea typeface="+mn-ea"/>
-                        </a:rPr>
-                        <a:t>사용자는 회원가입 시 입력한 정보를 토대로 회원정보를 찾을 수 있다</a:t>
-                      </a:r>
-                      <a:r>
-                        <a:rPr lang="en-US" altLang="ko-KR" sz="1400" b="0" i="1" dirty="0">
-                          <a:solidFill>
-                            <a:schemeClr val="bg1">
-                              <a:lumMod val="50000"/>
-                            </a:schemeClr>
-                          </a:solidFill>
-                          <a:latin typeface="+mn-ea"/>
-                          <a:ea typeface="+mn-ea"/>
-                        </a:rPr>
-                        <a:t>.</a:t>
-                      </a:r>
-                      <a:endParaRPr lang="ko-KR" altLang="en-US" sz="1400" b="0" i="1" dirty="0">
-                        <a:solidFill>
-                          <a:schemeClr val="bg1">
-                            <a:lumMod val="50000"/>
-                          </a:schemeClr>
-                        </a:solidFill>
-                        <a:latin typeface="+mn-ea"/>
-                        <a:ea typeface="+mn-ea"/>
-                      </a:endParaRPr>
-                    </a:p>
-                  </a:txBody>
-                  <a:tcPr marL="88964" marR="88964" marT="44482" marB="44482" anchor="ctr">
-                    <a:solidFill>
-                      <a:srgbClr val="F8E9E8"/>
-                    </a:solidFill>
-                  </a:tcPr>
-                </a:tc>
-                <a:extLst>
-                  <a:ext uri="{0D108BD9-81ED-4DB2-BD59-A6C34878D82A}">
-                    <a16:rowId xmlns:a16="http://schemas.microsoft.com/office/drawing/2014/main" val="10008"/>
-                  </a:ext>
-                </a:extLst>
-              </a:tr>
-              <a:tr h="365271">
-                <a:tc>
-                  <a:txBody>
-                    <a:bodyPr/>
-                    <a:lstStyle/>
-                    <a:p>
-                      <a:pPr algn="ctr" latinLnBrk="1"/>
-                      <a:r>
-                        <a:rPr lang="ko-KR" altLang="en-US" sz="1400" b="1" i="1" dirty="0">
-                          <a:solidFill>
-                            <a:schemeClr val="bg1">
-                              <a:lumMod val="50000"/>
-                            </a:schemeClr>
-                          </a:solidFill>
-                          <a:latin typeface="+mn-ea"/>
-                          <a:ea typeface="+mn-ea"/>
-                        </a:rPr>
-                        <a:t>회원탈퇴 기능</a:t>
-                      </a:r>
-                    </a:p>
-                  </a:txBody>
-                  <a:tcPr marL="88964" marR="88964" marT="44482" marB="44482" anchor="ctr">
-                    <a:solidFill>
-                      <a:srgbClr val="EFCCCA"/>
-                    </a:solidFill>
-                  </a:tcPr>
-                </a:tc>
-                <a:tc>
-                  <a:txBody>
-                    <a:bodyPr/>
-                    <a:lstStyle/>
-                    <a:p>
-                      <a:pPr algn="ctr" latinLnBrk="1"/>
-                      <a:r>
-                        <a:rPr lang="ko-KR" altLang="en-US" sz="1400" b="0" i="1" dirty="0">
-                          <a:solidFill>
-                            <a:schemeClr val="bg1">
-                              <a:lumMod val="50000"/>
-                            </a:schemeClr>
-                          </a:solidFill>
-                          <a:latin typeface="+mn-ea"/>
-                          <a:ea typeface="+mn-ea"/>
-                        </a:rPr>
-                        <a:t>사용자는 본인이 원하면 회원탈퇴 기능을 통해 탈퇴가 가능하다</a:t>
-                      </a:r>
-                      <a:r>
-                        <a:rPr lang="en-US" altLang="ko-KR" sz="1400" b="0" i="1" dirty="0">
-                          <a:solidFill>
-                            <a:schemeClr val="bg1">
-                              <a:lumMod val="50000"/>
-                            </a:schemeClr>
-                          </a:solidFill>
-                          <a:latin typeface="+mn-ea"/>
-                          <a:ea typeface="+mn-ea"/>
-                        </a:rPr>
-                        <a:t>.</a:t>
-                      </a:r>
-                      <a:endParaRPr lang="ko-KR" altLang="en-US" sz="1400" b="0" i="1" dirty="0">
-                        <a:solidFill>
-                          <a:schemeClr val="bg1">
-                            <a:lumMod val="50000"/>
-                          </a:schemeClr>
-                        </a:solidFill>
-                        <a:latin typeface="+mn-ea"/>
-                        <a:ea typeface="+mn-ea"/>
-                      </a:endParaRPr>
-                    </a:p>
-                  </a:txBody>
-                  <a:tcPr marL="88964" marR="88964" marT="44482" marB="44482" anchor="ctr">
-                    <a:solidFill>
-                      <a:srgbClr val="F8E9E8"/>
-                    </a:solidFill>
-                  </a:tcPr>
-                </a:tc>
-                <a:extLst>
-                  <a:ext uri="{0D108BD9-81ED-4DB2-BD59-A6C34878D82A}">
-                    <a16:rowId xmlns:a16="http://schemas.microsoft.com/office/drawing/2014/main" val="10009"/>
-                  </a:ext>
-                </a:extLst>
-              </a:tr>
-              <a:tr h="880838">
-                <a:tc>
-                  <a:txBody>
-                    <a:bodyPr/>
-                    <a:lstStyle/>
-                    <a:p>
-                      <a:pPr algn="ctr" latinLnBrk="1"/>
-                      <a:endParaRPr lang="en-US" altLang="ko-KR" sz="1400" b="1" i="1" dirty="0">
-                        <a:solidFill>
-                          <a:schemeClr val="bg1">
-                            <a:lumMod val="50000"/>
-                          </a:schemeClr>
-                        </a:solidFill>
-                        <a:latin typeface="+mn-ea"/>
-                        <a:ea typeface="+mn-ea"/>
-                      </a:endParaRPr>
-                    </a:p>
-                    <a:p>
-                      <a:pPr algn="ctr" latinLnBrk="1"/>
-                      <a:r>
-                        <a:rPr lang="ko-KR" altLang="en-US" sz="1400" b="1" i="1" dirty="0">
-                          <a:solidFill>
-                            <a:schemeClr val="bg1">
-                              <a:lumMod val="50000"/>
-                            </a:schemeClr>
-                          </a:solidFill>
-                          <a:latin typeface="+mn-ea"/>
-                          <a:ea typeface="+mn-ea"/>
-                        </a:rPr>
-                        <a:t>추천 기능</a:t>
-                      </a:r>
-                    </a:p>
-                  </a:txBody>
-                  <a:tcPr marL="88964" marR="88964" marT="44482" marB="44482" anchor="ctr">
-                    <a:solidFill>
-                      <a:srgbClr val="EFCCCA"/>
-                    </a:solidFill>
-                  </a:tcPr>
-                </a:tc>
-                <a:tc>
-                  <a:txBody>
-                    <a:bodyPr/>
-                    <a:lstStyle/>
-                    <a:p>
-                      <a:pPr algn="ctr" latinLnBrk="1"/>
-                      <a:r>
-                        <a:rPr lang="ko-KR" altLang="en-US" sz="1400" b="0" i="1" dirty="0">
-                          <a:solidFill>
-                            <a:schemeClr val="bg1">
-                              <a:lumMod val="50000"/>
-                            </a:schemeClr>
-                          </a:solidFill>
-                          <a:latin typeface="+mn-ea"/>
-                          <a:ea typeface="+mn-ea"/>
-                        </a:rPr>
-                        <a:t>사용자는 자신이 생각하기에 카테고리에 맞는 주제라고 생각 되면 </a:t>
-                      </a:r>
-                      <a:endParaRPr lang="en-US" altLang="ko-KR" sz="1400" b="0" i="1" dirty="0">
-                        <a:solidFill>
-                          <a:schemeClr val="bg1">
-                            <a:lumMod val="50000"/>
-                          </a:schemeClr>
-                        </a:solidFill>
-                        <a:latin typeface="+mn-ea"/>
-                        <a:ea typeface="+mn-ea"/>
-                      </a:endParaRPr>
-                    </a:p>
-                    <a:p>
-                      <a:pPr algn="ctr" latinLnBrk="1"/>
-                      <a:r>
-                        <a:rPr lang="ko-KR" altLang="en-US" sz="1400" b="0" i="1" dirty="0">
-                          <a:solidFill>
-                            <a:schemeClr val="bg1">
-                              <a:lumMod val="50000"/>
-                            </a:schemeClr>
-                          </a:solidFill>
-                          <a:latin typeface="+mn-ea"/>
-                          <a:ea typeface="+mn-ea"/>
-                        </a:rPr>
-                        <a:t>추천 기능을 통해 랭킹투표에 참여할 수 있다</a:t>
-                      </a:r>
-                      <a:r>
-                        <a:rPr lang="en-US" altLang="ko-KR" sz="1400" b="0" i="1" dirty="0">
-                          <a:solidFill>
-                            <a:schemeClr val="bg1">
-                              <a:lumMod val="50000"/>
-                            </a:schemeClr>
-                          </a:solidFill>
-                          <a:latin typeface="+mn-ea"/>
-                          <a:ea typeface="+mn-ea"/>
-                        </a:rPr>
-                        <a:t>. </a:t>
-                      </a:r>
-                    </a:p>
-                    <a:p>
-                      <a:pPr algn="ctr" latinLnBrk="1"/>
-                      <a:r>
-                        <a:rPr lang="ko-KR" altLang="en-US" sz="1400" b="0" i="1" dirty="0">
-                          <a:solidFill>
-                            <a:schemeClr val="bg1">
-                              <a:lumMod val="50000"/>
-                            </a:schemeClr>
-                          </a:solidFill>
-                          <a:latin typeface="+mn-ea"/>
-                          <a:ea typeface="+mn-ea"/>
-                        </a:rPr>
-                        <a:t>추천은 한번만 허용되며 추천버튼을 한번 더 누르게 되면 추천이 취소 된다</a:t>
-                      </a:r>
-                      <a:r>
-                        <a:rPr lang="en-US" altLang="ko-KR" sz="1400" b="0" i="1" dirty="0">
-                          <a:solidFill>
-                            <a:schemeClr val="bg1">
-                              <a:lumMod val="50000"/>
-                            </a:schemeClr>
-                          </a:solidFill>
-                          <a:latin typeface="+mn-ea"/>
-                          <a:ea typeface="+mn-ea"/>
-                        </a:rPr>
-                        <a:t>.</a:t>
-                      </a:r>
-                      <a:endParaRPr lang="ko-KR" altLang="en-US" sz="1400" b="0" i="1" dirty="0">
-                        <a:solidFill>
-                          <a:schemeClr val="bg1">
-                            <a:lumMod val="50000"/>
-                          </a:schemeClr>
-                        </a:solidFill>
-                        <a:latin typeface="+mn-ea"/>
-                        <a:ea typeface="+mn-ea"/>
-                      </a:endParaRPr>
-                    </a:p>
-                  </a:txBody>
-                  <a:tcPr marL="88964" marR="88964" marT="44482" marB="44482" anchor="ctr">
-                    <a:solidFill>
-                      <a:srgbClr val="F8E9E8"/>
-                    </a:solidFill>
-                  </a:tcPr>
-                </a:tc>
-                <a:extLst>
-                  <a:ext uri="{0D108BD9-81ED-4DB2-BD59-A6C34878D82A}">
-                    <a16:rowId xmlns:a16="http://schemas.microsoft.com/office/drawing/2014/main" val="10010"/>
-                  </a:ext>
-                </a:extLst>
-              </a:tr>
-              <a:tr h="399570">
-                <a:tc>
-                  <a:txBody>
-                    <a:bodyPr/>
-                    <a:lstStyle/>
-                    <a:p>
-                      <a:pPr algn="ctr" latinLnBrk="1"/>
-                      <a:r>
-                        <a:rPr lang="ko-KR" altLang="en-US" sz="1400" b="1" i="1" dirty="0">
-                          <a:solidFill>
-                            <a:schemeClr val="bg1">
-                              <a:lumMod val="50000"/>
-                            </a:schemeClr>
-                          </a:solidFill>
-                          <a:latin typeface="+mn-ea"/>
-                          <a:ea typeface="+mn-ea"/>
-                        </a:rPr>
-                        <a:t>댓글 작성 기능</a:t>
-                      </a:r>
-                    </a:p>
-                  </a:txBody>
-                  <a:tcPr marL="88964" marR="88964" marT="44482" marB="44482" anchor="ctr">
-                    <a:solidFill>
-                      <a:srgbClr val="EFCCCA"/>
-                    </a:solidFill>
-                  </a:tcPr>
-                </a:tc>
-                <a:tc>
-                  <a:txBody>
-                    <a:bodyPr/>
-                    <a:lstStyle/>
-                    <a:p>
-                      <a:pPr algn="ctr" latinLnBrk="1"/>
-                      <a:r>
-                        <a:rPr lang="ko-KR" altLang="en-US" sz="1400" b="0" i="1" dirty="0">
-                          <a:solidFill>
-                            <a:schemeClr val="bg1">
-                              <a:lumMod val="50000"/>
-                            </a:schemeClr>
-                          </a:solidFill>
-                          <a:latin typeface="+mn-ea"/>
-                          <a:ea typeface="+mn-ea"/>
-                        </a:rPr>
-                        <a:t>사용자는 각 정보에 대해 댓글을 작성할 수 있으며 다른 사람들과 소통할 수 있다</a:t>
-                      </a:r>
-                      <a:r>
-                        <a:rPr lang="en-US" altLang="ko-KR" sz="1400" b="0" i="1" dirty="0">
-                          <a:solidFill>
-                            <a:schemeClr val="bg1">
-                              <a:lumMod val="50000"/>
-                            </a:schemeClr>
-                          </a:solidFill>
-                          <a:latin typeface="+mn-ea"/>
-                          <a:ea typeface="+mn-ea"/>
-                        </a:rPr>
-                        <a:t>.</a:t>
-                      </a:r>
-                      <a:endParaRPr lang="ko-KR" altLang="en-US" sz="1400" b="0" i="1" dirty="0">
-                        <a:solidFill>
-                          <a:schemeClr val="bg1">
-                            <a:lumMod val="50000"/>
-                          </a:schemeClr>
-                        </a:solidFill>
-                        <a:latin typeface="+mn-ea"/>
-                        <a:ea typeface="+mn-ea"/>
-                      </a:endParaRPr>
-                    </a:p>
-                  </a:txBody>
-                  <a:tcPr marL="88964" marR="88964" marT="44482" marB="44482" anchor="ctr">
-                    <a:solidFill>
-                      <a:srgbClr val="F8E9E8"/>
-                    </a:solidFill>
-                  </a:tcPr>
-                </a:tc>
-                <a:extLst>
-                  <a:ext uri="{0D108BD9-81ED-4DB2-BD59-A6C34878D82A}">
-                    <a16:rowId xmlns:a16="http://schemas.microsoft.com/office/drawing/2014/main" val="10011"/>
-                  </a:ext>
-                </a:extLst>
-              </a:tr>
-              <a:tr h="389739">
-                <a:tc>
-                  <a:txBody>
-                    <a:bodyPr/>
-                    <a:lstStyle/>
-                    <a:p>
-                      <a:pPr algn="ctr" latinLnBrk="1"/>
-                      <a:r>
-                        <a:rPr lang="ko-KR" altLang="en-US" sz="1400" b="1" i="1" dirty="0">
-                          <a:solidFill>
-                            <a:schemeClr val="bg1">
-                              <a:lumMod val="50000"/>
-                            </a:schemeClr>
-                          </a:solidFill>
-                          <a:latin typeface="+mn-ea"/>
-                          <a:ea typeface="+mn-ea"/>
-                        </a:rPr>
-                        <a:t>건의 작성 기능</a:t>
-                      </a:r>
-                    </a:p>
-                  </a:txBody>
-                  <a:tcPr marL="88964" marR="88964" marT="44482" marB="44482" anchor="ctr">
-                    <a:solidFill>
-                      <a:srgbClr val="EFCCCA"/>
-                    </a:solidFill>
-                  </a:tcPr>
-                </a:tc>
-                <a:tc>
-                  <a:txBody>
-                    <a:bodyPr/>
-                    <a:lstStyle/>
-                    <a:p>
-                      <a:pPr algn="ctr" latinLnBrk="1"/>
-                      <a:r>
-                        <a:rPr lang="ko-KR" altLang="en-US" sz="1400" b="0" i="1" dirty="0">
-                          <a:solidFill>
-                            <a:schemeClr val="bg1">
-                              <a:lumMod val="50000"/>
-                            </a:schemeClr>
-                          </a:solidFill>
-                          <a:latin typeface="+mn-ea"/>
-                          <a:ea typeface="+mn-ea"/>
-                        </a:rPr>
-                        <a:t>사용자는 불편사항이나 추가되지 않은 정보에 대해 관리자에게 건의할 수 있다</a:t>
-                      </a:r>
-                      <a:r>
-                        <a:rPr lang="en-US" altLang="ko-KR" sz="1400" b="0" i="1" dirty="0">
-                          <a:solidFill>
-                            <a:schemeClr val="bg1">
-                              <a:lumMod val="50000"/>
-                            </a:schemeClr>
-                          </a:solidFill>
-                          <a:latin typeface="+mn-ea"/>
-                          <a:ea typeface="+mn-ea"/>
-                        </a:rPr>
-                        <a:t>.</a:t>
-                      </a:r>
-                      <a:endParaRPr lang="ko-KR" altLang="en-US" sz="1400" b="0" i="1" dirty="0">
-                        <a:solidFill>
-                          <a:schemeClr val="bg1">
-                            <a:lumMod val="50000"/>
-                          </a:schemeClr>
-                        </a:solidFill>
-                        <a:latin typeface="+mn-ea"/>
-                        <a:ea typeface="+mn-ea"/>
-                      </a:endParaRPr>
-                    </a:p>
-                  </a:txBody>
-                  <a:tcPr marL="88964" marR="88964" marT="44482" marB="44482" anchor="ctr">
-                    <a:solidFill>
-                      <a:srgbClr val="F8E9E8"/>
-                    </a:solidFill>
-                  </a:tcPr>
-                </a:tc>
-                <a:extLst>
-                  <a:ext uri="{0D108BD9-81ED-4DB2-BD59-A6C34878D82A}">
-                    <a16:rowId xmlns:a16="http://schemas.microsoft.com/office/drawing/2014/main" val="10013"/>
-                  </a:ext>
-                </a:extLst>
-              </a:tr>
-            </a:tbl>
-          </a:graphicData>
-        </a:graphic>
-      </p:graphicFrame>
-    </p:spTree>
-    <p:extLst>
-      <p:ext uri="{BB962C8B-B14F-4D97-AF65-F5344CB8AC3E}">
-        <p14:creationId xmlns:p14="http://schemas.microsoft.com/office/powerpoint/2010/main" val="1069081174"/>
-      </p:ext>
-    </p:extLst>
-  </p:cSld>
-  <p:clrMapOvr>
-    <a:masterClrMapping/>
-  </p:clrMapOvr>
 </p:sld>
 </file>
 
